--- a/Docs/Tartansync Test State Chart.pptx
+++ b/Docs/Tartansync Test State Chart.pptx
@@ -5,10 +5,12 @@
     <p:sldMasterId id="2147483648" r:id="rId1"/>
   </p:sldMasterIdLst>
   <p:notesMasterIdLst>
-    <p:notesMasterId r:id="rId3"/>
+    <p:notesMasterId r:id="rId5"/>
   </p:notesMasterIdLst>
   <p:sldIdLst>
     <p:sldId id="256" r:id="rId2"/>
+    <p:sldId id="257" r:id="rId3"/>
+    <p:sldId id="258" r:id="rId4"/>
   </p:sldIdLst>
   <p:sldSz cx="12192000" cy="6858000"/>
   <p:notesSz cx="6858000" cy="9144000"/>
@@ -535,6 +537,90 @@
     <p:extLst>
       <p:ext uri="{BB962C8B-B14F-4D97-AF65-F5344CB8AC3E}">
         <p14:creationId xmlns:p14="http://schemas.microsoft.com/office/powerpoint/2010/main" val="3332729273"/>
+      </p:ext>
+    </p:extLst>
+  </p:cSld>
+  <p:clrMapOvr>
+    <a:masterClrMapping/>
+  </p:clrMapOvr>
+</p:notes>
+</file>
+
+<file path=ppt/notesSlides/notesSlide2.xml><?xml version="1.0" encoding="utf-8"?>
+<p:notes xmlns:a="http://schemas.openxmlformats.org/drawingml/2006/main" xmlns:r="http://schemas.openxmlformats.org/officeDocument/2006/relationships" xmlns:p="http://schemas.openxmlformats.org/presentationml/2006/main">
+  <p:cSld>
+    <p:spTree>
+      <p:nvGrpSpPr>
+        <p:cNvPr id="1" name=""/>
+        <p:cNvGrpSpPr/>
+        <p:nvPr/>
+      </p:nvGrpSpPr>
+      <p:grpSpPr>
+        <a:xfrm>
+          <a:off x="0" y="0"/>
+          <a:ext cx="0" cy="0"/>
+          <a:chOff x="0" y="0"/>
+          <a:chExt cx="0" cy="0"/>
+        </a:xfrm>
+      </p:grpSpPr>
+      <p:sp>
+        <p:nvSpPr>
+          <p:cNvPr id="2" name="Slide Image Placeholder 1"/>
+          <p:cNvSpPr>
+            <a:spLocks noGrp="1" noRot="1" noChangeAspect="1"/>
+          </p:cNvSpPr>
+          <p:nvPr>
+            <p:ph type="sldImg"/>
+          </p:nvPr>
+        </p:nvSpPr>
+        <p:spPr/>
+      </p:sp>
+      <p:sp>
+        <p:nvSpPr>
+          <p:cNvPr id="3" name="Notes Placeholder 2"/>
+          <p:cNvSpPr>
+            <a:spLocks noGrp="1"/>
+          </p:cNvSpPr>
+          <p:nvPr>
+            <p:ph type="body" idx="1"/>
+          </p:nvPr>
+        </p:nvSpPr>
+        <p:spPr/>
+        <p:txBody>
+          <a:bodyPr/>
+          <a:lstStyle/>
+          <a:p>
+            <a:endParaRPr lang="en-US"/>
+          </a:p>
+        </p:txBody>
+      </p:sp>
+      <p:sp>
+        <p:nvSpPr>
+          <p:cNvPr id="4" name="Slide Number Placeholder 3"/>
+          <p:cNvSpPr>
+            <a:spLocks noGrp="1"/>
+          </p:cNvSpPr>
+          <p:nvPr>
+            <p:ph type="sldNum" sz="quarter" idx="5"/>
+          </p:nvPr>
+        </p:nvSpPr>
+        <p:spPr/>
+        <p:txBody>
+          <a:bodyPr/>
+          <a:lstStyle/>
+          <a:p>
+            <a:fld id="{760C988A-164A-6D49-A8BC-8EE7B6292E2F}" type="slidenum">
+              <a:rPr lang="en-US" smtClean="0"/>
+              <a:t>2</a:t>
+            </a:fld>
+            <a:endParaRPr lang="en-US"/>
+          </a:p>
+        </p:txBody>
+      </p:sp>
+    </p:spTree>
+    <p:extLst>
+      <p:ext uri="{BB962C8B-B14F-4D97-AF65-F5344CB8AC3E}">
+        <p14:creationId xmlns:p14="http://schemas.microsoft.com/office/powerpoint/2010/main" val="3662844639"/>
       </p:ext>
     </p:extLst>
   </p:cSld>
@@ -3794,7 +3880,7 @@
         <p:spPr>
           <a:xfrm>
             <a:off x="1671509" y="2249598"/>
-            <a:ext cx="836815" cy="461665"/>
+            <a:ext cx="836815" cy="707886"/>
           </a:xfrm>
           <a:prstGeom prst="rect">
             <a:avLst/>
@@ -3830,7 +3916,29 @@
             <a:pPr algn="ctr"/>
             <a:r>
               <a:rPr lang="en-US" sz="800" dirty="0"/>
-              <a:t>Local Site #0 </a:t>
+              <a:t>Local Site #0</a:t>
+            </a:r>
+          </a:p>
+          <a:p>
+            <a:pPr algn="ctr"/>
+            <a:r>
+              <a:rPr lang="en-US" sz="800" dirty="0" err="1"/>
+              <a:t>PleskBak</a:t>
+            </a:r>
+            <a:r>
+              <a:rPr lang="en-US" sz="800" dirty="0"/>
+              <a:t> NULL</a:t>
+            </a:r>
+          </a:p>
+          <a:p>
+            <a:pPr algn="ctr"/>
+            <a:r>
+              <a:rPr lang="en-US" sz="800" dirty="0" err="1"/>
+              <a:t>LocalBak</a:t>
+            </a:r>
+            <a:r>
+              <a:rPr lang="en-US" sz="800" dirty="0"/>
+              <a:t> NULL </a:t>
             </a:r>
           </a:p>
         </p:txBody>
@@ -3893,6 +4001,7 @@
             </a:extLst>
           </p:cNvPr>
           <p:cNvCxnSpPr>
+            <a:cxnSpLocks/>
             <a:stCxn id="4" idx="3"/>
             <a:endCxn id="5" idx="1"/>
           </p:cNvCxnSpPr>
@@ -3901,7 +4010,7 @@
         <p:spPr>
           <a:xfrm flipV="1">
             <a:off x="2508324" y="2480430"/>
-            <a:ext cx="1654925" cy="1"/>
+            <a:ext cx="1654925" cy="123111"/>
           </a:xfrm>
           <a:prstGeom prst="straightConnector1">
             <a:avLst/>
@@ -3977,8 +4086,8 @@
         </p:nvCxnSpPr>
         <p:spPr>
           <a:xfrm>
-            <a:off x="4790860" y="2530694"/>
-            <a:ext cx="0" cy="894699"/>
+            <a:off x="4790860" y="2704839"/>
+            <a:ext cx="0" cy="720554"/>
           </a:xfrm>
           <a:prstGeom prst="straightConnector1">
             <a:avLst/>
@@ -4064,7 +4173,7 @@
         </p:nvSpPr>
         <p:spPr>
           <a:xfrm>
-            <a:off x="4368064" y="2974396"/>
+            <a:off x="4372452" y="3005236"/>
             <a:ext cx="836815" cy="338554"/>
           </a:xfrm>
           <a:prstGeom prst="rect">
@@ -4576,8 +4685,8 @@
         </p:nvSpPr>
         <p:spPr>
           <a:xfrm>
-            <a:off x="8741945" y="1243530"/>
-            <a:ext cx="2805082" cy="2308324"/>
+            <a:off x="9295002" y="510660"/>
+            <a:ext cx="2805082" cy="2554545"/>
           </a:xfrm>
           <a:prstGeom prst="rect">
             <a:avLst/>
@@ -4627,7 +4736,7 @@
             </a:pPr>
             <a:r>
               <a:rPr lang="en-US" sz="800" b="1" dirty="0"/>
-              <a:t>Run tests [1,2,3] twice, with either start point.</a:t>
+              <a:t>Only one local user can perform changes on a site at a time.</a:t>
             </a:r>
           </a:p>
           <a:p>
@@ -4636,15 +4745,7 @@
             </a:pPr>
             <a:r>
               <a:rPr lang="en-US" sz="800" b="1" dirty="0"/>
-              <a:t>Only one rollback depth available (</a:t>
-            </a:r>
-            <a:r>
-              <a:rPr lang="en-US" sz="800" b="1" dirty="0" err="1"/>
-              <a:t>ie</a:t>
-            </a:r>
-            <a:r>
-              <a:rPr lang="en-US" sz="800" b="1" dirty="0"/>
-              <a:t> two rollbacks produce the same result as one)</a:t>
+              <a:t>Run tests [1,2,3,4] twice, with either start point.</a:t>
             </a:r>
           </a:p>
           <a:p>
@@ -4653,13 +4754,25 @@
             </a:pPr>
             <a:r>
               <a:rPr lang="en-US" sz="800" b="1" dirty="0"/>
-              <a:t>Note for [7], choice should be made depending on START node.  I.e. start with a push, rollback push; start with a pull, rollback pull.  Otherwise no backup yet made </a:t>
-            </a:r>
-            <a:r>
-              <a:rPr lang="en-US" sz="800" b="1"/>
-              <a:t>to rollback to.</a:t>
-            </a:r>
-            <a:endParaRPr lang="en-US" sz="800" b="1" dirty="0"/>
+              <a:t>Only one rollback depth available (</a:t>
+            </a:r>
+            <a:r>
+              <a:rPr lang="en-US" sz="800" b="1" dirty="0" err="1"/>
+              <a:t>ie</a:t>
+            </a:r>
+            <a:r>
+              <a:rPr lang="en-US" sz="800" b="1" dirty="0"/>
+              <a:t> two rollbacks produce the same result as one)</a:t>
+            </a:r>
+          </a:p>
+          <a:p>
+            <a:pPr marL="228600" indent="-228600">
+              <a:buAutoNum type="arabicPeriod"/>
+            </a:pPr>
+            <a:r>
+              <a:rPr lang="en-US" sz="800" b="1" dirty="0"/>
+              <a:t>Note for [7], choice should be made depending on START node.  I.e. start with a push, rollback push; start with a pull, rollback pull.  Otherwise no backup yet made to rollback to.</a:t>
+            </a:r>
           </a:p>
           <a:p>
             <a:pPr marL="228600" indent="-228600">
@@ -4868,8 +4981,8 @@
         </p:nvSpPr>
         <p:spPr>
           <a:xfrm>
-            <a:off x="3891239" y="2746249"/>
-            <a:ext cx="836815" cy="338554"/>
+            <a:off x="3818301" y="2746249"/>
+            <a:ext cx="909753" cy="215444"/>
           </a:xfrm>
           <a:prstGeom prst="rect">
             <a:avLst/>
@@ -4885,7 +4998,7 @@
             <a:pPr algn="ctr"/>
             <a:r>
               <a:rPr lang="en-US" sz="800" dirty="0"/>
-              <a:t>[7] Pull or push Rollback</a:t>
+              <a:t>[7a] Pull Rollback</a:t>
             </a:r>
           </a:p>
         </p:txBody>
@@ -5165,7 +5278,7 @@
             <a:pPr algn="ctr"/>
             <a:r>
               <a:rPr lang="en-US" sz="800" dirty="0"/>
-              <a:t>[1,2] Pull and Push Rollback</a:t>
+              <a:t>[1a,2a] Pull and Push Rollback</a:t>
             </a:r>
           </a:p>
         </p:txBody>
@@ -5268,7 +5381,7 @@
         <p:spPr>
           <a:xfrm>
             <a:off x="6713713" y="1517588"/>
-            <a:ext cx="836815" cy="338554"/>
+            <a:ext cx="836815" cy="461665"/>
           </a:xfrm>
           <a:prstGeom prst="rect">
             <a:avLst/>
@@ -5284,7 +5397,7 @@
             <a:pPr algn="ctr"/>
             <a:r>
               <a:rPr lang="en-US" sz="800" dirty="0"/>
-              <a:t>[1,2] Pull and Push Rollback</a:t>
+              <a:t>[1b,2b] Pull and Push Rollback</a:t>
             </a:r>
           </a:p>
         </p:txBody>
@@ -5347,8 +5460,8 @@
         </p:nvCxnSpPr>
         <p:spPr>
           <a:xfrm>
-            <a:off x="7132121" y="1856142"/>
-            <a:ext cx="2" cy="376045"/>
+            <a:off x="7132121" y="1979253"/>
+            <a:ext cx="2" cy="252934"/>
           </a:xfrm>
           <a:prstGeom prst="straightConnector1">
             <a:avLst/>
@@ -5601,10 +5714,8117 @@
           </a:p>
         </p:txBody>
       </p:sp>
+      <p:sp>
+        <p:nvSpPr>
+          <p:cNvPr id="165" name="TextBox 164">
+            <a:extLst>
+              <a:ext uri="{FF2B5EF4-FFF2-40B4-BE49-F238E27FC236}">
+                <a16:creationId xmlns:a16="http://schemas.microsoft.com/office/drawing/2014/main" id="{C9C8EE2F-1D89-2846-AC48-52B37A7CE0D2}"/>
+              </a:ext>
+            </a:extLst>
+          </p:cNvPr>
+          <p:cNvSpPr txBox="1"/>
+          <p:nvPr/>
+        </p:nvSpPr>
+        <p:spPr>
+          <a:xfrm>
+            <a:off x="3740281" y="2874344"/>
+            <a:ext cx="987774" cy="215444"/>
+          </a:xfrm>
+          <a:prstGeom prst="rect">
+            <a:avLst/>
+          </a:prstGeom>
+          <a:noFill/>
+        </p:spPr>
+        <p:txBody>
+          <a:bodyPr wrap="square" rtlCol="0">
+            <a:spAutoFit/>
+          </a:bodyPr>
+          <a:lstStyle/>
+          <a:p>
+            <a:pPr algn="ctr"/>
+            <a:r>
+              <a:rPr lang="en-US" sz="800" dirty="0"/>
+              <a:t>[7b] Push Rollback</a:t>
+            </a:r>
+          </a:p>
+        </p:txBody>
+      </p:sp>
+      <p:cxnSp>
+        <p:nvCxnSpPr>
+          <p:cNvPr id="170" name="Straight Arrow Connector 169">
+            <a:extLst>
+              <a:ext uri="{FF2B5EF4-FFF2-40B4-BE49-F238E27FC236}">
+                <a16:creationId xmlns:a16="http://schemas.microsoft.com/office/drawing/2014/main" id="{682E274F-E357-6844-AFF3-DA6396C5F26B}"/>
+              </a:ext>
+            </a:extLst>
+          </p:cNvPr>
+          <p:cNvCxnSpPr>
+            <a:cxnSpLocks/>
+          </p:cNvCxnSpPr>
+          <p:nvPr/>
+        </p:nvCxnSpPr>
+        <p:spPr>
+          <a:xfrm flipV="1">
+            <a:off x="9540424" y="3602505"/>
+            <a:ext cx="0" cy="576149"/>
+          </a:xfrm>
+          <a:prstGeom prst="straightConnector1">
+            <a:avLst/>
+          </a:prstGeom>
+          <a:ln>
+            <a:tailEnd type="triangle"/>
+          </a:ln>
+        </p:spPr>
+        <p:style>
+          <a:lnRef idx="1">
+            <a:schemeClr val="accent1"/>
+          </a:lnRef>
+          <a:fillRef idx="0">
+            <a:schemeClr val="accent1"/>
+          </a:fillRef>
+          <a:effectRef idx="0">
+            <a:schemeClr val="accent1"/>
+          </a:effectRef>
+          <a:fontRef idx="minor">
+            <a:schemeClr val="tx1"/>
+          </a:fontRef>
+        </p:style>
+      </p:cxnSp>
+      <p:sp>
+        <p:nvSpPr>
+          <p:cNvPr id="173" name="TextBox 172">
+            <a:extLst>
+              <a:ext uri="{FF2B5EF4-FFF2-40B4-BE49-F238E27FC236}">
+                <a16:creationId xmlns:a16="http://schemas.microsoft.com/office/drawing/2014/main" id="{BF80A7F7-C914-D341-A29F-543E67F870B4}"/>
+              </a:ext>
+            </a:extLst>
+          </p:cNvPr>
+          <p:cNvSpPr txBox="1"/>
+          <p:nvPr/>
+        </p:nvSpPr>
+        <p:spPr>
+          <a:xfrm>
+            <a:off x="9110631" y="4148867"/>
+            <a:ext cx="836815" cy="338554"/>
+          </a:xfrm>
+          <a:prstGeom prst="rect">
+            <a:avLst/>
+          </a:prstGeom>
+          <a:noFill/>
+        </p:spPr>
+        <p:txBody>
+          <a:bodyPr wrap="square" rtlCol="0">
+            <a:spAutoFit/>
+          </a:bodyPr>
+          <a:lstStyle/>
+          <a:p>
+            <a:pPr algn="ctr"/>
+            <a:r>
+              <a:rPr lang="en-US" sz="800" dirty="0"/>
+              <a:t>[13] Push</a:t>
+            </a:r>
+          </a:p>
+          <a:p>
+            <a:pPr algn="ctr"/>
+            <a:r>
+              <a:rPr lang="en-US" sz="800" dirty="0"/>
+              <a:t>to </a:t>
+            </a:r>
+            <a:r>
+              <a:rPr lang="en-US" sz="800" dirty="0" err="1"/>
+              <a:t>plesk</a:t>
+            </a:r>
+            <a:endParaRPr lang="en-US" sz="800" dirty="0"/>
+          </a:p>
+        </p:txBody>
+      </p:sp>
     </p:spTree>
     <p:extLst>
       <p:ext uri="{BB962C8B-B14F-4D97-AF65-F5344CB8AC3E}">
         <p14:creationId xmlns:p14="http://schemas.microsoft.com/office/powerpoint/2010/main" val="3448341295"/>
+      </p:ext>
+    </p:extLst>
+  </p:cSld>
+  <p:clrMapOvr>
+    <a:masterClrMapping/>
+  </p:clrMapOvr>
+</p:sld>
+</file>
+
+<file path=ppt/slides/slide2.xml><?xml version="1.0" encoding="utf-8"?>
+<p:sld xmlns:a="http://schemas.openxmlformats.org/drawingml/2006/main" xmlns:r="http://schemas.openxmlformats.org/officeDocument/2006/relationships" xmlns:p="http://schemas.openxmlformats.org/presentationml/2006/main">
+  <p:cSld>
+    <p:spTree>
+      <p:nvGrpSpPr>
+        <p:cNvPr id="1" name=""/>
+        <p:cNvGrpSpPr/>
+        <p:nvPr/>
+      </p:nvGrpSpPr>
+      <p:grpSpPr>
+        <a:xfrm>
+          <a:off x="0" y="0"/>
+          <a:ext cx="0" cy="0"/>
+          <a:chOff x="0" y="0"/>
+          <a:chExt cx="0" cy="0"/>
+        </a:xfrm>
+      </p:grpSpPr>
+      <p:sp>
+        <p:nvSpPr>
+          <p:cNvPr id="4" name="TextBox 3">
+            <a:extLst>
+              <a:ext uri="{FF2B5EF4-FFF2-40B4-BE49-F238E27FC236}">
+                <a16:creationId xmlns:a16="http://schemas.microsoft.com/office/drawing/2014/main" id="{EEE506F6-8BC7-154C-9043-EE6E850D0A9E}"/>
+              </a:ext>
+            </a:extLst>
+          </p:cNvPr>
+          <p:cNvSpPr txBox="1"/>
+          <p:nvPr/>
+        </p:nvSpPr>
+        <p:spPr>
+          <a:xfrm>
+            <a:off x="1665711" y="1960290"/>
+            <a:ext cx="836815" cy="707886"/>
+          </a:xfrm>
+          <a:prstGeom prst="rect">
+            <a:avLst/>
+          </a:prstGeom>
+          <a:noFill/>
+          <a:ln>
+            <a:solidFill>
+              <a:schemeClr val="accent1"/>
+            </a:solidFill>
+            <a:prstDash val="dash"/>
+          </a:ln>
+        </p:spPr>
+        <p:txBody>
+          <a:bodyPr wrap="square" rtlCol="0">
+            <a:spAutoFit/>
+          </a:bodyPr>
+          <a:lstStyle/>
+          <a:p>
+            <a:pPr algn="ctr"/>
+            <a:r>
+              <a:rPr lang="en-US" sz="800" dirty="0"/>
+              <a:t>START </a:t>
+            </a:r>
+          </a:p>
+          <a:p>
+            <a:pPr algn="ctr"/>
+            <a:r>
+              <a:rPr lang="en-US" sz="800" dirty="0"/>
+              <a:t>Plesk #1</a:t>
+            </a:r>
+          </a:p>
+          <a:p>
+            <a:pPr algn="ctr"/>
+            <a:r>
+              <a:rPr lang="en-US" sz="800" dirty="0"/>
+              <a:t>Local #0</a:t>
+            </a:r>
+          </a:p>
+          <a:p>
+            <a:pPr algn="ctr"/>
+            <a:r>
+              <a:rPr lang="en-US" sz="800" dirty="0" err="1"/>
+              <a:t>PleskBak</a:t>
+            </a:r>
+            <a:r>
+              <a:rPr lang="en-US" sz="800" dirty="0"/>
+              <a:t> NULL</a:t>
+            </a:r>
+          </a:p>
+          <a:p>
+            <a:pPr algn="ctr"/>
+            <a:r>
+              <a:rPr lang="en-US" sz="800" dirty="0" err="1"/>
+              <a:t>LocalBak</a:t>
+            </a:r>
+            <a:r>
+              <a:rPr lang="en-US" sz="800" dirty="0"/>
+              <a:t> NULL </a:t>
+            </a:r>
+          </a:p>
+        </p:txBody>
+      </p:sp>
+      <p:cxnSp>
+        <p:nvCxnSpPr>
+          <p:cNvPr id="7" name="Straight Arrow Connector 6">
+            <a:extLst>
+              <a:ext uri="{FF2B5EF4-FFF2-40B4-BE49-F238E27FC236}">
+                <a16:creationId xmlns:a16="http://schemas.microsoft.com/office/drawing/2014/main" id="{82E91D24-FF64-2940-B645-AAD574D13909}"/>
+              </a:ext>
+            </a:extLst>
+          </p:cNvPr>
+          <p:cNvCxnSpPr>
+            <a:cxnSpLocks/>
+            <a:stCxn id="4" idx="3"/>
+          </p:cNvCxnSpPr>
+          <p:nvPr/>
+        </p:nvCxnSpPr>
+        <p:spPr>
+          <a:xfrm flipV="1">
+            <a:off x="2502526" y="2299733"/>
+            <a:ext cx="1654925" cy="14500"/>
+          </a:xfrm>
+          <a:prstGeom prst="straightConnector1">
+            <a:avLst/>
+          </a:prstGeom>
+          <a:ln>
+            <a:tailEnd type="triangle"/>
+          </a:ln>
+        </p:spPr>
+        <p:style>
+          <a:lnRef idx="1">
+            <a:schemeClr val="accent1"/>
+          </a:lnRef>
+          <a:fillRef idx="0">
+            <a:schemeClr val="accent1"/>
+          </a:fillRef>
+          <a:effectRef idx="0">
+            <a:schemeClr val="accent1"/>
+          </a:effectRef>
+          <a:fontRef idx="minor">
+            <a:schemeClr val="tx1"/>
+          </a:fontRef>
+        </p:style>
+      </p:cxnSp>
+      <p:sp>
+        <p:nvSpPr>
+          <p:cNvPr id="8" name="TextBox 7">
+            <a:extLst>
+              <a:ext uri="{FF2B5EF4-FFF2-40B4-BE49-F238E27FC236}">
+                <a16:creationId xmlns:a16="http://schemas.microsoft.com/office/drawing/2014/main" id="{8B9F20B2-DD34-DF47-B88C-07EAC1CC40E2}"/>
+              </a:ext>
+            </a:extLst>
+          </p:cNvPr>
+          <p:cNvSpPr txBox="1"/>
+          <p:nvPr/>
+        </p:nvSpPr>
+        <p:spPr>
+          <a:xfrm>
+            <a:off x="2502051" y="2142098"/>
+            <a:ext cx="836815" cy="215444"/>
+          </a:xfrm>
+          <a:prstGeom prst="rect">
+            <a:avLst/>
+          </a:prstGeom>
+          <a:noFill/>
+        </p:spPr>
+        <p:txBody>
+          <a:bodyPr wrap="square" rtlCol="0">
+            <a:spAutoFit/>
+          </a:bodyPr>
+          <a:lstStyle/>
+          <a:p>
+            <a:pPr algn="ctr"/>
+            <a:r>
+              <a:rPr lang="en-US" sz="800" dirty="0"/>
+              <a:t>Pull</a:t>
+            </a:r>
+          </a:p>
+        </p:txBody>
+      </p:sp>
+      <p:cxnSp>
+        <p:nvCxnSpPr>
+          <p:cNvPr id="13" name="Straight Arrow Connector 12">
+            <a:extLst>
+              <a:ext uri="{FF2B5EF4-FFF2-40B4-BE49-F238E27FC236}">
+                <a16:creationId xmlns:a16="http://schemas.microsoft.com/office/drawing/2014/main" id="{DFE287CF-A6BE-064D-99B2-0D78CB8B3F24}"/>
+              </a:ext>
+            </a:extLst>
+          </p:cNvPr>
+          <p:cNvCxnSpPr>
+            <a:cxnSpLocks/>
+          </p:cNvCxnSpPr>
+          <p:nvPr/>
+        </p:nvCxnSpPr>
+        <p:spPr>
+          <a:xfrm>
+            <a:off x="4741540" y="2463129"/>
+            <a:ext cx="0" cy="800582"/>
+          </a:xfrm>
+          <a:prstGeom prst="straightConnector1">
+            <a:avLst/>
+          </a:prstGeom>
+          <a:ln>
+            <a:tailEnd type="triangle"/>
+          </a:ln>
+        </p:spPr>
+        <p:style>
+          <a:lnRef idx="1">
+            <a:schemeClr val="accent1"/>
+          </a:lnRef>
+          <a:fillRef idx="0">
+            <a:schemeClr val="accent1"/>
+          </a:fillRef>
+          <a:effectRef idx="0">
+            <a:schemeClr val="accent1"/>
+          </a:effectRef>
+          <a:fontRef idx="minor">
+            <a:schemeClr val="tx1"/>
+          </a:fontRef>
+        </p:style>
+      </p:cxnSp>
+      <p:sp>
+        <p:nvSpPr>
+          <p:cNvPr id="40" name="TextBox 39">
+            <a:extLst>
+              <a:ext uri="{FF2B5EF4-FFF2-40B4-BE49-F238E27FC236}">
+                <a16:creationId xmlns:a16="http://schemas.microsoft.com/office/drawing/2014/main" id="{288845D1-5FF8-9C48-B324-968024F6D0F9}"/>
+              </a:ext>
+            </a:extLst>
+          </p:cNvPr>
+          <p:cNvSpPr txBox="1"/>
+          <p:nvPr/>
+        </p:nvSpPr>
+        <p:spPr>
+          <a:xfrm>
+            <a:off x="4355107" y="2587295"/>
+            <a:ext cx="836815" cy="338554"/>
+          </a:xfrm>
+          <a:prstGeom prst="rect">
+            <a:avLst/>
+          </a:prstGeom>
+          <a:noFill/>
+        </p:spPr>
+        <p:txBody>
+          <a:bodyPr wrap="square" rtlCol="0">
+            <a:spAutoFit/>
+          </a:bodyPr>
+          <a:lstStyle/>
+          <a:p>
+            <a:pPr algn="ctr"/>
+            <a:r>
+              <a:rPr lang="en-US" sz="800" dirty="0"/>
+              <a:t>Changes made on local</a:t>
+            </a:r>
+          </a:p>
+        </p:txBody>
+      </p:sp>
+      <p:cxnSp>
+        <p:nvCxnSpPr>
+          <p:cNvPr id="47" name="Straight Arrow Connector 46">
+            <a:extLst>
+              <a:ext uri="{FF2B5EF4-FFF2-40B4-BE49-F238E27FC236}">
+                <a16:creationId xmlns:a16="http://schemas.microsoft.com/office/drawing/2014/main" id="{74C69255-1337-0649-A0B9-D6997EE9FB60}"/>
+              </a:ext>
+            </a:extLst>
+          </p:cNvPr>
+          <p:cNvCxnSpPr>
+            <a:cxnSpLocks/>
+          </p:cNvCxnSpPr>
+          <p:nvPr/>
+        </p:nvCxnSpPr>
+        <p:spPr>
+          <a:xfrm>
+            <a:off x="7245020" y="4025198"/>
+            <a:ext cx="2806" cy="567280"/>
+          </a:xfrm>
+          <a:prstGeom prst="straightConnector1">
+            <a:avLst/>
+          </a:prstGeom>
+          <a:ln>
+            <a:tailEnd type="triangle"/>
+          </a:ln>
+        </p:spPr>
+        <p:style>
+          <a:lnRef idx="1">
+            <a:schemeClr val="accent1"/>
+          </a:lnRef>
+          <a:fillRef idx="0">
+            <a:schemeClr val="accent1"/>
+          </a:fillRef>
+          <a:effectRef idx="0">
+            <a:schemeClr val="accent1"/>
+          </a:effectRef>
+          <a:fontRef idx="minor">
+            <a:schemeClr val="tx1"/>
+          </a:fontRef>
+        </p:style>
+      </p:cxnSp>
+      <p:sp>
+        <p:nvSpPr>
+          <p:cNvPr id="50" name="TextBox 49">
+            <a:extLst>
+              <a:ext uri="{FF2B5EF4-FFF2-40B4-BE49-F238E27FC236}">
+                <a16:creationId xmlns:a16="http://schemas.microsoft.com/office/drawing/2014/main" id="{7DE4D661-02F8-6F47-8215-A0BA573A6B56}"/>
+              </a:ext>
+            </a:extLst>
+          </p:cNvPr>
+          <p:cNvSpPr txBox="1"/>
+          <p:nvPr/>
+        </p:nvSpPr>
+        <p:spPr>
+          <a:xfrm>
+            <a:off x="6835030" y="4155870"/>
+            <a:ext cx="836815" cy="338554"/>
+          </a:xfrm>
+          <a:prstGeom prst="rect">
+            <a:avLst/>
+          </a:prstGeom>
+          <a:noFill/>
+        </p:spPr>
+        <p:txBody>
+          <a:bodyPr wrap="square" rtlCol="0">
+            <a:spAutoFit/>
+          </a:bodyPr>
+          <a:lstStyle/>
+          <a:p>
+            <a:pPr algn="ctr"/>
+            <a:r>
+              <a:rPr lang="en-US" sz="800" dirty="0"/>
+              <a:t>Changes made on </a:t>
+            </a:r>
+            <a:r>
+              <a:rPr lang="en-US" sz="800" dirty="0" err="1"/>
+              <a:t>plesk</a:t>
+            </a:r>
+            <a:endParaRPr lang="en-US" sz="800" dirty="0"/>
+          </a:p>
+        </p:txBody>
+      </p:sp>
+      <p:cxnSp>
+        <p:nvCxnSpPr>
+          <p:cNvPr id="57" name="Straight Arrow Connector 56">
+            <a:extLst>
+              <a:ext uri="{FF2B5EF4-FFF2-40B4-BE49-F238E27FC236}">
+                <a16:creationId xmlns:a16="http://schemas.microsoft.com/office/drawing/2014/main" id="{BEF1DE27-6044-D747-B5E4-217763BCBA3F}"/>
+              </a:ext>
+            </a:extLst>
+          </p:cNvPr>
+          <p:cNvCxnSpPr>
+            <a:cxnSpLocks/>
+            <a:stCxn id="186" idx="3"/>
+            <a:endCxn id="142" idx="1"/>
+          </p:cNvCxnSpPr>
+          <p:nvPr/>
+        </p:nvCxnSpPr>
+        <p:spPr>
+          <a:xfrm>
+            <a:off x="4929698" y="3425193"/>
+            <a:ext cx="1196338" cy="7795"/>
+          </a:xfrm>
+          <a:prstGeom prst="straightConnector1">
+            <a:avLst/>
+          </a:prstGeom>
+          <a:ln>
+            <a:tailEnd type="triangle"/>
+          </a:ln>
+        </p:spPr>
+        <p:style>
+          <a:lnRef idx="1">
+            <a:schemeClr val="accent1"/>
+          </a:lnRef>
+          <a:fillRef idx="0">
+            <a:schemeClr val="accent1"/>
+          </a:fillRef>
+          <a:effectRef idx="0">
+            <a:schemeClr val="accent1"/>
+          </a:effectRef>
+          <a:fontRef idx="minor">
+            <a:schemeClr val="tx1"/>
+          </a:fontRef>
+        </p:style>
+      </p:cxnSp>
+      <p:cxnSp>
+        <p:nvCxnSpPr>
+          <p:cNvPr id="66" name="Straight Arrow Connector 65">
+            <a:extLst>
+              <a:ext uri="{FF2B5EF4-FFF2-40B4-BE49-F238E27FC236}">
+                <a16:creationId xmlns:a16="http://schemas.microsoft.com/office/drawing/2014/main" id="{6C6F549A-7FA0-F143-9FFF-177A19584DBB}"/>
+              </a:ext>
+            </a:extLst>
+          </p:cNvPr>
+          <p:cNvCxnSpPr>
+            <a:cxnSpLocks/>
+          </p:cNvCxnSpPr>
+          <p:nvPr/>
+        </p:nvCxnSpPr>
+        <p:spPr>
+          <a:xfrm flipH="1">
+            <a:off x="4987072" y="4638288"/>
+            <a:ext cx="1542764" cy="5288"/>
+          </a:xfrm>
+          <a:prstGeom prst="straightConnector1">
+            <a:avLst/>
+          </a:prstGeom>
+          <a:ln>
+            <a:tailEnd type="triangle"/>
+          </a:ln>
+        </p:spPr>
+        <p:style>
+          <a:lnRef idx="1">
+            <a:schemeClr val="accent1"/>
+          </a:lnRef>
+          <a:fillRef idx="0">
+            <a:schemeClr val="accent1"/>
+          </a:fillRef>
+          <a:effectRef idx="0">
+            <a:schemeClr val="accent1"/>
+          </a:effectRef>
+          <a:fontRef idx="minor">
+            <a:schemeClr val="tx1"/>
+          </a:fontRef>
+        </p:style>
+      </p:cxnSp>
+      <p:sp>
+        <p:nvSpPr>
+          <p:cNvPr id="69" name="TextBox 68">
+            <a:extLst>
+              <a:ext uri="{FF2B5EF4-FFF2-40B4-BE49-F238E27FC236}">
+                <a16:creationId xmlns:a16="http://schemas.microsoft.com/office/drawing/2014/main" id="{1A05B5DB-507D-174F-9971-122A4DF9CB17}"/>
+              </a:ext>
+            </a:extLst>
+          </p:cNvPr>
+          <p:cNvSpPr txBox="1"/>
+          <p:nvPr/>
+        </p:nvSpPr>
+        <p:spPr>
+          <a:xfrm>
+            <a:off x="5351892" y="4626272"/>
+            <a:ext cx="836815" cy="338554"/>
+          </a:xfrm>
+          <a:prstGeom prst="rect">
+            <a:avLst/>
+          </a:prstGeom>
+          <a:noFill/>
+        </p:spPr>
+        <p:txBody>
+          <a:bodyPr wrap="square" rtlCol="0">
+            <a:spAutoFit/>
+          </a:bodyPr>
+          <a:lstStyle/>
+          <a:p>
+            <a:pPr algn="ctr"/>
+            <a:r>
+              <a:rPr lang="en-US" sz="800" dirty="0"/>
+              <a:t>[13,15] Pull</a:t>
+            </a:r>
+          </a:p>
+          <a:p>
+            <a:pPr algn="ctr"/>
+            <a:r>
+              <a:rPr lang="en-US" sz="800" dirty="0"/>
+              <a:t>to local</a:t>
+            </a:r>
+          </a:p>
+        </p:txBody>
+      </p:sp>
+      <p:sp>
+        <p:nvSpPr>
+          <p:cNvPr id="70" name="TextBox 69">
+            <a:extLst>
+              <a:ext uri="{FF2B5EF4-FFF2-40B4-BE49-F238E27FC236}">
+                <a16:creationId xmlns:a16="http://schemas.microsoft.com/office/drawing/2014/main" id="{E8461E39-F64C-B94A-98EC-3DF2BE17C5B4}"/>
+              </a:ext>
+            </a:extLst>
+          </p:cNvPr>
+          <p:cNvSpPr txBox="1"/>
+          <p:nvPr/>
+        </p:nvSpPr>
+        <p:spPr>
+          <a:xfrm>
+            <a:off x="4150257" y="4402320"/>
+            <a:ext cx="836815" cy="338554"/>
+          </a:xfrm>
+          <a:prstGeom prst="rect">
+            <a:avLst/>
+          </a:prstGeom>
+          <a:noFill/>
+          <a:ln>
+            <a:solidFill>
+              <a:schemeClr val="accent1"/>
+            </a:solidFill>
+          </a:ln>
+        </p:spPr>
+        <p:txBody>
+          <a:bodyPr wrap="square" rtlCol="0">
+            <a:spAutoFit/>
+          </a:bodyPr>
+          <a:lstStyle/>
+          <a:p>
+            <a:pPr algn="ctr"/>
+            <a:r>
+              <a:rPr lang="en-US" sz="800" dirty="0"/>
+              <a:t>Plesk Site #3</a:t>
+            </a:r>
+          </a:p>
+          <a:p>
+            <a:pPr algn="ctr"/>
+            <a:r>
+              <a:rPr lang="en-US" sz="800" dirty="0"/>
+              <a:t>Local Site #3</a:t>
+            </a:r>
+          </a:p>
+        </p:txBody>
+      </p:sp>
+      <p:sp>
+        <p:nvSpPr>
+          <p:cNvPr id="79" name="TextBox 78">
+            <a:extLst>
+              <a:ext uri="{FF2B5EF4-FFF2-40B4-BE49-F238E27FC236}">
+                <a16:creationId xmlns:a16="http://schemas.microsoft.com/office/drawing/2014/main" id="{DE9E0153-5466-2D4C-8FB8-8B9DD9E22A11}"/>
+              </a:ext>
+            </a:extLst>
+          </p:cNvPr>
+          <p:cNvSpPr txBox="1"/>
+          <p:nvPr/>
+        </p:nvSpPr>
+        <p:spPr>
+          <a:xfrm>
+            <a:off x="9295002" y="510660"/>
+            <a:ext cx="2805082" cy="2554545"/>
+          </a:xfrm>
+          <a:prstGeom prst="rect">
+            <a:avLst/>
+          </a:prstGeom>
+          <a:noFill/>
+          <a:ln>
+            <a:solidFill>
+              <a:schemeClr val="accent1"/>
+            </a:solidFill>
+          </a:ln>
+        </p:spPr>
+        <p:txBody>
+          <a:bodyPr wrap="square" rtlCol="0">
+            <a:spAutoFit/>
+          </a:bodyPr>
+          <a:lstStyle/>
+          <a:p>
+            <a:r>
+              <a:rPr lang="en-US" sz="800" b="1" dirty="0"/>
+              <a:t>Assumptions:</a:t>
+            </a:r>
+          </a:p>
+          <a:p>
+            <a:endParaRPr lang="en-US" sz="800" b="1" dirty="0"/>
+          </a:p>
+          <a:p>
+            <a:pPr marL="228600" indent="-228600">
+              <a:buAutoNum type="arabicPeriod"/>
+            </a:pPr>
+            <a:r>
+              <a:rPr lang="en-US" sz="800" b="1" dirty="0"/>
+              <a:t>Plesk site is always HTTPS</a:t>
+            </a:r>
+          </a:p>
+          <a:p>
+            <a:pPr marL="228600" indent="-228600">
+              <a:buAutoNum type="arabicPeriod"/>
+            </a:pPr>
+            <a:r>
+              <a:rPr lang="en-US" sz="800" b="1" dirty="0"/>
+              <a:t>Local can be either HTTPS or HTTP</a:t>
+            </a:r>
+          </a:p>
+          <a:p>
+            <a:pPr marL="228600" indent="-228600">
+              <a:buAutoNum type="arabicPeriod"/>
+            </a:pPr>
+            <a:r>
+              <a:rPr lang="en-US" sz="800" b="1" dirty="0"/>
+              <a:t>Only one local user can perform changes on a site at a time.</a:t>
+            </a:r>
+          </a:p>
+          <a:p>
+            <a:pPr marL="228600" indent="-228600">
+              <a:buAutoNum type="arabicPeriod"/>
+            </a:pPr>
+            <a:r>
+              <a:rPr lang="en-US" sz="800" b="1" dirty="0"/>
+              <a:t>Run tests [1,2,3,4] twice, with either start point.</a:t>
+            </a:r>
+          </a:p>
+          <a:p>
+            <a:pPr marL="228600" indent="-228600">
+              <a:buAutoNum type="arabicPeriod"/>
+            </a:pPr>
+            <a:r>
+              <a:rPr lang="en-US" sz="800" b="1" dirty="0"/>
+              <a:t>Only one rollback depth available (</a:t>
+            </a:r>
+            <a:r>
+              <a:rPr lang="en-US" sz="800" b="1" dirty="0" err="1"/>
+              <a:t>ie</a:t>
+            </a:r>
+            <a:r>
+              <a:rPr lang="en-US" sz="800" b="1" dirty="0"/>
+              <a:t> two rollbacks produce the same result as one)</a:t>
+            </a:r>
+          </a:p>
+          <a:p>
+            <a:pPr marL="228600" indent="-228600">
+              <a:buAutoNum type="arabicPeriod"/>
+            </a:pPr>
+            <a:r>
+              <a:rPr lang="en-US" sz="800" b="1" dirty="0"/>
+              <a:t>Note for [7], choice should be made depending on START node.  I.e. start with a push, rollback push; start with a pull, rollback pull.  Otherwise no backup yet made to rollback to.</a:t>
+            </a:r>
+          </a:p>
+          <a:p>
+            <a:pPr marL="228600" indent="-228600">
+              <a:buAutoNum type="arabicPeriod"/>
+            </a:pPr>
+            <a:r>
+              <a:rPr lang="en-US" sz="800" b="1" dirty="0"/>
+              <a:t>Run this test four times, </a:t>
+            </a:r>
+          </a:p>
+          <a:p>
+            <a:pPr marL="685800" lvl="1" indent="-228600">
+              <a:buAutoNum type="arabicPeriod"/>
+            </a:pPr>
+            <a:r>
+              <a:rPr lang="en-US" sz="800" b="1" dirty="0"/>
+              <a:t>dry-run throughout, domain</a:t>
+            </a:r>
+          </a:p>
+          <a:p>
+            <a:pPr marL="685800" lvl="1" indent="-228600">
+              <a:buAutoNum type="arabicPeriod"/>
+            </a:pPr>
+            <a:r>
+              <a:rPr lang="en-US" sz="800" b="1" dirty="0"/>
+              <a:t>full throughout, domain</a:t>
+            </a:r>
+          </a:p>
+          <a:p>
+            <a:pPr marL="685800" lvl="1" indent="-228600">
+              <a:buAutoNum type="arabicPeriod"/>
+            </a:pPr>
+            <a:r>
+              <a:rPr lang="en-US" sz="800" b="1" dirty="0"/>
+              <a:t>Dry-run throughout, sub-domain</a:t>
+            </a:r>
+          </a:p>
+          <a:p>
+            <a:pPr marL="685800" lvl="1" indent="-228600">
+              <a:buAutoNum type="arabicPeriod"/>
+            </a:pPr>
+            <a:r>
+              <a:rPr lang="en-US" sz="800" b="1" dirty="0"/>
+              <a:t>Full throughout, sub-domain</a:t>
+            </a:r>
+          </a:p>
+          <a:p>
+            <a:pPr algn="ctr"/>
+            <a:endParaRPr lang="en-US" sz="800" dirty="0"/>
+          </a:p>
+          <a:p>
+            <a:pPr algn="ctr"/>
+            <a:endParaRPr lang="en-US" sz="800" dirty="0"/>
+          </a:p>
+        </p:txBody>
+      </p:sp>
+      <p:cxnSp>
+        <p:nvCxnSpPr>
+          <p:cNvPr id="100" name="Straight Arrow Connector 99">
+            <a:extLst>
+              <a:ext uri="{FF2B5EF4-FFF2-40B4-BE49-F238E27FC236}">
+                <a16:creationId xmlns:a16="http://schemas.microsoft.com/office/drawing/2014/main" id="{B5920156-032D-6746-BB75-F60423F8AFC9}"/>
+              </a:ext>
+            </a:extLst>
+          </p:cNvPr>
+          <p:cNvCxnSpPr>
+            <a:cxnSpLocks/>
+            <a:endCxn id="134" idx="2"/>
+          </p:cNvCxnSpPr>
+          <p:nvPr/>
+        </p:nvCxnSpPr>
+        <p:spPr>
+          <a:xfrm flipV="1">
+            <a:off x="4581658" y="1288194"/>
+            <a:ext cx="15353" cy="885350"/>
+          </a:xfrm>
+          <a:prstGeom prst="straightConnector1">
+            <a:avLst/>
+          </a:prstGeom>
+          <a:ln>
+            <a:tailEnd type="triangle"/>
+          </a:ln>
+        </p:spPr>
+        <p:style>
+          <a:lnRef idx="1">
+            <a:schemeClr val="accent1"/>
+          </a:lnRef>
+          <a:fillRef idx="0">
+            <a:schemeClr val="accent1"/>
+          </a:fillRef>
+          <a:effectRef idx="0">
+            <a:schemeClr val="accent1"/>
+          </a:effectRef>
+          <a:fontRef idx="minor">
+            <a:schemeClr val="tx1"/>
+          </a:fontRef>
+        </p:style>
+      </p:cxnSp>
+      <p:cxnSp>
+        <p:nvCxnSpPr>
+          <p:cNvPr id="105" name="Straight Arrow Connector 104">
+            <a:extLst>
+              <a:ext uri="{FF2B5EF4-FFF2-40B4-BE49-F238E27FC236}">
+                <a16:creationId xmlns:a16="http://schemas.microsoft.com/office/drawing/2014/main" id="{222C09F5-EB66-4544-9504-9A5C257C7B5E}"/>
+              </a:ext>
+            </a:extLst>
+          </p:cNvPr>
+          <p:cNvCxnSpPr>
+            <a:cxnSpLocks/>
+          </p:cNvCxnSpPr>
+          <p:nvPr/>
+        </p:nvCxnSpPr>
+        <p:spPr>
+          <a:xfrm flipH="1">
+            <a:off x="3489657" y="3544532"/>
+            <a:ext cx="692988" cy="0"/>
+          </a:xfrm>
+          <a:prstGeom prst="straightConnector1">
+            <a:avLst/>
+          </a:prstGeom>
+          <a:ln>
+            <a:tailEnd type="triangle"/>
+          </a:ln>
+        </p:spPr>
+        <p:style>
+          <a:lnRef idx="1">
+            <a:schemeClr val="accent1"/>
+          </a:lnRef>
+          <a:fillRef idx="0">
+            <a:schemeClr val="accent1"/>
+          </a:fillRef>
+          <a:effectRef idx="0">
+            <a:schemeClr val="accent1"/>
+          </a:effectRef>
+          <a:fontRef idx="minor">
+            <a:schemeClr val="tx1"/>
+          </a:fontRef>
+        </p:style>
+      </p:cxnSp>
+      <p:sp>
+        <p:nvSpPr>
+          <p:cNvPr id="113" name="TextBox 112">
+            <a:extLst>
+              <a:ext uri="{FF2B5EF4-FFF2-40B4-BE49-F238E27FC236}">
+                <a16:creationId xmlns:a16="http://schemas.microsoft.com/office/drawing/2014/main" id="{4F69BC6C-210C-5345-BDC3-DB2E76AAB899}"/>
+              </a:ext>
+            </a:extLst>
+          </p:cNvPr>
+          <p:cNvSpPr txBox="1"/>
+          <p:nvPr/>
+        </p:nvSpPr>
+        <p:spPr>
+          <a:xfrm>
+            <a:off x="3367881" y="3329088"/>
+            <a:ext cx="909753" cy="215444"/>
+          </a:xfrm>
+          <a:prstGeom prst="rect">
+            <a:avLst/>
+          </a:prstGeom>
+          <a:noFill/>
+        </p:spPr>
+        <p:txBody>
+          <a:bodyPr wrap="square" rtlCol="0">
+            <a:spAutoFit/>
+          </a:bodyPr>
+          <a:lstStyle/>
+          <a:p>
+            <a:pPr algn="ctr"/>
+            <a:r>
+              <a:rPr lang="en-US" sz="800" dirty="0"/>
+              <a:t>Pull Rollback</a:t>
+            </a:r>
+          </a:p>
+        </p:txBody>
+      </p:sp>
+      <p:sp>
+        <p:nvSpPr>
+          <p:cNvPr id="114" name="TextBox 113">
+            <a:extLst>
+              <a:ext uri="{FF2B5EF4-FFF2-40B4-BE49-F238E27FC236}">
+                <a16:creationId xmlns:a16="http://schemas.microsoft.com/office/drawing/2014/main" id="{26150136-CA3B-5A4B-B4DC-59A156CCE1D7}"/>
+              </a:ext>
+            </a:extLst>
+          </p:cNvPr>
+          <p:cNvSpPr txBox="1"/>
+          <p:nvPr/>
+        </p:nvSpPr>
+        <p:spPr>
+          <a:xfrm>
+            <a:off x="4156752" y="5210423"/>
+            <a:ext cx="836815" cy="215444"/>
+          </a:xfrm>
+          <a:prstGeom prst="rect">
+            <a:avLst/>
+          </a:prstGeom>
+          <a:noFill/>
+          <a:ln>
+            <a:solidFill>
+              <a:schemeClr val="accent1"/>
+            </a:solidFill>
+            <a:prstDash val="dash"/>
+          </a:ln>
+        </p:spPr>
+        <p:txBody>
+          <a:bodyPr wrap="square" rtlCol="0">
+            <a:spAutoFit/>
+          </a:bodyPr>
+          <a:lstStyle/>
+          <a:p>
+            <a:pPr algn="ctr"/>
+            <a:r>
+              <a:rPr lang="en-US" sz="800" dirty="0"/>
+              <a:t>END TEST</a:t>
+            </a:r>
+          </a:p>
+        </p:txBody>
+      </p:sp>
+      <p:cxnSp>
+        <p:nvCxnSpPr>
+          <p:cNvPr id="115" name="Straight Arrow Connector 114">
+            <a:extLst>
+              <a:ext uri="{FF2B5EF4-FFF2-40B4-BE49-F238E27FC236}">
+                <a16:creationId xmlns:a16="http://schemas.microsoft.com/office/drawing/2014/main" id="{693EA226-576B-7B40-B9DE-5FCFDF02B2CA}"/>
+              </a:ext>
+            </a:extLst>
+          </p:cNvPr>
+          <p:cNvCxnSpPr>
+            <a:cxnSpLocks/>
+            <a:stCxn id="70" idx="2"/>
+            <a:endCxn id="114" idx="0"/>
+          </p:cNvCxnSpPr>
+          <p:nvPr/>
+        </p:nvCxnSpPr>
+        <p:spPr>
+          <a:xfrm>
+            <a:off x="4568665" y="4740874"/>
+            <a:ext cx="6495" cy="469549"/>
+          </a:xfrm>
+          <a:prstGeom prst="straightConnector1">
+            <a:avLst/>
+          </a:prstGeom>
+          <a:ln>
+            <a:tailEnd type="triangle"/>
+          </a:ln>
+        </p:spPr>
+        <p:style>
+          <a:lnRef idx="1">
+            <a:schemeClr val="accent1"/>
+          </a:lnRef>
+          <a:fillRef idx="0">
+            <a:schemeClr val="accent1"/>
+          </a:fillRef>
+          <a:effectRef idx="0">
+            <a:schemeClr val="accent1"/>
+          </a:effectRef>
+          <a:fontRef idx="minor">
+            <a:schemeClr val="tx1"/>
+          </a:fontRef>
+        </p:style>
+      </p:cxnSp>
+      <p:cxnSp>
+        <p:nvCxnSpPr>
+          <p:cNvPr id="127" name="Straight Arrow Connector 126">
+            <a:extLst>
+              <a:ext uri="{FF2B5EF4-FFF2-40B4-BE49-F238E27FC236}">
+                <a16:creationId xmlns:a16="http://schemas.microsoft.com/office/drawing/2014/main" id="{3156D420-77E9-4948-B0DE-CB7B88FE9324}"/>
+              </a:ext>
+            </a:extLst>
+          </p:cNvPr>
+          <p:cNvCxnSpPr>
+            <a:cxnSpLocks/>
+          </p:cNvCxnSpPr>
+          <p:nvPr/>
+        </p:nvCxnSpPr>
+        <p:spPr>
+          <a:xfrm flipV="1">
+            <a:off x="4987072" y="4487421"/>
+            <a:ext cx="1542764" cy="13917"/>
+          </a:xfrm>
+          <a:prstGeom prst="straightConnector1">
+            <a:avLst/>
+          </a:prstGeom>
+          <a:ln>
+            <a:tailEnd type="triangle"/>
+          </a:ln>
+        </p:spPr>
+        <p:style>
+          <a:lnRef idx="1">
+            <a:schemeClr val="accent1"/>
+          </a:lnRef>
+          <a:fillRef idx="0">
+            <a:schemeClr val="accent1"/>
+          </a:fillRef>
+          <a:effectRef idx="0">
+            <a:schemeClr val="accent1"/>
+          </a:effectRef>
+          <a:fontRef idx="minor">
+            <a:schemeClr val="tx1"/>
+          </a:fontRef>
+        </p:style>
+      </p:cxnSp>
+      <p:sp>
+        <p:nvSpPr>
+          <p:cNvPr id="128" name="TextBox 127">
+            <a:extLst>
+              <a:ext uri="{FF2B5EF4-FFF2-40B4-BE49-F238E27FC236}">
+                <a16:creationId xmlns:a16="http://schemas.microsoft.com/office/drawing/2014/main" id="{2A295981-5BFB-E64E-B6F8-6301F9F8D429}"/>
+              </a:ext>
+            </a:extLst>
+          </p:cNvPr>
+          <p:cNvSpPr txBox="1"/>
+          <p:nvPr/>
+        </p:nvSpPr>
+        <p:spPr>
+          <a:xfrm>
+            <a:off x="6091978" y="3608096"/>
+            <a:ext cx="836815" cy="338554"/>
+          </a:xfrm>
+          <a:prstGeom prst="rect">
+            <a:avLst/>
+          </a:prstGeom>
+          <a:noFill/>
+        </p:spPr>
+        <p:txBody>
+          <a:bodyPr wrap="square" rtlCol="0">
+            <a:spAutoFit/>
+          </a:bodyPr>
+          <a:lstStyle/>
+          <a:p>
+            <a:pPr algn="ctr"/>
+            <a:r>
+              <a:rPr lang="en-US" sz="800" dirty="0"/>
+              <a:t>Pull </a:t>
+            </a:r>
+          </a:p>
+          <a:p>
+            <a:pPr algn="ctr"/>
+            <a:r>
+              <a:rPr lang="en-US" sz="800" dirty="0"/>
+              <a:t>Rollback</a:t>
+            </a:r>
+          </a:p>
+        </p:txBody>
+      </p:sp>
+      <p:sp>
+        <p:nvSpPr>
+          <p:cNvPr id="147" name="TextBox 146">
+            <a:extLst>
+              <a:ext uri="{FF2B5EF4-FFF2-40B4-BE49-F238E27FC236}">
+                <a16:creationId xmlns:a16="http://schemas.microsoft.com/office/drawing/2014/main" id="{1A2DD5F9-CBDF-1C44-B219-04220B114F6E}"/>
+              </a:ext>
+            </a:extLst>
+          </p:cNvPr>
+          <p:cNvSpPr txBox="1"/>
+          <p:nvPr/>
+        </p:nvSpPr>
+        <p:spPr>
+          <a:xfrm>
+            <a:off x="1739949" y="1243427"/>
+            <a:ext cx="836815" cy="338554"/>
+          </a:xfrm>
+          <a:prstGeom prst="rect">
+            <a:avLst/>
+          </a:prstGeom>
+          <a:noFill/>
+        </p:spPr>
+        <p:txBody>
+          <a:bodyPr wrap="square" rtlCol="0">
+            <a:spAutoFit/>
+          </a:bodyPr>
+          <a:lstStyle/>
+          <a:p>
+            <a:pPr algn="ctr"/>
+            <a:r>
+              <a:rPr lang="en-US" sz="800" dirty="0"/>
+              <a:t>[1a,2a] Pull and Push Rollback</a:t>
+            </a:r>
+          </a:p>
+        </p:txBody>
+      </p:sp>
+      <p:cxnSp>
+        <p:nvCxnSpPr>
+          <p:cNvPr id="148" name="Straight Arrow Connector 147">
+            <a:extLst>
+              <a:ext uri="{FF2B5EF4-FFF2-40B4-BE49-F238E27FC236}">
+                <a16:creationId xmlns:a16="http://schemas.microsoft.com/office/drawing/2014/main" id="{54BF7A85-2BBE-AC42-B0A9-69E9DDA55C6D}"/>
+              </a:ext>
+            </a:extLst>
+          </p:cNvPr>
+          <p:cNvCxnSpPr>
+            <a:cxnSpLocks/>
+          </p:cNvCxnSpPr>
+          <p:nvPr/>
+        </p:nvCxnSpPr>
+        <p:spPr>
+          <a:xfrm flipV="1">
+            <a:off x="1978830" y="1581981"/>
+            <a:ext cx="0" cy="371948"/>
+          </a:xfrm>
+          <a:prstGeom prst="straightConnector1">
+            <a:avLst/>
+          </a:prstGeom>
+          <a:ln>
+            <a:tailEnd type="triangle"/>
+          </a:ln>
+        </p:spPr>
+        <p:style>
+          <a:lnRef idx="1">
+            <a:schemeClr val="accent1"/>
+          </a:lnRef>
+          <a:fillRef idx="0">
+            <a:schemeClr val="accent1"/>
+          </a:fillRef>
+          <a:effectRef idx="0">
+            <a:schemeClr val="accent1"/>
+          </a:effectRef>
+          <a:fontRef idx="minor">
+            <a:schemeClr val="tx1"/>
+          </a:fontRef>
+        </p:style>
+      </p:cxnSp>
+      <p:cxnSp>
+        <p:nvCxnSpPr>
+          <p:cNvPr id="149" name="Straight Arrow Connector 148">
+            <a:extLst>
+              <a:ext uri="{FF2B5EF4-FFF2-40B4-BE49-F238E27FC236}">
+                <a16:creationId xmlns:a16="http://schemas.microsoft.com/office/drawing/2014/main" id="{12651FC2-32E9-0349-9FE6-54A2D5A598C5}"/>
+              </a:ext>
+            </a:extLst>
+          </p:cNvPr>
+          <p:cNvCxnSpPr>
+            <a:cxnSpLocks/>
+            <a:stCxn id="147" idx="2"/>
+          </p:cNvCxnSpPr>
+          <p:nvPr/>
+        </p:nvCxnSpPr>
+        <p:spPr>
+          <a:xfrm>
+            <a:off x="2158357" y="1581981"/>
+            <a:ext cx="2" cy="376045"/>
+          </a:xfrm>
+          <a:prstGeom prst="straightConnector1">
+            <a:avLst/>
+          </a:prstGeom>
+          <a:ln>
+            <a:tailEnd type="triangle"/>
+          </a:ln>
+        </p:spPr>
+        <p:style>
+          <a:lnRef idx="1">
+            <a:schemeClr val="accent1"/>
+          </a:lnRef>
+          <a:fillRef idx="0">
+            <a:schemeClr val="accent1"/>
+          </a:fillRef>
+          <a:effectRef idx="0">
+            <a:schemeClr val="accent1"/>
+          </a:effectRef>
+          <a:fontRef idx="minor">
+            <a:schemeClr val="tx1"/>
+          </a:fontRef>
+        </p:style>
+      </p:cxnSp>
+      <p:sp>
+        <p:nvSpPr>
+          <p:cNvPr id="153" name="TextBox 152">
+            <a:extLst>
+              <a:ext uri="{FF2B5EF4-FFF2-40B4-BE49-F238E27FC236}">
+                <a16:creationId xmlns:a16="http://schemas.microsoft.com/office/drawing/2014/main" id="{A789C281-229B-1649-B335-AC3B3CB8D2D3}"/>
+              </a:ext>
+            </a:extLst>
+          </p:cNvPr>
+          <p:cNvSpPr txBox="1"/>
+          <p:nvPr/>
+        </p:nvSpPr>
+        <p:spPr>
+          <a:xfrm>
+            <a:off x="950259" y="421341"/>
+            <a:ext cx="2706767" cy="369332"/>
+          </a:xfrm>
+          <a:prstGeom prst="rect">
+            <a:avLst/>
+          </a:prstGeom>
+          <a:noFill/>
+        </p:spPr>
+        <p:txBody>
+          <a:bodyPr wrap="none" rtlCol="0">
+            <a:spAutoFit/>
+          </a:bodyPr>
+          <a:lstStyle/>
+          <a:p>
+            <a:r>
+              <a:rPr lang="en-US" dirty="0" err="1"/>
+              <a:t>Tartansync</a:t>
+            </a:r>
+            <a:r>
+              <a:rPr lang="en-US" dirty="0"/>
+              <a:t> Test State Chart</a:t>
+            </a:r>
+          </a:p>
+        </p:txBody>
+      </p:sp>
+      <p:sp>
+        <p:nvSpPr>
+          <p:cNvPr id="160" name="TextBox 159">
+            <a:extLst>
+              <a:ext uri="{FF2B5EF4-FFF2-40B4-BE49-F238E27FC236}">
+                <a16:creationId xmlns:a16="http://schemas.microsoft.com/office/drawing/2014/main" id="{7016D435-362C-8149-903E-4529B75B459D}"/>
+              </a:ext>
+            </a:extLst>
+          </p:cNvPr>
+          <p:cNvSpPr txBox="1"/>
+          <p:nvPr/>
+        </p:nvSpPr>
+        <p:spPr>
+          <a:xfrm>
+            <a:off x="4168602" y="1597758"/>
+            <a:ext cx="836815" cy="215444"/>
+          </a:xfrm>
+          <a:prstGeom prst="rect">
+            <a:avLst/>
+          </a:prstGeom>
+          <a:noFill/>
+        </p:spPr>
+        <p:txBody>
+          <a:bodyPr wrap="square" rtlCol="0">
+            <a:spAutoFit/>
+          </a:bodyPr>
+          <a:lstStyle/>
+          <a:p>
+            <a:pPr algn="ctr"/>
+            <a:r>
+              <a:rPr lang="en-US" sz="800" dirty="0"/>
+              <a:t>Pull Rollback</a:t>
+            </a:r>
+          </a:p>
+        </p:txBody>
+      </p:sp>
+      <p:cxnSp>
+        <p:nvCxnSpPr>
+          <p:cNvPr id="170" name="Straight Arrow Connector 169">
+            <a:extLst>
+              <a:ext uri="{FF2B5EF4-FFF2-40B4-BE49-F238E27FC236}">
+                <a16:creationId xmlns:a16="http://schemas.microsoft.com/office/drawing/2014/main" id="{682E274F-E357-6844-AFF3-DA6396C5F26B}"/>
+              </a:ext>
+            </a:extLst>
+          </p:cNvPr>
+          <p:cNvCxnSpPr>
+            <a:cxnSpLocks/>
+          </p:cNvCxnSpPr>
+          <p:nvPr/>
+        </p:nvCxnSpPr>
+        <p:spPr>
+          <a:xfrm flipV="1">
+            <a:off x="9540424" y="3602505"/>
+            <a:ext cx="0" cy="576149"/>
+          </a:xfrm>
+          <a:prstGeom prst="straightConnector1">
+            <a:avLst/>
+          </a:prstGeom>
+          <a:ln>
+            <a:tailEnd type="triangle"/>
+          </a:ln>
+        </p:spPr>
+        <p:style>
+          <a:lnRef idx="1">
+            <a:schemeClr val="accent1"/>
+          </a:lnRef>
+          <a:fillRef idx="0">
+            <a:schemeClr val="accent1"/>
+          </a:fillRef>
+          <a:effectRef idx="0">
+            <a:schemeClr val="accent1"/>
+          </a:effectRef>
+          <a:fontRef idx="minor">
+            <a:schemeClr val="tx1"/>
+          </a:fontRef>
+        </p:style>
+      </p:cxnSp>
+      <p:sp>
+        <p:nvSpPr>
+          <p:cNvPr id="173" name="TextBox 172">
+            <a:extLst>
+              <a:ext uri="{FF2B5EF4-FFF2-40B4-BE49-F238E27FC236}">
+                <a16:creationId xmlns:a16="http://schemas.microsoft.com/office/drawing/2014/main" id="{BF80A7F7-C914-D341-A29F-543E67F870B4}"/>
+              </a:ext>
+            </a:extLst>
+          </p:cNvPr>
+          <p:cNvSpPr txBox="1"/>
+          <p:nvPr/>
+        </p:nvSpPr>
+        <p:spPr>
+          <a:xfrm>
+            <a:off x="9110631" y="4148867"/>
+            <a:ext cx="836815" cy="338554"/>
+          </a:xfrm>
+          <a:prstGeom prst="rect">
+            <a:avLst/>
+          </a:prstGeom>
+          <a:noFill/>
+        </p:spPr>
+        <p:txBody>
+          <a:bodyPr wrap="square" rtlCol="0">
+            <a:spAutoFit/>
+          </a:bodyPr>
+          <a:lstStyle/>
+          <a:p>
+            <a:pPr algn="ctr"/>
+            <a:r>
+              <a:rPr lang="en-US" sz="800" dirty="0"/>
+              <a:t>[13] Push</a:t>
+            </a:r>
+          </a:p>
+          <a:p>
+            <a:pPr algn="ctr"/>
+            <a:r>
+              <a:rPr lang="en-US" sz="800" dirty="0"/>
+              <a:t>to </a:t>
+            </a:r>
+            <a:r>
+              <a:rPr lang="en-US" sz="800" dirty="0" err="1"/>
+              <a:t>plesk</a:t>
+            </a:r>
+            <a:endParaRPr lang="en-US" sz="800" dirty="0"/>
+          </a:p>
+        </p:txBody>
+      </p:sp>
+      <p:cxnSp>
+        <p:nvCxnSpPr>
+          <p:cNvPr id="54" name="Straight Arrow Connector 53">
+            <a:extLst>
+              <a:ext uri="{FF2B5EF4-FFF2-40B4-BE49-F238E27FC236}">
+                <a16:creationId xmlns:a16="http://schemas.microsoft.com/office/drawing/2014/main" id="{91E3294D-4404-D04B-BC01-ACB936ED3635}"/>
+              </a:ext>
+            </a:extLst>
+          </p:cNvPr>
+          <p:cNvCxnSpPr>
+            <a:cxnSpLocks/>
+          </p:cNvCxnSpPr>
+          <p:nvPr/>
+        </p:nvCxnSpPr>
+        <p:spPr>
+          <a:xfrm>
+            <a:off x="5000063" y="1153398"/>
+            <a:ext cx="1073351" cy="0"/>
+          </a:xfrm>
+          <a:prstGeom prst="straightConnector1">
+            <a:avLst/>
+          </a:prstGeom>
+          <a:ln>
+            <a:tailEnd type="triangle"/>
+          </a:ln>
+        </p:spPr>
+        <p:style>
+          <a:lnRef idx="1">
+            <a:schemeClr val="accent1"/>
+          </a:lnRef>
+          <a:fillRef idx="0">
+            <a:schemeClr val="accent1"/>
+          </a:fillRef>
+          <a:effectRef idx="0">
+            <a:schemeClr val="accent1"/>
+          </a:effectRef>
+          <a:fontRef idx="minor">
+            <a:schemeClr val="tx1"/>
+          </a:fontRef>
+        </p:style>
+      </p:cxnSp>
+      <p:sp>
+        <p:nvSpPr>
+          <p:cNvPr id="58" name="TextBox 57">
+            <a:extLst>
+              <a:ext uri="{FF2B5EF4-FFF2-40B4-BE49-F238E27FC236}">
+                <a16:creationId xmlns:a16="http://schemas.microsoft.com/office/drawing/2014/main" id="{6916F16A-8A4A-934E-B1DB-5629083DF94D}"/>
+              </a:ext>
+            </a:extLst>
+          </p:cNvPr>
+          <p:cNvSpPr txBox="1"/>
+          <p:nvPr/>
+        </p:nvSpPr>
+        <p:spPr>
+          <a:xfrm rot="10800000" flipV="1">
+            <a:off x="4883799" y="1039323"/>
+            <a:ext cx="1230993" cy="215444"/>
+          </a:xfrm>
+          <a:prstGeom prst="rect">
+            <a:avLst/>
+          </a:prstGeom>
+          <a:noFill/>
+        </p:spPr>
+        <p:txBody>
+          <a:bodyPr wrap="square" rtlCol="0">
+            <a:spAutoFit/>
+          </a:bodyPr>
+          <a:lstStyle/>
+          <a:p>
+            <a:pPr algn="ctr"/>
+            <a:r>
+              <a:rPr lang="en-US" sz="800" dirty="0"/>
+              <a:t>Push</a:t>
+            </a:r>
+          </a:p>
+        </p:txBody>
+      </p:sp>
+      <p:cxnSp>
+        <p:nvCxnSpPr>
+          <p:cNvPr id="59" name="Straight Arrow Connector 58">
+            <a:extLst>
+              <a:ext uri="{FF2B5EF4-FFF2-40B4-BE49-F238E27FC236}">
+                <a16:creationId xmlns:a16="http://schemas.microsoft.com/office/drawing/2014/main" id="{2574797E-4FC1-AC42-BF10-9A9219361DA0}"/>
+              </a:ext>
+            </a:extLst>
+          </p:cNvPr>
+          <p:cNvCxnSpPr>
+            <a:cxnSpLocks/>
+          </p:cNvCxnSpPr>
+          <p:nvPr/>
+        </p:nvCxnSpPr>
+        <p:spPr>
+          <a:xfrm flipV="1">
+            <a:off x="6910229" y="1153397"/>
+            <a:ext cx="600417" cy="1"/>
+          </a:xfrm>
+          <a:prstGeom prst="straightConnector1">
+            <a:avLst/>
+          </a:prstGeom>
+          <a:ln>
+            <a:tailEnd type="triangle"/>
+          </a:ln>
+        </p:spPr>
+        <p:style>
+          <a:lnRef idx="1">
+            <a:schemeClr val="accent1"/>
+          </a:lnRef>
+          <a:fillRef idx="0">
+            <a:schemeClr val="accent1"/>
+          </a:fillRef>
+          <a:effectRef idx="0">
+            <a:schemeClr val="accent1"/>
+          </a:effectRef>
+          <a:fontRef idx="minor">
+            <a:schemeClr val="tx1"/>
+          </a:fontRef>
+        </p:style>
+      </p:cxnSp>
+      <p:sp>
+        <p:nvSpPr>
+          <p:cNvPr id="61" name="TextBox 60">
+            <a:extLst>
+              <a:ext uri="{FF2B5EF4-FFF2-40B4-BE49-F238E27FC236}">
+                <a16:creationId xmlns:a16="http://schemas.microsoft.com/office/drawing/2014/main" id="{9C9BAC9A-2FD2-EF44-8DB0-834C16D0E10A}"/>
+              </a:ext>
+            </a:extLst>
+          </p:cNvPr>
+          <p:cNvSpPr txBox="1"/>
+          <p:nvPr/>
+        </p:nvSpPr>
+        <p:spPr>
+          <a:xfrm>
+            <a:off x="6744479" y="975972"/>
+            <a:ext cx="836815" cy="338554"/>
+          </a:xfrm>
+          <a:prstGeom prst="rect">
+            <a:avLst/>
+          </a:prstGeom>
+          <a:noFill/>
+        </p:spPr>
+        <p:txBody>
+          <a:bodyPr wrap="square" rtlCol="0">
+            <a:spAutoFit/>
+          </a:bodyPr>
+          <a:lstStyle/>
+          <a:p>
+            <a:pPr algn="ctr"/>
+            <a:r>
+              <a:rPr lang="en-US" sz="800" dirty="0"/>
+              <a:t>Push </a:t>
+            </a:r>
+          </a:p>
+          <a:p>
+            <a:pPr algn="ctr"/>
+            <a:r>
+              <a:rPr lang="en-US" sz="800" dirty="0"/>
+              <a:t>Rollback</a:t>
+            </a:r>
+          </a:p>
+        </p:txBody>
+      </p:sp>
+      <p:cxnSp>
+        <p:nvCxnSpPr>
+          <p:cNvPr id="75" name="Straight Arrow Connector 74">
+            <a:extLst>
+              <a:ext uri="{FF2B5EF4-FFF2-40B4-BE49-F238E27FC236}">
+                <a16:creationId xmlns:a16="http://schemas.microsoft.com/office/drawing/2014/main" id="{882D59F4-4459-4341-B4B3-993C75E1D388}"/>
+              </a:ext>
+            </a:extLst>
+          </p:cNvPr>
+          <p:cNvCxnSpPr>
+            <a:cxnSpLocks/>
+          </p:cNvCxnSpPr>
+          <p:nvPr/>
+        </p:nvCxnSpPr>
+        <p:spPr>
+          <a:xfrm flipH="1" flipV="1">
+            <a:off x="3455866" y="1178607"/>
+            <a:ext cx="37333" cy="2346797"/>
+          </a:xfrm>
+          <a:prstGeom prst="straightConnector1">
+            <a:avLst/>
+          </a:prstGeom>
+          <a:ln>
+            <a:tailEnd type="triangle"/>
+          </a:ln>
+        </p:spPr>
+        <p:style>
+          <a:lnRef idx="1">
+            <a:schemeClr val="accent1"/>
+          </a:lnRef>
+          <a:fillRef idx="0">
+            <a:schemeClr val="accent1"/>
+          </a:fillRef>
+          <a:effectRef idx="0">
+            <a:schemeClr val="accent1"/>
+          </a:effectRef>
+          <a:fontRef idx="minor">
+            <a:schemeClr val="tx1"/>
+          </a:fontRef>
+        </p:style>
+      </p:cxnSp>
+      <p:cxnSp>
+        <p:nvCxnSpPr>
+          <p:cNvPr id="78" name="Straight Arrow Connector 77">
+            <a:extLst>
+              <a:ext uri="{FF2B5EF4-FFF2-40B4-BE49-F238E27FC236}">
+                <a16:creationId xmlns:a16="http://schemas.microsoft.com/office/drawing/2014/main" id="{2314B0C3-8C77-834C-944A-A601E8CA7D4A}"/>
+              </a:ext>
+            </a:extLst>
+          </p:cNvPr>
+          <p:cNvCxnSpPr>
+            <a:cxnSpLocks/>
+          </p:cNvCxnSpPr>
+          <p:nvPr/>
+        </p:nvCxnSpPr>
+        <p:spPr>
+          <a:xfrm>
+            <a:off x="3470260" y="1153398"/>
+            <a:ext cx="692988" cy="0"/>
+          </a:xfrm>
+          <a:prstGeom prst="straightConnector1">
+            <a:avLst/>
+          </a:prstGeom>
+          <a:ln>
+            <a:tailEnd type="triangle"/>
+          </a:ln>
+        </p:spPr>
+        <p:style>
+          <a:lnRef idx="1">
+            <a:schemeClr val="accent1"/>
+          </a:lnRef>
+          <a:fillRef idx="0">
+            <a:schemeClr val="accent1"/>
+          </a:fillRef>
+          <a:effectRef idx="0">
+            <a:schemeClr val="accent1"/>
+          </a:effectRef>
+          <a:fontRef idx="minor">
+            <a:schemeClr val="tx1"/>
+          </a:fontRef>
+        </p:style>
+      </p:cxnSp>
+      <p:cxnSp>
+        <p:nvCxnSpPr>
+          <p:cNvPr id="82" name="Straight Arrow Connector 81">
+            <a:extLst>
+              <a:ext uri="{FF2B5EF4-FFF2-40B4-BE49-F238E27FC236}">
+                <a16:creationId xmlns:a16="http://schemas.microsoft.com/office/drawing/2014/main" id="{B922F8D0-0722-FC47-B945-C95ECC6D2809}"/>
+              </a:ext>
+            </a:extLst>
+          </p:cNvPr>
+          <p:cNvCxnSpPr>
+            <a:cxnSpLocks/>
+            <a:endCxn id="84" idx="2"/>
+          </p:cNvCxnSpPr>
+          <p:nvPr/>
+        </p:nvCxnSpPr>
+        <p:spPr>
+          <a:xfrm flipH="1" flipV="1">
+            <a:off x="3794651" y="1920535"/>
+            <a:ext cx="337982" cy="233120"/>
+          </a:xfrm>
+          <a:prstGeom prst="straightConnector1">
+            <a:avLst/>
+          </a:prstGeom>
+          <a:ln>
+            <a:tailEnd type="triangle"/>
+          </a:ln>
+        </p:spPr>
+        <p:style>
+          <a:lnRef idx="1">
+            <a:schemeClr val="accent1"/>
+          </a:lnRef>
+          <a:fillRef idx="0">
+            <a:schemeClr val="accent1"/>
+          </a:fillRef>
+          <a:effectRef idx="0">
+            <a:schemeClr val="accent1"/>
+          </a:effectRef>
+          <a:fontRef idx="minor">
+            <a:schemeClr val="tx1"/>
+          </a:fontRef>
+        </p:style>
+      </p:cxnSp>
+      <p:sp>
+        <p:nvSpPr>
+          <p:cNvPr id="84" name="TextBox 83">
+            <a:extLst>
+              <a:ext uri="{FF2B5EF4-FFF2-40B4-BE49-F238E27FC236}">
+                <a16:creationId xmlns:a16="http://schemas.microsoft.com/office/drawing/2014/main" id="{6D19A766-B931-0642-8F4E-46C58931235E}"/>
+              </a:ext>
+            </a:extLst>
+          </p:cNvPr>
+          <p:cNvSpPr txBox="1"/>
+          <p:nvPr/>
+        </p:nvSpPr>
+        <p:spPr>
+          <a:xfrm>
+            <a:off x="3376243" y="1581981"/>
+            <a:ext cx="836815" cy="338554"/>
+          </a:xfrm>
+          <a:prstGeom prst="rect">
+            <a:avLst/>
+          </a:prstGeom>
+          <a:noFill/>
+        </p:spPr>
+        <p:txBody>
+          <a:bodyPr wrap="square" rtlCol="0">
+            <a:spAutoFit/>
+          </a:bodyPr>
+          <a:lstStyle/>
+          <a:p>
+            <a:pPr algn="ctr"/>
+            <a:r>
+              <a:rPr lang="en-US" sz="800" dirty="0"/>
+              <a:t>Push </a:t>
+            </a:r>
+          </a:p>
+          <a:p>
+            <a:pPr algn="ctr"/>
+            <a:r>
+              <a:rPr lang="en-US" sz="800" dirty="0"/>
+              <a:t>Rollback</a:t>
+            </a:r>
+          </a:p>
+        </p:txBody>
+      </p:sp>
+      <p:cxnSp>
+        <p:nvCxnSpPr>
+          <p:cNvPr id="85" name="Straight Arrow Connector 84">
+            <a:extLst>
+              <a:ext uri="{FF2B5EF4-FFF2-40B4-BE49-F238E27FC236}">
+                <a16:creationId xmlns:a16="http://schemas.microsoft.com/office/drawing/2014/main" id="{485000E3-ED7D-694E-BC94-BCF852DEDC9E}"/>
+              </a:ext>
+            </a:extLst>
+          </p:cNvPr>
+          <p:cNvCxnSpPr>
+            <a:cxnSpLocks/>
+          </p:cNvCxnSpPr>
+          <p:nvPr/>
+        </p:nvCxnSpPr>
+        <p:spPr>
+          <a:xfrm>
+            <a:off x="3986160" y="1779350"/>
+            <a:ext cx="343897" cy="334249"/>
+          </a:xfrm>
+          <a:prstGeom prst="straightConnector1">
+            <a:avLst/>
+          </a:prstGeom>
+          <a:ln>
+            <a:tailEnd type="triangle"/>
+          </a:ln>
+        </p:spPr>
+        <p:style>
+          <a:lnRef idx="1">
+            <a:schemeClr val="accent1"/>
+          </a:lnRef>
+          <a:fillRef idx="0">
+            <a:schemeClr val="accent1"/>
+          </a:fillRef>
+          <a:effectRef idx="0">
+            <a:schemeClr val="accent1"/>
+          </a:effectRef>
+          <a:fontRef idx="minor">
+            <a:schemeClr val="tx1"/>
+          </a:fontRef>
+        </p:style>
+      </p:cxnSp>
+      <p:cxnSp>
+        <p:nvCxnSpPr>
+          <p:cNvPr id="89" name="Straight Arrow Connector 88">
+            <a:extLst>
+              <a:ext uri="{FF2B5EF4-FFF2-40B4-BE49-F238E27FC236}">
+                <a16:creationId xmlns:a16="http://schemas.microsoft.com/office/drawing/2014/main" id="{EE176A1E-AB12-FF49-B53E-76AC6976CBC0}"/>
+              </a:ext>
+            </a:extLst>
+          </p:cNvPr>
+          <p:cNvCxnSpPr>
+            <a:cxnSpLocks/>
+          </p:cNvCxnSpPr>
+          <p:nvPr/>
+        </p:nvCxnSpPr>
+        <p:spPr>
+          <a:xfrm>
+            <a:off x="5007791" y="2252837"/>
+            <a:ext cx="1074817" cy="1"/>
+          </a:xfrm>
+          <a:prstGeom prst="straightConnector1">
+            <a:avLst/>
+          </a:prstGeom>
+          <a:ln>
+            <a:tailEnd type="triangle"/>
+          </a:ln>
+        </p:spPr>
+        <p:style>
+          <a:lnRef idx="1">
+            <a:schemeClr val="accent1"/>
+          </a:lnRef>
+          <a:fillRef idx="0">
+            <a:schemeClr val="accent1"/>
+          </a:fillRef>
+          <a:effectRef idx="0">
+            <a:schemeClr val="accent1"/>
+          </a:effectRef>
+          <a:fontRef idx="minor">
+            <a:schemeClr val="tx1"/>
+          </a:fontRef>
+        </p:style>
+      </p:cxnSp>
+      <p:sp>
+        <p:nvSpPr>
+          <p:cNvPr id="93" name="TextBox 92">
+            <a:extLst>
+              <a:ext uri="{FF2B5EF4-FFF2-40B4-BE49-F238E27FC236}">
+                <a16:creationId xmlns:a16="http://schemas.microsoft.com/office/drawing/2014/main" id="{6F6CBBF4-02BA-6245-938B-39477D06D9E2}"/>
+              </a:ext>
+            </a:extLst>
+          </p:cNvPr>
+          <p:cNvSpPr txBox="1"/>
+          <p:nvPr/>
+        </p:nvSpPr>
+        <p:spPr>
+          <a:xfrm rot="10800000" flipV="1">
+            <a:off x="4910410" y="2136575"/>
+            <a:ext cx="1230993" cy="215444"/>
+          </a:xfrm>
+          <a:prstGeom prst="rect">
+            <a:avLst/>
+          </a:prstGeom>
+          <a:noFill/>
+        </p:spPr>
+        <p:txBody>
+          <a:bodyPr wrap="square" rtlCol="0">
+            <a:spAutoFit/>
+          </a:bodyPr>
+          <a:lstStyle/>
+          <a:p>
+            <a:pPr algn="ctr"/>
+            <a:r>
+              <a:rPr lang="en-US" sz="800" dirty="0"/>
+              <a:t>Push</a:t>
+            </a:r>
+          </a:p>
+        </p:txBody>
+      </p:sp>
+      <p:cxnSp>
+        <p:nvCxnSpPr>
+          <p:cNvPr id="107" name="Straight Arrow Connector 106">
+            <a:extLst>
+              <a:ext uri="{FF2B5EF4-FFF2-40B4-BE49-F238E27FC236}">
+                <a16:creationId xmlns:a16="http://schemas.microsoft.com/office/drawing/2014/main" id="{30C10715-13C2-BC4A-827D-AC5A673A8B3B}"/>
+              </a:ext>
+            </a:extLst>
+          </p:cNvPr>
+          <p:cNvCxnSpPr>
+            <a:cxnSpLocks/>
+          </p:cNvCxnSpPr>
+          <p:nvPr/>
+        </p:nvCxnSpPr>
+        <p:spPr>
+          <a:xfrm>
+            <a:off x="7475903" y="4872756"/>
+            <a:ext cx="699453" cy="0"/>
+          </a:xfrm>
+          <a:prstGeom prst="straightConnector1">
+            <a:avLst/>
+          </a:prstGeom>
+          <a:ln>
+            <a:tailEnd type="triangle"/>
+          </a:ln>
+        </p:spPr>
+        <p:style>
+          <a:lnRef idx="1">
+            <a:schemeClr val="accent1"/>
+          </a:lnRef>
+          <a:fillRef idx="0">
+            <a:schemeClr val="accent1"/>
+          </a:fillRef>
+          <a:effectRef idx="0">
+            <a:schemeClr val="accent1"/>
+          </a:effectRef>
+          <a:fontRef idx="minor">
+            <a:schemeClr val="tx1"/>
+          </a:fontRef>
+        </p:style>
+      </p:cxnSp>
+      <p:sp>
+        <p:nvSpPr>
+          <p:cNvPr id="109" name="TextBox 108">
+            <a:extLst>
+              <a:ext uri="{FF2B5EF4-FFF2-40B4-BE49-F238E27FC236}">
+                <a16:creationId xmlns:a16="http://schemas.microsoft.com/office/drawing/2014/main" id="{B3A039F0-1235-9346-9105-3415514BA739}"/>
+              </a:ext>
+            </a:extLst>
+          </p:cNvPr>
+          <p:cNvSpPr txBox="1"/>
+          <p:nvPr/>
+        </p:nvSpPr>
+        <p:spPr>
+          <a:xfrm>
+            <a:off x="7407221" y="4703478"/>
+            <a:ext cx="836815" cy="338554"/>
+          </a:xfrm>
+          <a:prstGeom prst="rect">
+            <a:avLst/>
+          </a:prstGeom>
+          <a:noFill/>
+        </p:spPr>
+        <p:txBody>
+          <a:bodyPr wrap="square" rtlCol="0">
+            <a:spAutoFit/>
+          </a:bodyPr>
+          <a:lstStyle/>
+          <a:p>
+            <a:pPr algn="ctr"/>
+            <a:r>
+              <a:rPr lang="en-US" sz="800" dirty="0"/>
+              <a:t>Push </a:t>
+            </a:r>
+          </a:p>
+          <a:p>
+            <a:pPr algn="ctr"/>
+            <a:r>
+              <a:rPr lang="en-US" sz="800" dirty="0"/>
+              <a:t>Rollback</a:t>
+            </a:r>
+          </a:p>
+        </p:txBody>
+      </p:sp>
+      <p:sp>
+        <p:nvSpPr>
+          <p:cNvPr id="111" name="TextBox 110">
+            <a:extLst>
+              <a:ext uri="{FF2B5EF4-FFF2-40B4-BE49-F238E27FC236}">
+                <a16:creationId xmlns:a16="http://schemas.microsoft.com/office/drawing/2014/main" id="{7D9B15F0-F967-AD49-A917-A8DAB33D7786}"/>
+              </a:ext>
+            </a:extLst>
+          </p:cNvPr>
+          <p:cNvSpPr txBox="1"/>
+          <p:nvPr/>
+        </p:nvSpPr>
+        <p:spPr>
+          <a:xfrm>
+            <a:off x="6621949" y="5211923"/>
+            <a:ext cx="836815" cy="338554"/>
+          </a:xfrm>
+          <a:prstGeom prst="rect">
+            <a:avLst/>
+          </a:prstGeom>
+          <a:noFill/>
+        </p:spPr>
+        <p:txBody>
+          <a:bodyPr wrap="square" rtlCol="0">
+            <a:spAutoFit/>
+          </a:bodyPr>
+          <a:lstStyle/>
+          <a:p>
+            <a:pPr algn="ctr"/>
+            <a:r>
+              <a:rPr lang="en-US" sz="800" dirty="0"/>
+              <a:t>Pull </a:t>
+            </a:r>
+          </a:p>
+          <a:p>
+            <a:pPr algn="ctr"/>
+            <a:r>
+              <a:rPr lang="en-US" sz="800" dirty="0"/>
+              <a:t>Rollback</a:t>
+            </a:r>
+          </a:p>
+        </p:txBody>
+      </p:sp>
+      <p:cxnSp>
+        <p:nvCxnSpPr>
+          <p:cNvPr id="116" name="Straight Arrow Connector 115">
+            <a:extLst>
+              <a:ext uri="{FF2B5EF4-FFF2-40B4-BE49-F238E27FC236}">
+                <a16:creationId xmlns:a16="http://schemas.microsoft.com/office/drawing/2014/main" id="{6BD6E87C-5F20-F345-BD89-3A0EF70B2B66}"/>
+              </a:ext>
+            </a:extLst>
+          </p:cNvPr>
+          <p:cNvCxnSpPr>
+            <a:cxnSpLocks/>
+          </p:cNvCxnSpPr>
+          <p:nvPr/>
+        </p:nvCxnSpPr>
+        <p:spPr>
+          <a:xfrm flipH="1">
+            <a:off x="7051280" y="5165143"/>
+            <a:ext cx="6216" cy="424497"/>
+          </a:xfrm>
+          <a:prstGeom prst="straightConnector1">
+            <a:avLst/>
+          </a:prstGeom>
+          <a:ln>
+            <a:tailEnd type="triangle"/>
+          </a:ln>
+        </p:spPr>
+        <p:style>
+          <a:lnRef idx="1">
+            <a:schemeClr val="accent1"/>
+          </a:lnRef>
+          <a:fillRef idx="0">
+            <a:schemeClr val="accent1"/>
+          </a:fillRef>
+          <a:effectRef idx="0">
+            <a:schemeClr val="accent1"/>
+          </a:effectRef>
+          <a:fontRef idx="minor">
+            <a:schemeClr val="tx1"/>
+          </a:fontRef>
+        </p:style>
+      </p:cxnSp>
+      <p:cxnSp>
+        <p:nvCxnSpPr>
+          <p:cNvPr id="117" name="Straight Arrow Connector 116">
+            <a:extLst>
+              <a:ext uri="{FF2B5EF4-FFF2-40B4-BE49-F238E27FC236}">
+                <a16:creationId xmlns:a16="http://schemas.microsoft.com/office/drawing/2014/main" id="{D7C68677-F3B5-AB46-A342-C185281C3E6D}"/>
+              </a:ext>
+            </a:extLst>
+          </p:cNvPr>
+          <p:cNvCxnSpPr>
+            <a:cxnSpLocks/>
+          </p:cNvCxnSpPr>
+          <p:nvPr/>
+        </p:nvCxnSpPr>
+        <p:spPr>
+          <a:xfrm flipV="1">
+            <a:off x="7468335" y="4025198"/>
+            <a:ext cx="724018" cy="567280"/>
+          </a:xfrm>
+          <a:prstGeom prst="straightConnector1">
+            <a:avLst/>
+          </a:prstGeom>
+          <a:ln>
+            <a:tailEnd type="triangle"/>
+          </a:ln>
+        </p:spPr>
+        <p:style>
+          <a:lnRef idx="1">
+            <a:schemeClr val="accent1"/>
+          </a:lnRef>
+          <a:fillRef idx="0">
+            <a:schemeClr val="accent1"/>
+          </a:fillRef>
+          <a:effectRef idx="0">
+            <a:schemeClr val="accent1"/>
+          </a:effectRef>
+          <a:fontRef idx="minor">
+            <a:schemeClr val="tx1"/>
+          </a:fontRef>
+        </p:style>
+      </p:cxnSp>
+      <p:sp>
+        <p:nvSpPr>
+          <p:cNvPr id="119" name="TextBox 118">
+            <a:extLst>
+              <a:ext uri="{FF2B5EF4-FFF2-40B4-BE49-F238E27FC236}">
+                <a16:creationId xmlns:a16="http://schemas.microsoft.com/office/drawing/2014/main" id="{3286412B-2FFE-4D42-B360-06AA812570E7}"/>
+              </a:ext>
+            </a:extLst>
+          </p:cNvPr>
+          <p:cNvSpPr txBox="1"/>
+          <p:nvPr/>
+        </p:nvSpPr>
+        <p:spPr>
+          <a:xfrm>
+            <a:off x="7379417" y="4217425"/>
+            <a:ext cx="836815" cy="215444"/>
+          </a:xfrm>
+          <a:prstGeom prst="rect">
+            <a:avLst/>
+          </a:prstGeom>
+          <a:noFill/>
+        </p:spPr>
+        <p:txBody>
+          <a:bodyPr wrap="square" rtlCol="0">
+            <a:spAutoFit/>
+          </a:bodyPr>
+          <a:lstStyle/>
+          <a:p>
+            <a:pPr algn="ctr"/>
+            <a:r>
+              <a:rPr lang="en-US" sz="800" dirty="0"/>
+              <a:t>Push</a:t>
+            </a:r>
+          </a:p>
+        </p:txBody>
+      </p:sp>
+      <p:cxnSp>
+        <p:nvCxnSpPr>
+          <p:cNvPr id="124" name="Straight Arrow Connector 123">
+            <a:extLst>
+              <a:ext uri="{FF2B5EF4-FFF2-40B4-BE49-F238E27FC236}">
+                <a16:creationId xmlns:a16="http://schemas.microsoft.com/office/drawing/2014/main" id="{5B607D0E-5FB5-6745-80BD-F83D5F877207}"/>
+              </a:ext>
+            </a:extLst>
+          </p:cNvPr>
+          <p:cNvCxnSpPr>
+            <a:cxnSpLocks/>
+          </p:cNvCxnSpPr>
+          <p:nvPr/>
+        </p:nvCxnSpPr>
+        <p:spPr>
+          <a:xfrm>
+            <a:off x="7486827" y="5173990"/>
+            <a:ext cx="695025" cy="415650"/>
+          </a:xfrm>
+          <a:prstGeom prst="straightConnector1">
+            <a:avLst/>
+          </a:prstGeom>
+          <a:ln>
+            <a:tailEnd type="triangle"/>
+          </a:ln>
+        </p:spPr>
+        <p:style>
+          <a:lnRef idx="1">
+            <a:schemeClr val="accent1"/>
+          </a:lnRef>
+          <a:fillRef idx="0">
+            <a:schemeClr val="accent1"/>
+          </a:fillRef>
+          <a:effectRef idx="0">
+            <a:schemeClr val="accent1"/>
+          </a:effectRef>
+          <a:fontRef idx="minor">
+            <a:schemeClr val="tx1"/>
+          </a:fontRef>
+        </p:style>
+      </p:cxnSp>
+      <p:sp>
+        <p:nvSpPr>
+          <p:cNvPr id="129" name="TextBox 128">
+            <a:extLst>
+              <a:ext uri="{FF2B5EF4-FFF2-40B4-BE49-F238E27FC236}">
+                <a16:creationId xmlns:a16="http://schemas.microsoft.com/office/drawing/2014/main" id="{0FD5A04F-0023-9F48-9C7F-5D5BD1AE1D2D}"/>
+              </a:ext>
+            </a:extLst>
+          </p:cNvPr>
+          <p:cNvSpPr txBox="1"/>
+          <p:nvPr/>
+        </p:nvSpPr>
+        <p:spPr>
+          <a:xfrm>
+            <a:off x="7415931" y="5269570"/>
+            <a:ext cx="836815" cy="215444"/>
+          </a:xfrm>
+          <a:prstGeom prst="rect">
+            <a:avLst/>
+          </a:prstGeom>
+          <a:noFill/>
+        </p:spPr>
+        <p:txBody>
+          <a:bodyPr wrap="square" rtlCol="0">
+            <a:spAutoFit/>
+          </a:bodyPr>
+          <a:lstStyle/>
+          <a:p>
+            <a:pPr algn="ctr"/>
+            <a:r>
+              <a:rPr lang="en-US" sz="800" dirty="0"/>
+              <a:t>Pull</a:t>
+            </a:r>
+          </a:p>
+        </p:txBody>
+      </p:sp>
+      <p:sp>
+        <p:nvSpPr>
+          <p:cNvPr id="130" name="TextBox 129">
+            <a:extLst>
+              <a:ext uri="{FF2B5EF4-FFF2-40B4-BE49-F238E27FC236}">
+                <a16:creationId xmlns:a16="http://schemas.microsoft.com/office/drawing/2014/main" id="{F8D4E1ED-6933-F744-A49B-5DEE78AAF0FC}"/>
+              </a:ext>
+            </a:extLst>
+          </p:cNvPr>
+          <p:cNvSpPr txBox="1"/>
+          <p:nvPr/>
+        </p:nvSpPr>
+        <p:spPr>
+          <a:xfrm>
+            <a:off x="5160431" y="1552001"/>
+            <a:ext cx="836815" cy="338554"/>
+          </a:xfrm>
+          <a:prstGeom prst="rect">
+            <a:avLst/>
+          </a:prstGeom>
+          <a:noFill/>
+          <a:ln>
+            <a:solidFill>
+              <a:schemeClr val="accent1"/>
+            </a:solidFill>
+          </a:ln>
+        </p:spPr>
+        <p:txBody>
+          <a:bodyPr wrap="square" rtlCol="0">
+            <a:spAutoFit/>
+          </a:bodyPr>
+          <a:lstStyle/>
+          <a:p>
+            <a:pPr algn="ctr"/>
+            <a:r>
+              <a:rPr lang="en-US" sz="800" dirty="0"/>
+              <a:t>P #1, L #1</a:t>
+            </a:r>
+          </a:p>
+          <a:p>
+            <a:pPr algn="ctr"/>
+            <a:r>
+              <a:rPr lang="en-US" sz="800" dirty="0"/>
+              <a:t>PB NULL, LB #1 </a:t>
+            </a:r>
+          </a:p>
+        </p:txBody>
+      </p:sp>
+      <p:cxnSp>
+        <p:nvCxnSpPr>
+          <p:cNvPr id="131" name="Straight Arrow Connector 130">
+            <a:extLst>
+              <a:ext uri="{FF2B5EF4-FFF2-40B4-BE49-F238E27FC236}">
+                <a16:creationId xmlns:a16="http://schemas.microsoft.com/office/drawing/2014/main" id="{5B0392B6-8849-8E4A-9658-B16FE8B0A67B}"/>
+              </a:ext>
+            </a:extLst>
+          </p:cNvPr>
+          <p:cNvCxnSpPr>
+            <a:cxnSpLocks/>
+          </p:cNvCxnSpPr>
+          <p:nvPr/>
+        </p:nvCxnSpPr>
+        <p:spPr>
+          <a:xfrm flipV="1">
+            <a:off x="5007791" y="1890556"/>
+            <a:ext cx="125781" cy="271362"/>
+          </a:xfrm>
+          <a:prstGeom prst="straightConnector1">
+            <a:avLst/>
+          </a:prstGeom>
+          <a:ln>
+            <a:tailEnd type="triangle"/>
+          </a:ln>
+        </p:spPr>
+        <p:style>
+          <a:lnRef idx="1">
+            <a:schemeClr val="accent1"/>
+          </a:lnRef>
+          <a:fillRef idx="0">
+            <a:schemeClr val="accent1"/>
+          </a:fillRef>
+          <a:effectRef idx="0">
+            <a:schemeClr val="accent1"/>
+          </a:effectRef>
+          <a:fontRef idx="minor">
+            <a:schemeClr val="tx1"/>
+          </a:fontRef>
+        </p:style>
+      </p:cxnSp>
+      <p:sp>
+        <p:nvSpPr>
+          <p:cNvPr id="133" name="TextBox 132">
+            <a:extLst>
+              <a:ext uri="{FF2B5EF4-FFF2-40B4-BE49-F238E27FC236}">
+                <a16:creationId xmlns:a16="http://schemas.microsoft.com/office/drawing/2014/main" id="{B18BDD35-F933-8643-AF60-8BB1913E65C0}"/>
+              </a:ext>
+            </a:extLst>
+          </p:cNvPr>
+          <p:cNvSpPr txBox="1"/>
+          <p:nvPr/>
+        </p:nvSpPr>
+        <p:spPr>
+          <a:xfrm>
+            <a:off x="4625098" y="1939398"/>
+            <a:ext cx="836815" cy="215444"/>
+          </a:xfrm>
+          <a:prstGeom prst="rect">
+            <a:avLst/>
+          </a:prstGeom>
+          <a:noFill/>
+        </p:spPr>
+        <p:txBody>
+          <a:bodyPr wrap="square" rtlCol="0">
+            <a:spAutoFit/>
+          </a:bodyPr>
+          <a:lstStyle/>
+          <a:p>
+            <a:pPr algn="ctr"/>
+            <a:r>
+              <a:rPr lang="en-US" sz="800" dirty="0"/>
+              <a:t>Pull</a:t>
+            </a:r>
+          </a:p>
+        </p:txBody>
+      </p:sp>
+      <p:sp>
+        <p:nvSpPr>
+          <p:cNvPr id="134" name="TextBox 133">
+            <a:extLst>
+              <a:ext uri="{FF2B5EF4-FFF2-40B4-BE49-F238E27FC236}">
+                <a16:creationId xmlns:a16="http://schemas.microsoft.com/office/drawing/2014/main" id="{83A5C34D-7986-984A-9A2C-8FEE1788875C}"/>
+              </a:ext>
+            </a:extLst>
+          </p:cNvPr>
+          <p:cNvSpPr txBox="1"/>
+          <p:nvPr/>
+        </p:nvSpPr>
+        <p:spPr>
+          <a:xfrm>
+            <a:off x="4178603" y="949640"/>
+            <a:ext cx="836815" cy="338554"/>
+          </a:xfrm>
+          <a:prstGeom prst="rect">
+            <a:avLst/>
+          </a:prstGeom>
+          <a:noFill/>
+          <a:ln>
+            <a:solidFill>
+              <a:schemeClr val="accent1"/>
+            </a:solidFill>
+          </a:ln>
+        </p:spPr>
+        <p:txBody>
+          <a:bodyPr wrap="square" rtlCol="0">
+            <a:spAutoFit/>
+          </a:bodyPr>
+          <a:lstStyle/>
+          <a:p>
+            <a:pPr algn="ctr"/>
+            <a:r>
+              <a:rPr lang="en-US" sz="800" dirty="0"/>
+              <a:t>P #1, L #0</a:t>
+            </a:r>
+          </a:p>
+          <a:p>
+            <a:pPr algn="ctr"/>
+            <a:r>
+              <a:rPr lang="en-US" sz="800" dirty="0"/>
+              <a:t>PB NULL, LB #0 </a:t>
+            </a:r>
+          </a:p>
+        </p:txBody>
+      </p:sp>
+      <p:sp>
+        <p:nvSpPr>
+          <p:cNvPr id="136" name="TextBox 135">
+            <a:extLst>
+              <a:ext uri="{FF2B5EF4-FFF2-40B4-BE49-F238E27FC236}">
+                <a16:creationId xmlns:a16="http://schemas.microsoft.com/office/drawing/2014/main" id="{97DFDD84-9DC8-7848-ABA1-DAD4876C804D}"/>
+              </a:ext>
+            </a:extLst>
+          </p:cNvPr>
+          <p:cNvSpPr txBox="1"/>
+          <p:nvPr/>
+        </p:nvSpPr>
+        <p:spPr>
+          <a:xfrm>
+            <a:off x="6073414" y="987519"/>
+            <a:ext cx="836815" cy="338554"/>
+          </a:xfrm>
+          <a:prstGeom prst="rect">
+            <a:avLst/>
+          </a:prstGeom>
+          <a:noFill/>
+          <a:ln>
+            <a:solidFill>
+              <a:schemeClr val="accent1"/>
+            </a:solidFill>
+          </a:ln>
+        </p:spPr>
+        <p:txBody>
+          <a:bodyPr wrap="square" rtlCol="0">
+            <a:spAutoFit/>
+          </a:bodyPr>
+          <a:lstStyle/>
+          <a:p>
+            <a:pPr algn="ctr"/>
+            <a:r>
+              <a:rPr lang="en-US" sz="800" dirty="0"/>
+              <a:t>P #0, L #0</a:t>
+            </a:r>
+          </a:p>
+          <a:p>
+            <a:pPr algn="ctr"/>
+            <a:r>
+              <a:rPr lang="en-US" sz="800" dirty="0"/>
+              <a:t>PB #1, LB #0 </a:t>
+            </a:r>
+          </a:p>
+        </p:txBody>
+      </p:sp>
+      <p:sp>
+        <p:nvSpPr>
+          <p:cNvPr id="137" name="TextBox 136">
+            <a:extLst>
+              <a:ext uri="{FF2B5EF4-FFF2-40B4-BE49-F238E27FC236}">
+                <a16:creationId xmlns:a16="http://schemas.microsoft.com/office/drawing/2014/main" id="{B1DF2836-E609-C842-B63C-8CEBD4012800}"/>
+              </a:ext>
+            </a:extLst>
+          </p:cNvPr>
+          <p:cNvSpPr txBox="1"/>
+          <p:nvPr/>
+        </p:nvSpPr>
+        <p:spPr>
+          <a:xfrm>
+            <a:off x="7487863" y="962925"/>
+            <a:ext cx="836815" cy="338554"/>
+          </a:xfrm>
+          <a:prstGeom prst="rect">
+            <a:avLst/>
+          </a:prstGeom>
+          <a:noFill/>
+          <a:ln>
+            <a:solidFill>
+              <a:schemeClr val="accent1"/>
+            </a:solidFill>
+          </a:ln>
+        </p:spPr>
+        <p:txBody>
+          <a:bodyPr wrap="square" rtlCol="0">
+            <a:spAutoFit/>
+          </a:bodyPr>
+          <a:lstStyle/>
+          <a:p>
+            <a:pPr algn="ctr"/>
+            <a:r>
+              <a:rPr lang="en-US" sz="800" dirty="0"/>
+              <a:t>P #1, L #0</a:t>
+            </a:r>
+          </a:p>
+          <a:p>
+            <a:pPr algn="ctr"/>
+            <a:r>
+              <a:rPr lang="en-US" sz="800" dirty="0"/>
+              <a:t>PB #1, LB #0 </a:t>
+            </a:r>
+          </a:p>
+        </p:txBody>
+      </p:sp>
+      <p:sp>
+        <p:nvSpPr>
+          <p:cNvPr id="138" name="TextBox 137">
+            <a:extLst>
+              <a:ext uri="{FF2B5EF4-FFF2-40B4-BE49-F238E27FC236}">
+                <a16:creationId xmlns:a16="http://schemas.microsoft.com/office/drawing/2014/main" id="{596704CA-DF58-3246-B36A-0C4BD0F12F6D}"/>
+              </a:ext>
+            </a:extLst>
+          </p:cNvPr>
+          <p:cNvSpPr txBox="1"/>
+          <p:nvPr/>
+        </p:nvSpPr>
+        <p:spPr>
+          <a:xfrm>
+            <a:off x="4132632" y="2124575"/>
+            <a:ext cx="836815" cy="338554"/>
+          </a:xfrm>
+          <a:prstGeom prst="rect">
+            <a:avLst/>
+          </a:prstGeom>
+          <a:noFill/>
+          <a:ln>
+            <a:solidFill>
+              <a:schemeClr val="accent1"/>
+            </a:solidFill>
+          </a:ln>
+        </p:spPr>
+        <p:txBody>
+          <a:bodyPr wrap="square" rtlCol="0">
+            <a:spAutoFit/>
+          </a:bodyPr>
+          <a:lstStyle/>
+          <a:p>
+            <a:pPr algn="ctr"/>
+            <a:r>
+              <a:rPr lang="en-US" sz="800" dirty="0"/>
+              <a:t>P #1, L #1</a:t>
+            </a:r>
+          </a:p>
+          <a:p>
+            <a:pPr algn="ctr"/>
+            <a:r>
+              <a:rPr lang="en-US" sz="800" dirty="0"/>
+              <a:t>PB NULL, LB #0 </a:t>
+            </a:r>
+          </a:p>
+        </p:txBody>
+      </p:sp>
+      <p:sp>
+        <p:nvSpPr>
+          <p:cNvPr id="139" name="TextBox 138">
+            <a:extLst>
+              <a:ext uri="{FF2B5EF4-FFF2-40B4-BE49-F238E27FC236}">
+                <a16:creationId xmlns:a16="http://schemas.microsoft.com/office/drawing/2014/main" id="{5F15120A-084A-3B40-AE37-1E4C3D64D81B}"/>
+              </a:ext>
+            </a:extLst>
+          </p:cNvPr>
+          <p:cNvSpPr txBox="1"/>
+          <p:nvPr/>
+        </p:nvSpPr>
+        <p:spPr>
+          <a:xfrm>
+            <a:off x="6080169" y="2055244"/>
+            <a:ext cx="836815" cy="338554"/>
+          </a:xfrm>
+          <a:prstGeom prst="rect">
+            <a:avLst/>
+          </a:prstGeom>
+          <a:noFill/>
+          <a:ln>
+            <a:solidFill>
+              <a:schemeClr val="accent1"/>
+            </a:solidFill>
+          </a:ln>
+        </p:spPr>
+        <p:txBody>
+          <a:bodyPr wrap="square" rtlCol="0">
+            <a:spAutoFit/>
+          </a:bodyPr>
+          <a:lstStyle/>
+          <a:p>
+            <a:pPr algn="ctr"/>
+            <a:r>
+              <a:rPr lang="en-US" sz="800" dirty="0"/>
+              <a:t>P #1, L #1</a:t>
+            </a:r>
+          </a:p>
+          <a:p>
+            <a:pPr algn="ctr"/>
+            <a:r>
+              <a:rPr lang="en-US" sz="800" dirty="0"/>
+              <a:t>PB #1, LB #0 </a:t>
+            </a:r>
+          </a:p>
+        </p:txBody>
+      </p:sp>
+      <p:sp>
+        <p:nvSpPr>
+          <p:cNvPr id="140" name="TextBox 139">
+            <a:extLst>
+              <a:ext uri="{FF2B5EF4-FFF2-40B4-BE49-F238E27FC236}">
+                <a16:creationId xmlns:a16="http://schemas.microsoft.com/office/drawing/2014/main" id="{363A480B-5B50-E641-8B99-97A170FE9F4C}"/>
+              </a:ext>
+            </a:extLst>
+          </p:cNvPr>
+          <p:cNvSpPr txBox="1"/>
+          <p:nvPr/>
+        </p:nvSpPr>
+        <p:spPr>
+          <a:xfrm>
+            <a:off x="4161425" y="3264403"/>
+            <a:ext cx="836815" cy="338554"/>
+          </a:xfrm>
+          <a:prstGeom prst="rect">
+            <a:avLst/>
+          </a:prstGeom>
+          <a:noFill/>
+          <a:ln>
+            <a:solidFill>
+              <a:schemeClr val="accent1"/>
+            </a:solidFill>
+          </a:ln>
+        </p:spPr>
+        <p:txBody>
+          <a:bodyPr wrap="square" rtlCol="0">
+            <a:spAutoFit/>
+          </a:bodyPr>
+          <a:lstStyle/>
+          <a:p>
+            <a:pPr algn="ctr"/>
+            <a:r>
+              <a:rPr lang="en-US" sz="800" dirty="0"/>
+              <a:t>P #1, L #2</a:t>
+            </a:r>
+          </a:p>
+          <a:p>
+            <a:pPr algn="ctr"/>
+            <a:r>
+              <a:rPr lang="en-US" sz="800" dirty="0"/>
+              <a:t>PB NULL, LB #0 </a:t>
+            </a:r>
+          </a:p>
+        </p:txBody>
+      </p:sp>
+      <p:sp>
+        <p:nvSpPr>
+          <p:cNvPr id="142" name="TextBox 141">
+            <a:extLst>
+              <a:ext uri="{FF2B5EF4-FFF2-40B4-BE49-F238E27FC236}">
+                <a16:creationId xmlns:a16="http://schemas.microsoft.com/office/drawing/2014/main" id="{62DDE3A7-83C4-DC4B-AFD6-649FE71AE251}"/>
+              </a:ext>
+            </a:extLst>
+          </p:cNvPr>
+          <p:cNvSpPr txBox="1"/>
+          <p:nvPr/>
+        </p:nvSpPr>
+        <p:spPr>
+          <a:xfrm>
+            <a:off x="6126036" y="3263711"/>
+            <a:ext cx="836815" cy="338554"/>
+          </a:xfrm>
+          <a:prstGeom prst="rect">
+            <a:avLst/>
+          </a:prstGeom>
+          <a:noFill/>
+          <a:ln>
+            <a:solidFill>
+              <a:schemeClr val="accent1"/>
+            </a:solidFill>
+          </a:ln>
+        </p:spPr>
+        <p:txBody>
+          <a:bodyPr wrap="square" rtlCol="0">
+            <a:spAutoFit/>
+          </a:bodyPr>
+          <a:lstStyle/>
+          <a:p>
+            <a:pPr algn="ctr"/>
+            <a:r>
+              <a:rPr lang="en-US" sz="800" dirty="0"/>
+              <a:t>P #2, L #2</a:t>
+            </a:r>
+          </a:p>
+          <a:p>
+            <a:pPr algn="ctr"/>
+            <a:r>
+              <a:rPr lang="en-US" sz="800" dirty="0"/>
+              <a:t>PB #1, LB #0 </a:t>
+            </a:r>
+          </a:p>
+        </p:txBody>
+      </p:sp>
+      <p:sp>
+        <p:nvSpPr>
+          <p:cNvPr id="143" name="TextBox 142">
+            <a:extLst>
+              <a:ext uri="{FF2B5EF4-FFF2-40B4-BE49-F238E27FC236}">
+                <a16:creationId xmlns:a16="http://schemas.microsoft.com/office/drawing/2014/main" id="{A95468AD-4F07-DE47-9055-25FFD9F83D08}"/>
+              </a:ext>
+            </a:extLst>
+          </p:cNvPr>
+          <p:cNvSpPr txBox="1"/>
+          <p:nvPr/>
+        </p:nvSpPr>
+        <p:spPr>
+          <a:xfrm>
+            <a:off x="8203738" y="3697505"/>
+            <a:ext cx="836815" cy="338554"/>
+          </a:xfrm>
+          <a:prstGeom prst="rect">
+            <a:avLst/>
+          </a:prstGeom>
+          <a:noFill/>
+          <a:ln>
+            <a:solidFill>
+              <a:schemeClr val="accent1"/>
+            </a:solidFill>
+          </a:ln>
+        </p:spPr>
+        <p:txBody>
+          <a:bodyPr wrap="square" rtlCol="0">
+            <a:spAutoFit/>
+          </a:bodyPr>
+          <a:lstStyle/>
+          <a:p>
+            <a:pPr algn="ctr"/>
+            <a:r>
+              <a:rPr lang="en-US" sz="800" dirty="0"/>
+              <a:t>P #2, L #2</a:t>
+            </a:r>
+          </a:p>
+          <a:p>
+            <a:pPr algn="ctr"/>
+            <a:r>
+              <a:rPr lang="en-US" sz="800" dirty="0"/>
+              <a:t>PB #3, LB #0 </a:t>
+            </a:r>
+          </a:p>
+        </p:txBody>
+      </p:sp>
+      <p:sp>
+        <p:nvSpPr>
+          <p:cNvPr id="144" name="TextBox 143">
+            <a:extLst>
+              <a:ext uri="{FF2B5EF4-FFF2-40B4-BE49-F238E27FC236}">
+                <a16:creationId xmlns:a16="http://schemas.microsoft.com/office/drawing/2014/main" id="{D703ECCF-E3ED-744C-9E56-1C2FB335C8D2}"/>
+              </a:ext>
+            </a:extLst>
+          </p:cNvPr>
+          <p:cNvSpPr txBox="1"/>
+          <p:nvPr/>
+        </p:nvSpPr>
+        <p:spPr>
+          <a:xfrm>
+            <a:off x="8175353" y="4679443"/>
+            <a:ext cx="836815" cy="338554"/>
+          </a:xfrm>
+          <a:prstGeom prst="rect">
+            <a:avLst/>
+          </a:prstGeom>
+          <a:noFill/>
+          <a:ln>
+            <a:solidFill>
+              <a:schemeClr val="accent1"/>
+            </a:solidFill>
+          </a:ln>
+        </p:spPr>
+        <p:txBody>
+          <a:bodyPr wrap="square" rtlCol="0">
+            <a:spAutoFit/>
+          </a:bodyPr>
+          <a:lstStyle/>
+          <a:p>
+            <a:pPr algn="ctr"/>
+            <a:r>
+              <a:rPr lang="en-US" sz="800" dirty="0"/>
+              <a:t>P #1, L #2</a:t>
+            </a:r>
+          </a:p>
+          <a:p>
+            <a:pPr algn="ctr"/>
+            <a:r>
+              <a:rPr lang="en-US" sz="800" dirty="0"/>
+              <a:t>PB #1, LB #0 </a:t>
+            </a:r>
+          </a:p>
+        </p:txBody>
+      </p:sp>
+      <p:sp>
+        <p:nvSpPr>
+          <p:cNvPr id="145" name="TextBox 144">
+            <a:extLst>
+              <a:ext uri="{FF2B5EF4-FFF2-40B4-BE49-F238E27FC236}">
+                <a16:creationId xmlns:a16="http://schemas.microsoft.com/office/drawing/2014/main" id="{FA810182-5A98-A347-BF62-E69647B5C0F7}"/>
+              </a:ext>
+            </a:extLst>
+          </p:cNvPr>
+          <p:cNvSpPr txBox="1"/>
+          <p:nvPr/>
+        </p:nvSpPr>
+        <p:spPr>
+          <a:xfrm>
+            <a:off x="8203738" y="5542661"/>
+            <a:ext cx="836815" cy="338554"/>
+          </a:xfrm>
+          <a:prstGeom prst="rect">
+            <a:avLst/>
+          </a:prstGeom>
+          <a:noFill/>
+          <a:ln>
+            <a:solidFill>
+              <a:schemeClr val="accent1"/>
+            </a:solidFill>
+          </a:ln>
+        </p:spPr>
+        <p:txBody>
+          <a:bodyPr wrap="square" rtlCol="0">
+            <a:spAutoFit/>
+          </a:bodyPr>
+          <a:lstStyle/>
+          <a:p>
+            <a:pPr algn="ctr"/>
+            <a:r>
+              <a:rPr lang="en-US" sz="800" dirty="0"/>
+              <a:t>P #3, L #3</a:t>
+            </a:r>
+          </a:p>
+          <a:p>
+            <a:pPr algn="ctr"/>
+            <a:r>
+              <a:rPr lang="en-US" sz="800" dirty="0"/>
+              <a:t>PB #3, LB #2 </a:t>
+            </a:r>
+          </a:p>
+        </p:txBody>
+      </p:sp>
+      <p:sp>
+        <p:nvSpPr>
+          <p:cNvPr id="146" name="TextBox 145">
+            <a:extLst>
+              <a:ext uri="{FF2B5EF4-FFF2-40B4-BE49-F238E27FC236}">
+                <a16:creationId xmlns:a16="http://schemas.microsoft.com/office/drawing/2014/main" id="{A1B4DF8D-1765-A441-BF74-5FC6A1F390E4}"/>
+              </a:ext>
+            </a:extLst>
+          </p:cNvPr>
+          <p:cNvSpPr txBox="1"/>
+          <p:nvPr/>
+        </p:nvSpPr>
+        <p:spPr>
+          <a:xfrm>
+            <a:off x="6621947" y="5589441"/>
+            <a:ext cx="836815" cy="338554"/>
+          </a:xfrm>
+          <a:prstGeom prst="rect">
+            <a:avLst/>
+          </a:prstGeom>
+          <a:noFill/>
+          <a:ln>
+            <a:solidFill>
+              <a:schemeClr val="accent1"/>
+            </a:solidFill>
+          </a:ln>
+        </p:spPr>
+        <p:txBody>
+          <a:bodyPr wrap="square" rtlCol="0">
+            <a:spAutoFit/>
+          </a:bodyPr>
+          <a:lstStyle/>
+          <a:p>
+            <a:pPr algn="ctr"/>
+            <a:r>
+              <a:rPr lang="en-US" sz="800" dirty="0"/>
+              <a:t>P #3, L #0</a:t>
+            </a:r>
+          </a:p>
+          <a:p>
+            <a:pPr algn="ctr"/>
+            <a:r>
+              <a:rPr lang="en-US" sz="800" dirty="0"/>
+              <a:t>PB #1, LB #0 </a:t>
+            </a:r>
+          </a:p>
+        </p:txBody>
+      </p:sp>
+      <p:sp>
+        <p:nvSpPr>
+          <p:cNvPr id="156" name="TextBox 155">
+            <a:extLst>
+              <a:ext uri="{FF2B5EF4-FFF2-40B4-BE49-F238E27FC236}">
+                <a16:creationId xmlns:a16="http://schemas.microsoft.com/office/drawing/2014/main" id="{458A9A28-E959-8247-8DE2-82933C7A5D49}"/>
+              </a:ext>
+            </a:extLst>
+          </p:cNvPr>
+          <p:cNvSpPr txBox="1"/>
+          <p:nvPr/>
+        </p:nvSpPr>
+        <p:spPr>
+          <a:xfrm>
+            <a:off x="6579116" y="4691815"/>
+            <a:ext cx="836815" cy="338554"/>
+          </a:xfrm>
+          <a:prstGeom prst="rect">
+            <a:avLst/>
+          </a:prstGeom>
+          <a:noFill/>
+          <a:ln>
+            <a:solidFill>
+              <a:schemeClr val="accent1"/>
+            </a:solidFill>
+          </a:ln>
+        </p:spPr>
+        <p:txBody>
+          <a:bodyPr wrap="square" rtlCol="0">
+            <a:spAutoFit/>
+          </a:bodyPr>
+          <a:lstStyle/>
+          <a:p>
+            <a:pPr algn="ctr"/>
+            <a:r>
+              <a:rPr lang="en-US" sz="800" dirty="0"/>
+              <a:t>P #3, L #2</a:t>
+            </a:r>
+          </a:p>
+          <a:p>
+            <a:pPr algn="ctr"/>
+            <a:r>
+              <a:rPr lang="en-US" sz="800" dirty="0"/>
+              <a:t>PB #1, LB #0 </a:t>
+            </a:r>
+          </a:p>
+        </p:txBody>
+      </p:sp>
+      <p:sp>
+        <p:nvSpPr>
+          <p:cNvPr id="157" name="TextBox 156">
+            <a:extLst>
+              <a:ext uri="{FF2B5EF4-FFF2-40B4-BE49-F238E27FC236}">
+                <a16:creationId xmlns:a16="http://schemas.microsoft.com/office/drawing/2014/main" id="{A03EB56B-AC33-BD45-A950-ABFD2FBECF89}"/>
+              </a:ext>
+            </a:extLst>
+          </p:cNvPr>
+          <p:cNvSpPr txBox="1"/>
+          <p:nvPr/>
+        </p:nvSpPr>
+        <p:spPr>
+          <a:xfrm>
+            <a:off x="4183913" y="324635"/>
+            <a:ext cx="836815" cy="338554"/>
+          </a:xfrm>
+          <a:prstGeom prst="rect">
+            <a:avLst/>
+          </a:prstGeom>
+          <a:noFill/>
+          <a:ln>
+            <a:solidFill>
+              <a:schemeClr val="accent1"/>
+            </a:solidFill>
+          </a:ln>
+        </p:spPr>
+        <p:txBody>
+          <a:bodyPr wrap="square" rtlCol="0">
+            <a:spAutoFit/>
+          </a:bodyPr>
+          <a:lstStyle/>
+          <a:p>
+            <a:pPr algn="ctr"/>
+            <a:r>
+              <a:rPr lang="en-US" sz="800" dirty="0"/>
+              <a:t>P #1, L #1</a:t>
+            </a:r>
+          </a:p>
+          <a:p>
+            <a:pPr algn="ctr"/>
+            <a:r>
+              <a:rPr lang="en-US" sz="800" dirty="0"/>
+              <a:t>PB NULL, LB #0 </a:t>
+            </a:r>
+          </a:p>
+        </p:txBody>
+      </p:sp>
+      <p:cxnSp>
+        <p:nvCxnSpPr>
+          <p:cNvPr id="158" name="Straight Arrow Connector 157">
+            <a:extLst>
+              <a:ext uri="{FF2B5EF4-FFF2-40B4-BE49-F238E27FC236}">
+                <a16:creationId xmlns:a16="http://schemas.microsoft.com/office/drawing/2014/main" id="{03DC6F4E-1AC5-C641-A3D7-C7853B771E3E}"/>
+              </a:ext>
+            </a:extLst>
+          </p:cNvPr>
+          <p:cNvCxnSpPr>
+            <a:cxnSpLocks/>
+            <a:stCxn id="134" idx="0"/>
+            <a:endCxn id="157" idx="2"/>
+          </p:cNvCxnSpPr>
+          <p:nvPr/>
+        </p:nvCxnSpPr>
+        <p:spPr>
+          <a:xfrm flipV="1">
+            <a:off x="4597011" y="663189"/>
+            <a:ext cx="5310" cy="286451"/>
+          </a:xfrm>
+          <a:prstGeom prst="straightConnector1">
+            <a:avLst/>
+          </a:prstGeom>
+          <a:ln>
+            <a:tailEnd type="triangle"/>
+          </a:ln>
+        </p:spPr>
+        <p:style>
+          <a:lnRef idx="1">
+            <a:schemeClr val="accent1"/>
+          </a:lnRef>
+          <a:fillRef idx="0">
+            <a:schemeClr val="accent1"/>
+          </a:fillRef>
+          <a:effectRef idx="0">
+            <a:schemeClr val="accent1"/>
+          </a:effectRef>
+          <a:fontRef idx="minor">
+            <a:schemeClr val="tx1"/>
+          </a:fontRef>
+        </p:style>
+      </p:cxnSp>
+      <p:sp>
+        <p:nvSpPr>
+          <p:cNvPr id="159" name="TextBox 158">
+            <a:extLst>
+              <a:ext uri="{FF2B5EF4-FFF2-40B4-BE49-F238E27FC236}">
+                <a16:creationId xmlns:a16="http://schemas.microsoft.com/office/drawing/2014/main" id="{C52F06BB-F4A0-4E41-83EE-AF759AA99CB4}"/>
+              </a:ext>
+            </a:extLst>
+          </p:cNvPr>
+          <p:cNvSpPr txBox="1"/>
+          <p:nvPr/>
+        </p:nvSpPr>
+        <p:spPr>
+          <a:xfrm>
+            <a:off x="4178603" y="704127"/>
+            <a:ext cx="836815" cy="215444"/>
+          </a:xfrm>
+          <a:prstGeom prst="rect">
+            <a:avLst/>
+          </a:prstGeom>
+          <a:noFill/>
+        </p:spPr>
+        <p:txBody>
+          <a:bodyPr wrap="square" rtlCol="0">
+            <a:spAutoFit/>
+          </a:bodyPr>
+          <a:lstStyle/>
+          <a:p>
+            <a:pPr algn="ctr"/>
+            <a:r>
+              <a:rPr lang="en-US" sz="800" dirty="0"/>
+              <a:t>Pull</a:t>
+            </a:r>
+          </a:p>
+        </p:txBody>
+      </p:sp>
+      <p:sp>
+        <p:nvSpPr>
+          <p:cNvPr id="162" name="TextBox 161">
+            <a:extLst>
+              <a:ext uri="{FF2B5EF4-FFF2-40B4-BE49-F238E27FC236}">
+                <a16:creationId xmlns:a16="http://schemas.microsoft.com/office/drawing/2014/main" id="{A861ED56-0A4F-4442-9975-5B8617EF0C22}"/>
+              </a:ext>
+            </a:extLst>
+          </p:cNvPr>
+          <p:cNvSpPr txBox="1"/>
+          <p:nvPr/>
+        </p:nvSpPr>
+        <p:spPr>
+          <a:xfrm>
+            <a:off x="6096000" y="1581981"/>
+            <a:ext cx="836815" cy="338554"/>
+          </a:xfrm>
+          <a:prstGeom prst="rect">
+            <a:avLst/>
+          </a:prstGeom>
+          <a:noFill/>
+        </p:spPr>
+        <p:txBody>
+          <a:bodyPr wrap="square" rtlCol="0">
+            <a:spAutoFit/>
+          </a:bodyPr>
+          <a:lstStyle/>
+          <a:p>
+            <a:pPr algn="ctr"/>
+            <a:r>
+              <a:rPr lang="en-US" sz="800" dirty="0"/>
+              <a:t>Push </a:t>
+            </a:r>
+          </a:p>
+          <a:p>
+            <a:pPr algn="ctr"/>
+            <a:r>
+              <a:rPr lang="en-US" sz="800" dirty="0"/>
+              <a:t>Rollback</a:t>
+            </a:r>
+          </a:p>
+        </p:txBody>
+      </p:sp>
+      <p:cxnSp>
+        <p:nvCxnSpPr>
+          <p:cNvPr id="163" name="Straight Arrow Connector 162">
+            <a:extLst>
+              <a:ext uri="{FF2B5EF4-FFF2-40B4-BE49-F238E27FC236}">
+                <a16:creationId xmlns:a16="http://schemas.microsoft.com/office/drawing/2014/main" id="{06A7DD4D-773C-234E-A0FB-446E6E41BF79}"/>
+              </a:ext>
+            </a:extLst>
+          </p:cNvPr>
+          <p:cNvCxnSpPr>
+            <a:cxnSpLocks/>
+          </p:cNvCxnSpPr>
+          <p:nvPr/>
+        </p:nvCxnSpPr>
+        <p:spPr>
+          <a:xfrm flipV="1">
+            <a:off x="6386915" y="1871451"/>
+            <a:ext cx="0" cy="150951"/>
+          </a:xfrm>
+          <a:prstGeom prst="straightConnector1">
+            <a:avLst/>
+          </a:prstGeom>
+          <a:ln>
+            <a:tailEnd type="triangle"/>
+          </a:ln>
+        </p:spPr>
+        <p:style>
+          <a:lnRef idx="1">
+            <a:schemeClr val="accent1"/>
+          </a:lnRef>
+          <a:fillRef idx="0">
+            <a:schemeClr val="accent1"/>
+          </a:fillRef>
+          <a:effectRef idx="0">
+            <a:schemeClr val="accent1"/>
+          </a:effectRef>
+          <a:fontRef idx="minor">
+            <a:schemeClr val="tx1"/>
+          </a:fontRef>
+        </p:style>
+      </p:cxnSp>
+      <p:cxnSp>
+        <p:nvCxnSpPr>
+          <p:cNvPr id="166" name="Straight Arrow Connector 165">
+            <a:extLst>
+              <a:ext uri="{FF2B5EF4-FFF2-40B4-BE49-F238E27FC236}">
+                <a16:creationId xmlns:a16="http://schemas.microsoft.com/office/drawing/2014/main" id="{F72E9693-1D25-9A4E-99EB-2D88BA7E09EC}"/>
+              </a:ext>
+            </a:extLst>
+          </p:cNvPr>
+          <p:cNvCxnSpPr>
+            <a:cxnSpLocks/>
+          </p:cNvCxnSpPr>
+          <p:nvPr/>
+        </p:nvCxnSpPr>
+        <p:spPr>
+          <a:xfrm>
+            <a:off x="6581938" y="1871451"/>
+            <a:ext cx="0" cy="195342"/>
+          </a:xfrm>
+          <a:prstGeom prst="straightConnector1">
+            <a:avLst/>
+          </a:prstGeom>
+          <a:ln>
+            <a:tailEnd type="triangle"/>
+          </a:ln>
+        </p:spPr>
+        <p:style>
+          <a:lnRef idx="1">
+            <a:schemeClr val="accent1"/>
+          </a:lnRef>
+          <a:fillRef idx="0">
+            <a:schemeClr val="accent1"/>
+          </a:fillRef>
+          <a:effectRef idx="0">
+            <a:schemeClr val="accent1"/>
+          </a:effectRef>
+          <a:fontRef idx="minor">
+            <a:schemeClr val="tx1"/>
+          </a:fontRef>
+        </p:style>
+      </p:cxnSp>
+      <p:sp>
+        <p:nvSpPr>
+          <p:cNvPr id="167" name="TextBox 166">
+            <a:extLst>
+              <a:ext uri="{FF2B5EF4-FFF2-40B4-BE49-F238E27FC236}">
+                <a16:creationId xmlns:a16="http://schemas.microsoft.com/office/drawing/2014/main" id="{E1F7CCD1-A9A1-9645-A854-B84F2F81080C}"/>
+              </a:ext>
+            </a:extLst>
+          </p:cNvPr>
+          <p:cNvSpPr txBox="1"/>
+          <p:nvPr/>
+        </p:nvSpPr>
+        <p:spPr>
+          <a:xfrm>
+            <a:off x="6809308" y="1498870"/>
+            <a:ext cx="836815" cy="338554"/>
+          </a:xfrm>
+          <a:prstGeom prst="rect">
+            <a:avLst/>
+          </a:prstGeom>
+          <a:noFill/>
+        </p:spPr>
+        <p:txBody>
+          <a:bodyPr wrap="square" rtlCol="0">
+            <a:spAutoFit/>
+          </a:bodyPr>
+          <a:lstStyle/>
+          <a:p>
+            <a:pPr algn="ctr"/>
+            <a:r>
+              <a:rPr lang="en-US" sz="800" dirty="0"/>
+              <a:t>Pull </a:t>
+            </a:r>
+          </a:p>
+          <a:p>
+            <a:pPr algn="ctr"/>
+            <a:r>
+              <a:rPr lang="en-US" sz="800" dirty="0"/>
+              <a:t>Rollback</a:t>
+            </a:r>
+          </a:p>
+        </p:txBody>
+      </p:sp>
+      <p:cxnSp>
+        <p:nvCxnSpPr>
+          <p:cNvPr id="168" name="Straight Arrow Connector 167">
+            <a:extLst>
+              <a:ext uri="{FF2B5EF4-FFF2-40B4-BE49-F238E27FC236}">
+                <a16:creationId xmlns:a16="http://schemas.microsoft.com/office/drawing/2014/main" id="{A423FC86-33BA-7E46-AB4E-9D1ED7A3AE3E}"/>
+              </a:ext>
+            </a:extLst>
+          </p:cNvPr>
+          <p:cNvCxnSpPr>
+            <a:cxnSpLocks/>
+          </p:cNvCxnSpPr>
+          <p:nvPr/>
+        </p:nvCxnSpPr>
+        <p:spPr>
+          <a:xfrm flipV="1">
+            <a:off x="6910229" y="1301479"/>
+            <a:ext cx="548533" cy="760184"/>
+          </a:xfrm>
+          <a:prstGeom prst="straightConnector1">
+            <a:avLst/>
+          </a:prstGeom>
+          <a:ln>
+            <a:tailEnd type="triangle"/>
+          </a:ln>
+        </p:spPr>
+        <p:style>
+          <a:lnRef idx="1">
+            <a:schemeClr val="accent1"/>
+          </a:lnRef>
+          <a:fillRef idx="0">
+            <a:schemeClr val="accent1"/>
+          </a:fillRef>
+          <a:effectRef idx="0">
+            <a:schemeClr val="accent1"/>
+          </a:effectRef>
+          <a:fontRef idx="minor">
+            <a:schemeClr val="tx1"/>
+          </a:fontRef>
+        </p:style>
+      </p:cxnSp>
+      <p:sp>
+        <p:nvSpPr>
+          <p:cNvPr id="169" name="TextBox 168">
+            <a:extLst>
+              <a:ext uri="{FF2B5EF4-FFF2-40B4-BE49-F238E27FC236}">
+                <a16:creationId xmlns:a16="http://schemas.microsoft.com/office/drawing/2014/main" id="{25416915-322D-F049-80AD-6E2E40A57CD6}"/>
+              </a:ext>
+            </a:extLst>
+          </p:cNvPr>
+          <p:cNvSpPr txBox="1"/>
+          <p:nvPr/>
+        </p:nvSpPr>
+        <p:spPr>
+          <a:xfrm>
+            <a:off x="7535240" y="2055244"/>
+            <a:ext cx="836815" cy="338554"/>
+          </a:xfrm>
+          <a:prstGeom prst="rect">
+            <a:avLst/>
+          </a:prstGeom>
+          <a:noFill/>
+          <a:ln>
+            <a:solidFill>
+              <a:schemeClr val="accent1"/>
+            </a:solidFill>
+          </a:ln>
+        </p:spPr>
+        <p:txBody>
+          <a:bodyPr wrap="square" rtlCol="0">
+            <a:spAutoFit/>
+          </a:bodyPr>
+          <a:lstStyle/>
+          <a:p>
+            <a:pPr algn="ctr"/>
+            <a:r>
+              <a:rPr lang="en-US" sz="800" dirty="0"/>
+              <a:t>P #1, L #1</a:t>
+            </a:r>
+          </a:p>
+          <a:p>
+            <a:pPr algn="ctr"/>
+            <a:r>
+              <a:rPr lang="en-US" sz="800" dirty="0"/>
+              <a:t>PB #1, LB #1 </a:t>
+            </a:r>
+          </a:p>
+        </p:txBody>
+      </p:sp>
+      <p:sp>
+        <p:nvSpPr>
+          <p:cNvPr id="171" name="TextBox 170">
+            <a:extLst>
+              <a:ext uri="{FF2B5EF4-FFF2-40B4-BE49-F238E27FC236}">
+                <a16:creationId xmlns:a16="http://schemas.microsoft.com/office/drawing/2014/main" id="{8E242DA0-E882-104E-8F9F-790434C21FFE}"/>
+              </a:ext>
+            </a:extLst>
+          </p:cNvPr>
+          <p:cNvSpPr txBox="1"/>
+          <p:nvPr/>
+        </p:nvSpPr>
+        <p:spPr>
+          <a:xfrm rot="10800000" flipV="1">
+            <a:off x="6624073" y="2120777"/>
+            <a:ext cx="1230993" cy="215444"/>
+          </a:xfrm>
+          <a:prstGeom prst="rect">
+            <a:avLst/>
+          </a:prstGeom>
+          <a:noFill/>
+        </p:spPr>
+        <p:txBody>
+          <a:bodyPr wrap="square" rtlCol="0">
+            <a:spAutoFit/>
+          </a:bodyPr>
+          <a:lstStyle/>
+          <a:p>
+            <a:pPr algn="ctr"/>
+            <a:r>
+              <a:rPr lang="en-US" sz="800" dirty="0"/>
+              <a:t>Pull</a:t>
+            </a:r>
+          </a:p>
+        </p:txBody>
+      </p:sp>
+      <p:cxnSp>
+        <p:nvCxnSpPr>
+          <p:cNvPr id="174" name="Straight Arrow Connector 173">
+            <a:extLst>
+              <a:ext uri="{FF2B5EF4-FFF2-40B4-BE49-F238E27FC236}">
+                <a16:creationId xmlns:a16="http://schemas.microsoft.com/office/drawing/2014/main" id="{5592F939-890E-9D47-8562-349126CEED65}"/>
+              </a:ext>
+            </a:extLst>
+          </p:cNvPr>
+          <p:cNvCxnSpPr>
+            <a:cxnSpLocks/>
+          </p:cNvCxnSpPr>
+          <p:nvPr/>
+        </p:nvCxnSpPr>
+        <p:spPr>
+          <a:xfrm flipV="1">
+            <a:off x="6939346" y="2235665"/>
+            <a:ext cx="620337" cy="7364"/>
+          </a:xfrm>
+          <a:prstGeom prst="straightConnector1">
+            <a:avLst/>
+          </a:prstGeom>
+          <a:ln>
+            <a:tailEnd type="triangle"/>
+          </a:ln>
+        </p:spPr>
+        <p:style>
+          <a:lnRef idx="1">
+            <a:schemeClr val="accent1"/>
+          </a:lnRef>
+          <a:fillRef idx="0">
+            <a:schemeClr val="accent1"/>
+          </a:fillRef>
+          <a:effectRef idx="0">
+            <a:schemeClr val="accent1"/>
+          </a:effectRef>
+          <a:fontRef idx="minor">
+            <a:schemeClr val="tx1"/>
+          </a:fontRef>
+        </p:style>
+      </p:cxnSp>
+      <p:sp>
+        <p:nvSpPr>
+          <p:cNvPr id="179" name="TextBox 178">
+            <a:extLst>
+              <a:ext uri="{FF2B5EF4-FFF2-40B4-BE49-F238E27FC236}">
+                <a16:creationId xmlns:a16="http://schemas.microsoft.com/office/drawing/2014/main" id="{24451105-6036-8C47-944F-1E25B126CFCA}"/>
+              </a:ext>
+            </a:extLst>
+          </p:cNvPr>
+          <p:cNvSpPr txBox="1"/>
+          <p:nvPr/>
+        </p:nvSpPr>
+        <p:spPr>
+          <a:xfrm>
+            <a:off x="3338866" y="3830317"/>
+            <a:ext cx="836815" cy="338554"/>
+          </a:xfrm>
+          <a:prstGeom prst="rect">
+            <a:avLst/>
+          </a:prstGeom>
+          <a:noFill/>
+        </p:spPr>
+        <p:txBody>
+          <a:bodyPr wrap="square" rtlCol="0">
+            <a:spAutoFit/>
+          </a:bodyPr>
+          <a:lstStyle/>
+          <a:p>
+            <a:pPr algn="ctr"/>
+            <a:r>
+              <a:rPr lang="en-US" sz="800" dirty="0"/>
+              <a:t>Push </a:t>
+            </a:r>
+          </a:p>
+          <a:p>
+            <a:pPr algn="ctr"/>
+            <a:r>
+              <a:rPr lang="en-US" sz="800" dirty="0"/>
+              <a:t>Rollback</a:t>
+            </a:r>
+          </a:p>
+        </p:txBody>
+      </p:sp>
+      <p:cxnSp>
+        <p:nvCxnSpPr>
+          <p:cNvPr id="180" name="Straight Arrow Connector 179">
+            <a:extLst>
+              <a:ext uri="{FF2B5EF4-FFF2-40B4-BE49-F238E27FC236}">
+                <a16:creationId xmlns:a16="http://schemas.microsoft.com/office/drawing/2014/main" id="{83E6FA82-5311-A349-B7A6-E1D50E2071E8}"/>
+              </a:ext>
+            </a:extLst>
+          </p:cNvPr>
+          <p:cNvCxnSpPr>
+            <a:cxnSpLocks/>
+            <a:endCxn id="179" idx="0"/>
+          </p:cNvCxnSpPr>
+          <p:nvPr/>
+        </p:nvCxnSpPr>
+        <p:spPr>
+          <a:xfrm flipH="1">
+            <a:off x="3757274" y="3602957"/>
+            <a:ext cx="385930" cy="227360"/>
+          </a:xfrm>
+          <a:prstGeom prst="straightConnector1">
+            <a:avLst/>
+          </a:prstGeom>
+          <a:ln>
+            <a:tailEnd type="triangle"/>
+          </a:ln>
+        </p:spPr>
+        <p:style>
+          <a:lnRef idx="1">
+            <a:schemeClr val="accent1"/>
+          </a:lnRef>
+          <a:fillRef idx="0">
+            <a:schemeClr val="accent1"/>
+          </a:fillRef>
+          <a:effectRef idx="0">
+            <a:schemeClr val="accent1"/>
+          </a:effectRef>
+          <a:fontRef idx="minor">
+            <a:schemeClr val="tx1"/>
+          </a:fontRef>
+        </p:style>
+      </p:cxnSp>
+      <p:cxnSp>
+        <p:nvCxnSpPr>
+          <p:cNvPr id="183" name="Straight Arrow Connector 182">
+            <a:extLst>
+              <a:ext uri="{FF2B5EF4-FFF2-40B4-BE49-F238E27FC236}">
+                <a16:creationId xmlns:a16="http://schemas.microsoft.com/office/drawing/2014/main" id="{D551C17B-4D18-C640-B57E-EC0CBFE0F8AB}"/>
+              </a:ext>
+            </a:extLst>
+          </p:cNvPr>
+          <p:cNvCxnSpPr>
+            <a:cxnSpLocks/>
+          </p:cNvCxnSpPr>
+          <p:nvPr/>
+        </p:nvCxnSpPr>
+        <p:spPr>
+          <a:xfrm flipV="1">
+            <a:off x="3908536" y="3626430"/>
+            <a:ext cx="317919" cy="278259"/>
+          </a:xfrm>
+          <a:prstGeom prst="straightConnector1">
+            <a:avLst/>
+          </a:prstGeom>
+          <a:ln>
+            <a:tailEnd type="triangle"/>
+          </a:ln>
+        </p:spPr>
+        <p:style>
+          <a:lnRef idx="1">
+            <a:schemeClr val="accent1"/>
+          </a:lnRef>
+          <a:fillRef idx="0">
+            <a:schemeClr val="accent1"/>
+          </a:fillRef>
+          <a:effectRef idx="0">
+            <a:schemeClr val="accent1"/>
+          </a:effectRef>
+          <a:fontRef idx="minor">
+            <a:schemeClr val="tx1"/>
+          </a:fontRef>
+        </p:style>
+      </p:cxnSp>
+      <p:sp>
+        <p:nvSpPr>
+          <p:cNvPr id="186" name="TextBox 185">
+            <a:extLst>
+              <a:ext uri="{FF2B5EF4-FFF2-40B4-BE49-F238E27FC236}">
+                <a16:creationId xmlns:a16="http://schemas.microsoft.com/office/drawing/2014/main" id="{527A6CBA-4032-4743-AA13-701E6FCFE529}"/>
+              </a:ext>
+            </a:extLst>
+          </p:cNvPr>
+          <p:cNvSpPr txBox="1"/>
+          <p:nvPr/>
+        </p:nvSpPr>
+        <p:spPr>
+          <a:xfrm rot="10800000" flipV="1">
+            <a:off x="4929698" y="3317471"/>
+            <a:ext cx="1230993" cy="215444"/>
+          </a:xfrm>
+          <a:prstGeom prst="rect">
+            <a:avLst/>
+          </a:prstGeom>
+          <a:noFill/>
+        </p:spPr>
+        <p:txBody>
+          <a:bodyPr wrap="square" rtlCol="0">
+            <a:spAutoFit/>
+          </a:bodyPr>
+          <a:lstStyle/>
+          <a:p>
+            <a:pPr algn="ctr"/>
+            <a:r>
+              <a:rPr lang="en-US" sz="800" dirty="0"/>
+              <a:t>Push</a:t>
+            </a:r>
+          </a:p>
+        </p:txBody>
+      </p:sp>
+      <p:cxnSp>
+        <p:nvCxnSpPr>
+          <p:cNvPr id="189" name="Straight Arrow Connector 188">
+            <a:extLst>
+              <a:ext uri="{FF2B5EF4-FFF2-40B4-BE49-F238E27FC236}">
+                <a16:creationId xmlns:a16="http://schemas.microsoft.com/office/drawing/2014/main" id="{AA794B38-7C6C-DA46-9283-4BFBE95670EC}"/>
+              </a:ext>
+            </a:extLst>
+          </p:cNvPr>
+          <p:cNvCxnSpPr>
+            <a:cxnSpLocks/>
+            <a:stCxn id="192" idx="2"/>
+          </p:cNvCxnSpPr>
+          <p:nvPr/>
+        </p:nvCxnSpPr>
+        <p:spPr>
+          <a:xfrm flipH="1" flipV="1">
+            <a:off x="4343926" y="2446130"/>
+            <a:ext cx="28632" cy="775236"/>
+          </a:xfrm>
+          <a:prstGeom prst="straightConnector1">
+            <a:avLst/>
+          </a:prstGeom>
+          <a:ln>
+            <a:tailEnd type="triangle"/>
+          </a:ln>
+        </p:spPr>
+        <p:style>
+          <a:lnRef idx="1">
+            <a:schemeClr val="accent1"/>
+          </a:lnRef>
+          <a:fillRef idx="0">
+            <a:schemeClr val="accent1"/>
+          </a:fillRef>
+          <a:effectRef idx="0">
+            <a:schemeClr val="accent1"/>
+          </a:effectRef>
+          <a:fontRef idx="minor">
+            <a:schemeClr val="tx1"/>
+          </a:fontRef>
+        </p:style>
+      </p:cxnSp>
+      <p:sp>
+        <p:nvSpPr>
+          <p:cNvPr id="192" name="TextBox 191">
+            <a:extLst>
+              <a:ext uri="{FF2B5EF4-FFF2-40B4-BE49-F238E27FC236}">
+                <a16:creationId xmlns:a16="http://schemas.microsoft.com/office/drawing/2014/main" id="{2D9F3DA0-F010-C24A-9915-6A2EA7312F3E}"/>
+              </a:ext>
+            </a:extLst>
+          </p:cNvPr>
+          <p:cNvSpPr txBox="1"/>
+          <p:nvPr/>
+        </p:nvSpPr>
+        <p:spPr>
+          <a:xfrm>
+            <a:off x="3954150" y="3005922"/>
+            <a:ext cx="836815" cy="215444"/>
+          </a:xfrm>
+          <a:prstGeom prst="rect">
+            <a:avLst/>
+          </a:prstGeom>
+          <a:noFill/>
+        </p:spPr>
+        <p:txBody>
+          <a:bodyPr wrap="square" rtlCol="0">
+            <a:spAutoFit/>
+          </a:bodyPr>
+          <a:lstStyle/>
+          <a:p>
+            <a:pPr algn="ctr"/>
+            <a:r>
+              <a:rPr lang="en-US" sz="800" dirty="0"/>
+              <a:t>Pull</a:t>
+            </a:r>
+          </a:p>
+        </p:txBody>
+      </p:sp>
+      <p:sp>
+        <p:nvSpPr>
+          <p:cNvPr id="193" name="TextBox 192">
+            <a:extLst>
+              <a:ext uri="{FF2B5EF4-FFF2-40B4-BE49-F238E27FC236}">
+                <a16:creationId xmlns:a16="http://schemas.microsoft.com/office/drawing/2014/main" id="{841F34D2-EA13-4A40-A237-4BD4315710E7}"/>
+              </a:ext>
+            </a:extLst>
+          </p:cNvPr>
+          <p:cNvSpPr txBox="1"/>
+          <p:nvPr/>
+        </p:nvSpPr>
+        <p:spPr>
+          <a:xfrm>
+            <a:off x="7400122" y="3271960"/>
+            <a:ext cx="836815" cy="338554"/>
+          </a:xfrm>
+          <a:prstGeom prst="rect">
+            <a:avLst/>
+          </a:prstGeom>
+          <a:noFill/>
+          <a:ln>
+            <a:solidFill>
+              <a:schemeClr val="accent1"/>
+            </a:solidFill>
+          </a:ln>
+        </p:spPr>
+        <p:txBody>
+          <a:bodyPr wrap="square" rtlCol="0">
+            <a:spAutoFit/>
+          </a:bodyPr>
+          <a:lstStyle/>
+          <a:p>
+            <a:pPr algn="ctr"/>
+            <a:r>
+              <a:rPr lang="en-US" sz="800" dirty="0"/>
+              <a:t>P #2, L #2</a:t>
+            </a:r>
+          </a:p>
+          <a:p>
+            <a:pPr algn="ctr"/>
+            <a:r>
+              <a:rPr lang="en-US" sz="800" dirty="0"/>
+              <a:t>PB #2, LB #2 </a:t>
+            </a:r>
+          </a:p>
+        </p:txBody>
+      </p:sp>
+      <p:sp>
+        <p:nvSpPr>
+          <p:cNvPr id="194" name="TextBox 193">
+            <a:extLst>
+              <a:ext uri="{FF2B5EF4-FFF2-40B4-BE49-F238E27FC236}">
+                <a16:creationId xmlns:a16="http://schemas.microsoft.com/office/drawing/2014/main" id="{F6D594A4-40A6-7F45-8DF7-706134A9CCD6}"/>
+              </a:ext>
+            </a:extLst>
+          </p:cNvPr>
+          <p:cNvSpPr txBox="1"/>
+          <p:nvPr/>
+        </p:nvSpPr>
+        <p:spPr>
+          <a:xfrm rot="10800000" flipV="1">
+            <a:off x="6565056" y="3309960"/>
+            <a:ext cx="1230993" cy="215444"/>
+          </a:xfrm>
+          <a:prstGeom prst="rect">
+            <a:avLst/>
+          </a:prstGeom>
+          <a:noFill/>
+        </p:spPr>
+        <p:txBody>
+          <a:bodyPr wrap="square" rtlCol="0">
+            <a:spAutoFit/>
+          </a:bodyPr>
+          <a:lstStyle/>
+          <a:p>
+            <a:pPr algn="ctr"/>
+            <a:r>
+              <a:rPr lang="en-US" sz="800" dirty="0"/>
+              <a:t>Push</a:t>
+            </a:r>
+          </a:p>
+        </p:txBody>
+      </p:sp>
+      <p:cxnSp>
+        <p:nvCxnSpPr>
+          <p:cNvPr id="195" name="Straight Arrow Connector 194">
+            <a:extLst>
+              <a:ext uri="{FF2B5EF4-FFF2-40B4-BE49-F238E27FC236}">
+                <a16:creationId xmlns:a16="http://schemas.microsoft.com/office/drawing/2014/main" id="{75BAA6CA-5D24-8E47-AF26-9EB12BB9B8FA}"/>
+              </a:ext>
+            </a:extLst>
+          </p:cNvPr>
+          <p:cNvCxnSpPr>
+            <a:cxnSpLocks/>
+          </p:cNvCxnSpPr>
+          <p:nvPr/>
+        </p:nvCxnSpPr>
+        <p:spPr>
+          <a:xfrm flipV="1">
+            <a:off x="6987474" y="3465884"/>
+            <a:ext cx="418408" cy="178"/>
+          </a:xfrm>
+          <a:prstGeom prst="straightConnector1">
+            <a:avLst/>
+          </a:prstGeom>
+          <a:ln>
+            <a:tailEnd type="triangle"/>
+          </a:ln>
+        </p:spPr>
+        <p:style>
+          <a:lnRef idx="1">
+            <a:schemeClr val="accent1"/>
+          </a:lnRef>
+          <a:fillRef idx="0">
+            <a:schemeClr val="accent1"/>
+          </a:fillRef>
+          <a:effectRef idx="0">
+            <a:schemeClr val="accent1"/>
+          </a:effectRef>
+          <a:fontRef idx="minor">
+            <a:schemeClr val="tx1"/>
+          </a:fontRef>
+        </p:style>
+      </p:cxnSp>
+      <p:sp>
+        <p:nvSpPr>
+          <p:cNvPr id="198" name="TextBox 197">
+            <a:extLst>
+              <a:ext uri="{FF2B5EF4-FFF2-40B4-BE49-F238E27FC236}">
+                <a16:creationId xmlns:a16="http://schemas.microsoft.com/office/drawing/2014/main" id="{1BFBB8EB-8AB7-AD4C-912F-F6B43FB887B1}"/>
+              </a:ext>
+            </a:extLst>
+          </p:cNvPr>
+          <p:cNvSpPr txBox="1"/>
+          <p:nvPr/>
+        </p:nvSpPr>
+        <p:spPr>
+          <a:xfrm>
+            <a:off x="1464353" y="5269570"/>
+            <a:ext cx="836815" cy="338554"/>
+          </a:xfrm>
+          <a:prstGeom prst="rect">
+            <a:avLst/>
+          </a:prstGeom>
+          <a:noFill/>
+          <a:ln>
+            <a:solidFill>
+              <a:schemeClr val="accent1"/>
+            </a:solidFill>
+          </a:ln>
+        </p:spPr>
+        <p:txBody>
+          <a:bodyPr wrap="square" rtlCol="0">
+            <a:spAutoFit/>
+          </a:bodyPr>
+          <a:lstStyle/>
+          <a:p>
+            <a:pPr algn="ctr"/>
+            <a:r>
+              <a:rPr lang="en-US" sz="800" dirty="0"/>
+              <a:t>P #2, L #2</a:t>
+            </a:r>
+          </a:p>
+          <a:p>
+            <a:pPr algn="ctr"/>
+            <a:r>
+              <a:rPr lang="en-US" sz="800" dirty="0"/>
+              <a:t>PB #1, LB #0 </a:t>
+            </a:r>
+          </a:p>
+        </p:txBody>
+      </p:sp>
+      <p:sp>
+        <p:nvSpPr>
+          <p:cNvPr id="202" name="TextBox 201">
+            <a:extLst>
+              <a:ext uri="{FF2B5EF4-FFF2-40B4-BE49-F238E27FC236}">
+                <a16:creationId xmlns:a16="http://schemas.microsoft.com/office/drawing/2014/main" id="{1B5319C3-1383-254F-894E-6FCA3ADAAC62}"/>
+              </a:ext>
+            </a:extLst>
+          </p:cNvPr>
+          <p:cNvSpPr txBox="1"/>
+          <p:nvPr/>
+        </p:nvSpPr>
+        <p:spPr>
+          <a:xfrm>
+            <a:off x="7379703" y="2669718"/>
+            <a:ext cx="836815" cy="338554"/>
+          </a:xfrm>
+          <a:prstGeom prst="rect">
+            <a:avLst/>
+          </a:prstGeom>
+          <a:noFill/>
+          <a:ln>
+            <a:solidFill>
+              <a:schemeClr val="accent1"/>
+            </a:solidFill>
+          </a:ln>
+        </p:spPr>
+        <p:txBody>
+          <a:bodyPr wrap="square" rtlCol="0">
+            <a:spAutoFit/>
+          </a:bodyPr>
+          <a:lstStyle/>
+          <a:p>
+            <a:pPr algn="ctr"/>
+            <a:r>
+              <a:rPr lang="en-US" sz="800" dirty="0"/>
+              <a:t>P #2, L #2</a:t>
+            </a:r>
+          </a:p>
+          <a:p>
+            <a:pPr algn="ctr"/>
+            <a:r>
+              <a:rPr lang="en-US" sz="800" dirty="0"/>
+              <a:t>PB #1, LB #2 </a:t>
+            </a:r>
+          </a:p>
+        </p:txBody>
+      </p:sp>
+      <p:cxnSp>
+        <p:nvCxnSpPr>
+          <p:cNvPr id="203" name="Straight Arrow Connector 202">
+            <a:extLst>
+              <a:ext uri="{FF2B5EF4-FFF2-40B4-BE49-F238E27FC236}">
+                <a16:creationId xmlns:a16="http://schemas.microsoft.com/office/drawing/2014/main" id="{FC5A4537-B2B0-C24A-9300-0E0EB3771178}"/>
+              </a:ext>
+            </a:extLst>
+          </p:cNvPr>
+          <p:cNvCxnSpPr>
+            <a:cxnSpLocks/>
+          </p:cNvCxnSpPr>
+          <p:nvPr/>
+        </p:nvCxnSpPr>
+        <p:spPr>
+          <a:xfrm flipV="1">
+            <a:off x="6987474" y="3019935"/>
+            <a:ext cx="419747" cy="243776"/>
+          </a:xfrm>
+          <a:prstGeom prst="straightConnector1">
+            <a:avLst/>
+          </a:prstGeom>
+          <a:ln>
+            <a:tailEnd type="triangle"/>
+          </a:ln>
+        </p:spPr>
+        <p:style>
+          <a:lnRef idx="1">
+            <a:schemeClr val="accent1"/>
+          </a:lnRef>
+          <a:fillRef idx="0">
+            <a:schemeClr val="accent1"/>
+          </a:fillRef>
+          <a:effectRef idx="0">
+            <a:schemeClr val="accent1"/>
+          </a:effectRef>
+          <a:fontRef idx="minor">
+            <a:schemeClr val="tx1"/>
+          </a:fontRef>
+        </p:style>
+      </p:cxnSp>
+      <p:sp>
+        <p:nvSpPr>
+          <p:cNvPr id="207" name="TextBox 206">
+            <a:extLst>
+              <a:ext uri="{FF2B5EF4-FFF2-40B4-BE49-F238E27FC236}">
+                <a16:creationId xmlns:a16="http://schemas.microsoft.com/office/drawing/2014/main" id="{222A1682-561F-3F44-82F4-E451A3F2F859}"/>
+              </a:ext>
+            </a:extLst>
+          </p:cNvPr>
+          <p:cNvSpPr txBox="1"/>
+          <p:nvPr/>
+        </p:nvSpPr>
+        <p:spPr>
+          <a:xfrm>
+            <a:off x="6763079" y="3042436"/>
+            <a:ext cx="836815" cy="215444"/>
+          </a:xfrm>
+          <a:prstGeom prst="rect">
+            <a:avLst/>
+          </a:prstGeom>
+          <a:noFill/>
+        </p:spPr>
+        <p:txBody>
+          <a:bodyPr wrap="square" rtlCol="0">
+            <a:spAutoFit/>
+          </a:bodyPr>
+          <a:lstStyle/>
+          <a:p>
+            <a:pPr algn="ctr"/>
+            <a:r>
+              <a:rPr lang="en-US" sz="800" dirty="0"/>
+              <a:t>Pull</a:t>
+            </a:r>
+          </a:p>
+        </p:txBody>
+      </p:sp>
+      <p:sp>
+        <p:nvSpPr>
+          <p:cNvPr id="208" name="TextBox 207">
+            <a:extLst>
+              <a:ext uri="{FF2B5EF4-FFF2-40B4-BE49-F238E27FC236}">
+                <a16:creationId xmlns:a16="http://schemas.microsoft.com/office/drawing/2014/main" id="{989B2F4B-5B39-3E4D-A1EA-D8F8772C002A}"/>
+              </a:ext>
+            </a:extLst>
+          </p:cNvPr>
+          <p:cNvSpPr txBox="1"/>
+          <p:nvPr/>
+        </p:nvSpPr>
+        <p:spPr>
+          <a:xfrm>
+            <a:off x="6068815" y="2639302"/>
+            <a:ext cx="836815" cy="338554"/>
+          </a:xfrm>
+          <a:prstGeom prst="rect">
+            <a:avLst/>
+          </a:prstGeom>
+          <a:noFill/>
+          <a:ln>
+            <a:solidFill>
+              <a:schemeClr val="accent1"/>
+            </a:solidFill>
+          </a:ln>
+        </p:spPr>
+        <p:txBody>
+          <a:bodyPr wrap="square" rtlCol="0">
+            <a:spAutoFit/>
+          </a:bodyPr>
+          <a:lstStyle/>
+          <a:p>
+            <a:pPr algn="ctr"/>
+            <a:r>
+              <a:rPr lang="en-US" sz="800" dirty="0"/>
+              <a:t>P #1, L #2</a:t>
+            </a:r>
+          </a:p>
+          <a:p>
+            <a:pPr algn="ctr"/>
+            <a:r>
+              <a:rPr lang="en-US" sz="800" dirty="0"/>
+              <a:t>PB #1, LB #0 </a:t>
+            </a:r>
+          </a:p>
+        </p:txBody>
+      </p:sp>
+      <p:sp>
+        <p:nvSpPr>
+          <p:cNvPr id="210" name="TextBox 209">
+            <a:extLst>
+              <a:ext uri="{FF2B5EF4-FFF2-40B4-BE49-F238E27FC236}">
+                <a16:creationId xmlns:a16="http://schemas.microsoft.com/office/drawing/2014/main" id="{94C9A7FD-857D-3D47-8FDF-69E04658C91F}"/>
+              </a:ext>
+            </a:extLst>
+          </p:cNvPr>
+          <p:cNvSpPr txBox="1"/>
+          <p:nvPr/>
+        </p:nvSpPr>
+        <p:spPr>
+          <a:xfrm>
+            <a:off x="6073414" y="2968862"/>
+            <a:ext cx="836815" cy="338554"/>
+          </a:xfrm>
+          <a:prstGeom prst="rect">
+            <a:avLst/>
+          </a:prstGeom>
+          <a:noFill/>
+        </p:spPr>
+        <p:txBody>
+          <a:bodyPr wrap="square" rtlCol="0">
+            <a:spAutoFit/>
+          </a:bodyPr>
+          <a:lstStyle/>
+          <a:p>
+            <a:pPr algn="ctr"/>
+            <a:r>
+              <a:rPr lang="en-US" sz="800" dirty="0"/>
+              <a:t>Push </a:t>
+            </a:r>
+          </a:p>
+          <a:p>
+            <a:pPr algn="ctr"/>
+            <a:r>
+              <a:rPr lang="en-US" sz="800" dirty="0"/>
+              <a:t>Rollback</a:t>
+            </a:r>
+          </a:p>
+        </p:txBody>
+      </p:sp>
+      <p:cxnSp>
+        <p:nvCxnSpPr>
+          <p:cNvPr id="211" name="Straight Arrow Connector 210">
+            <a:extLst>
+              <a:ext uri="{FF2B5EF4-FFF2-40B4-BE49-F238E27FC236}">
+                <a16:creationId xmlns:a16="http://schemas.microsoft.com/office/drawing/2014/main" id="{BAB59844-97E6-D242-BCC6-AFEA4CD17EFB}"/>
+              </a:ext>
+            </a:extLst>
+          </p:cNvPr>
+          <p:cNvCxnSpPr>
+            <a:cxnSpLocks/>
+            <a:stCxn id="210" idx="2"/>
+            <a:endCxn id="210" idx="0"/>
+          </p:cNvCxnSpPr>
+          <p:nvPr/>
+        </p:nvCxnSpPr>
+        <p:spPr>
+          <a:xfrm flipV="1">
+            <a:off x="6491822" y="2968862"/>
+            <a:ext cx="0" cy="338554"/>
+          </a:xfrm>
+          <a:prstGeom prst="straightConnector1">
+            <a:avLst/>
+          </a:prstGeom>
+          <a:ln>
+            <a:tailEnd type="triangle"/>
+          </a:ln>
+        </p:spPr>
+        <p:style>
+          <a:lnRef idx="1">
+            <a:schemeClr val="accent1"/>
+          </a:lnRef>
+          <a:fillRef idx="0">
+            <a:schemeClr val="accent1"/>
+          </a:fillRef>
+          <a:effectRef idx="0">
+            <a:schemeClr val="accent1"/>
+          </a:effectRef>
+          <a:fontRef idx="minor">
+            <a:schemeClr val="tx1"/>
+          </a:fontRef>
+        </p:style>
+      </p:cxnSp>
+      <p:sp>
+        <p:nvSpPr>
+          <p:cNvPr id="214" name="TextBox 213">
+            <a:extLst>
+              <a:ext uri="{FF2B5EF4-FFF2-40B4-BE49-F238E27FC236}">
+                <a16:creationId xmlns:a16="http://schemas.microsoft.com/office/drawing/2014/main" id="{9494EB85-54FF-9B4E-94DB-8AA7ED375457}"/>
+              </a:ext>
+            </a:extLst>
+          </p:cNvPr>
+          <p:cNvSpPr txBox="1"/>
+          <p:nvPr/>
+        </p:nvSpPr>
+        <p:spPr>
+          <a:xfrm>
+            <a:off x="6114792" y="3941880"/>
+            <a:ext cx="836815" cy="338554"/>
+          </a:xfrm>
+          <a:prstGeom prst="rect">
+            <a:avLst/>
+          </a:prstGeom>
+          <a:noFill/>
+          <a:ln>
+            <a:solidFill>
+              <a:schemeClr val="accent1"/>
+            </a:solidFill>
+          </a:ln>
+        </p:spPr>
+        <p:txBody>
+          <a:bodyPr wrap="square" rtlCol="0">
+            <a:spAutoFit/>
+          </a:bodyPr>
+          <a:lstStyle/>
+          <a:p>
+            <a:pPr algn="ctr"/>
+            <a:r>
+              <a:rPr lang="en-US" sz="800" dirty="0"/>
+              <a:t>P #2, L #0</a:t>
+            </a:r>
+          </a:p>
+          <a:p>
+            <a:pPr algn="ctr"/>
+            <a:r>
+              <a:rPr lang="en-US" sz="800" dirty="0"/>
+              <a:t>PB #1, LB #0 </a:t>
+            </a:r>
+          </a:p>
+        </p:txBody>
+      </p:sp>
+      <p:cxnSp>
+        <p:nvCxnSpPr>
+          <p:cNvPr id="216" name="Straight Arrow Connector 215">
+            <a:extLst>
+              <a:ext uri="{FF2B5EF4-FFF2-40B4-BE49-F238E27FC236}">
+                <a16:creationId xmlns:a16="http://schemas.microsoft.com/office/drawing/2014/main" id="{5E5835D8-1509-F145-A63F-11DA6E9800CF}"/>
+              </a:ext>
+            </a:extLst>
+          </p:cNvPr>
+          <p:cNvCxnSpPr>
+            <a:cxnSpLocks/>
+            <a:stCxn id="142" idx="2"/>
+            <a:endCxn id="128" idx="2"/>
+          </p:cNvCxnSpPr>
+          <p:nvPr/>
+        </p:nvCxnSpPr>
+        <p:spPr>
+          <a:xfrm flipH="1">
+            <a:off x="6510386" y="3602265"/>
+            <a:ext cx="34058" cy="344385"/>
+          </a:xfrm>
+          <a:prstGeom prst="straightConnector1">
+            <a:avLst/>
+          </a:prstGeom>
+          <a:ln>
+            <a:tailEnd type="triangle"/>
+          </a:ln>
+        </p:spPr>
+        <p:style>
+          <a:lnRef idx="1">
+            <a:schemeClr val="accent1"/>
+          </a:lnRef>
+          <a:fillRef idx="0">
+            <a:schemeClr val="accent1"/>
+          </a:fillRef>
+          <a:effectRef idx="0">
+            <a:schemeClr val="accent1"/>
+          </a:effectRef>
+          <a:fontRef idx="minor">
+            <a:schemeClr val="tx1"/>
+          </a:fontRef>
+        </p:style>
+      </p:cxnSp>
+    </p:spTree>
+    <p:extLst>
+      <p:ext uri="{BB962C8B-B14F-4D97-AF65-F5344CB8AC3E}">
+        <p14:creationId xmlns:p14="http://schemas.microsoft.com/office/powerpoint/2010/main" val="1265774534"/>
+      </p:ext>
+    </p:extLst>
+  </p:cSld>
+  <p:clrMapOvr>
+    <a:masterClrMapping/>
+  </p:clrMapOvr>
+</p:sld>
+</file>
+
+<file path=ppt/slides/slide3.xml><?xml version="1.0" encoding="utf-8"?>
+<p:sld xmlns:a="http://schemas.openxmlformats.org/drawingml/2006/main" xmlns:r="http://schemas.openxmlformats.org/officeDocument/2006/relationships" xmlns:p="http://schemas.openxmlformats.org/presentationml/2006/main">
+  <p:cSld>
+    <p:spTree>
+      <p:nvGrpSpPr>
+        <p:cNvPr id="1" name=""/>
+        <p:cNvGrpSpPr/>
+        <p:nvPr/>
+      </p:nvGrpSpPr>
+      <p:grpSpPr>
+        <a:xfrm>
+          <a:off x="0" y="0"/>
+          <a:ext cx="0" cy="0"/>
+          <a:chOff x="0" y="0"/>
+          <a:chExt cx="0" cy="0"/>
+        </a:xfrm>
+      </p:grpSpPr>
+      <p:graphicFrame>
+        <p:nvGraphicFramePr>
+          <p:cNvPr id="5" name="Table 5">
+            <a:extLst>
+              <a:ext uri="{FF2B5EF4-FFF2-40B4-BE49-F238E27FC236}">
+                <a16:creationId xmlns:a16="http://schemas.microsoft.com/office/drawing/2014/main" id="{E0229B44-E663-1842-A3C7-E4DD9FFBE2DD}"/>
+              </a:ext>
+            </a:extLst>
+          </p:cNvPr>
+          <p:cNvGraphicFramePr>
+            <a:graphicFrameLocks noGrp="1"/>
+          </p:cNvGraphicFramePr>
+          <p:nvPr>
+            <p:extLst>
+              <p:ext uri="{D42A27DB-BD31-4B8C-83A1-F6EECF244321}">
+                <p14:modId xmlns:p14="http://schemas.microsoft.com/office/powerpoint/2010/main" val="1189217089"/>
+              </p:ext>
+            </p:extLst>
+          </p:nvPr>
+        </p:nvGraphicFramePr>
+        <p:xfrm>
+          <a:off x="754380" y="719666"/>
+          <a:ext cx="10447019" cy="5627794"/>
+        </p:xfrm>
+        <a:graphic>
+          <a:graphicData uri="http://schemas.openxmlformats.org/drawingml/2006/table">
+            <a:tbl>
+              <a:tblPr firstRow="1" bandRow="1">
+                <a:tableStyleId>{5C22544A-7EE6-4342-B048-85BDC9FD1C3A}</a:tableStyleId>
+              </a:tblPr>
+              <a:tblGrid>
+                <a:gridCol w="949729">
+                  <a:extLst>
+                    <a:ext uri="{9D8B030D-6E8A-4147-A177-3AD203B41FA5}">
+                      <a16:colId xmlns:a16="http://schemas.microsoft.com/office/drawing/2014/main" val="138736573"/>
+                    </a:ext>
+                  </a:extLst>
+                </a:gridCol>
+                <a:gridCol w="949729">
+                  <a:extLst>
+                    <a:ext uri="{9D8B030D-6E8A-4147-A177-3AD203B41FA5}">
+                      <a16:colId xmlns:a16="http://schemas.microsoft.com/office/drawing/2014/main" val="1626321296"/>
+                    </a:ext>
+                  </a:extLst>
+                </a:gridCol>
+                <a:gridCol w="949729">
+                  <a:extLst>
+                    <a:ext uri="{9D8B030D-6E8A-4147-A177-3AD203B41FA5}">
+                      <a16:colId xmlns:a16="http://schemas.microsoft.com/office/drawing/2014/main" val="2026047073"/>
+                    </a:ext>
+                  </a:extLst>
+                </a:gridCol>
+                <a:gridCol w="949729">
+                  <a:extLst>
+                    <a:ext uri="{9D8B030D-6E8A-4147-A177-3AD203B41FA5}">
+                      <a16:colId xmlns:a16="http://schemas.microsoft.com/office/drawing/2014/main" val="858021992"/>
+                    </a:ext>
+                  </a:extLst>
+                </a:gridCol>
+                <a:gridCol w="949729">
+                  <a:extLst>
+                    <a:ext uri="{9D8B030D-6E8A-4147-A177-3AD203B41FA5}">
+                      <a16:colId xmlns:a16="http://schemas.microsoft.com/office/drawing/2014/main" val="2782226837"/>
+                    </a:ext>
+                  </a:extLst>
+                </a:gridCol>
+                <a:gridCol w="949729">
+                  <a:extLst>
+                    <a:ext uri="{9D8B030D-6E8A-4147-A177-3AD203B41FA5}">
+                      <a16:colId xmlns:a16="http://schemas.microsoft.com/office/drawing/2014/main" val="4077178315"/>
+                    </a:ext>
+                  </a:extLst>
+                </a:gridCol>
+                <a:gridCol w="949729">
+                  <a:extLst>
+                    <a:ext uri="{9D8B030D-6E8A-4147-A177-3AD203B41FA5}">
+                      <a16:colId xmlns:a16="http://schemas.microsoft.com/office/drawing/2014/main" val="1349011413"/>
+                    </a:ext>
+                  </a:extLst>
+                </a:gridCol>
+                <a:gridCol w="949729">
+                  <a:extLst>
+                    <a:ext uri="{9D8B030D-6E8A-4147-A177-3AD203B41FA5}">
+                      <a16:colId xmlns:a16="http://schemas.microsoft.com/office/drawing/2014/main" val="1580479045"/>
+                    </a:ext>
+                  </a:extLst>
+                </a:gridCol>
+                <a:gridCol w="949729">
+                  <a:extLst>
+                    <a:ext uri="{9D8B030D-6E8A-4147-A177-3AD203B41FA5}">
+                      <a16:colId xmlns:a16="http://schemas.microsoft.com/office/drawing/2014/main" val="2245840649"/>
+                    </a:ext>
+                  </a:extLst>
+                </a:gridCol>
+                <a:gridCol w="949729">
+                  <a:extLst>
+                    <a:ext uri="{9D8B030D-6E8A-4147-A177-3AD203B41FA5}">
+                      <a16:colId xmlns:a16="http://schemas.microsoft.com/office/drawing/2014/main" val="4169907008"/>
+                    </a:ext>
+                  </a:extLst>
+                </a:gridCol>
+                <a:gridCol w="949729">
+                  <a:extLst>
+                    <a:ext uri="{9D8B030D-6E8A-4147-A177-3AD203B41FA5}">
+                      <a16:colId xmlns:a16="http://schemas.microsoft.com/office/drawing/2014/main" val="562540728"/>
+                    </a:ext>
+                  </a:extLst>
+                </a:gridCol>
+              </a:tblGrid>
+              <a:tr h="370840">
+                <a:tc>
+                  <a:txBody>
+                    <a:bodyPr/>
+                    <a:lstStyle/>
+                    <a:p>
+                      <a:pPr algn="ctr"/>
+                      <a:r>
+                        <a:rPr lang="en-US" sz="800" baseline="0" dirty="0"/>
+                        <a:t>State Num</a:t>
+                      </a:r>
+                    </a:p>
+                  </a:txBody>
+                  <a:tcPr/>
+                </a:tc>
+                <a:tc>
+                  <a:txBody>
+                    <a:bodyPr/>
+                    <a:lstStyle/>
+                    <a:p>
+                      <a:pPr algn="ctr"/>
+                      <a:r>
+                        <a:rPr lang="en-US" sz="800" baseline="0" dirty="0"/>
+                        <a:t>Plesk State</a:t>
+                      </a:r>
+                    </a:p>
+                  </a:txBody>
+                  <a:tcPr/>
+                </a:tc>
+                <a:tc>
+                  <a:txBody>
+                    <a:bodyPr/>
+                    <a:lstStyle/>
+                    <a:p>
+                      <a:pPr marL="0" marR="0" lvl="0" indent="0" algn="ctr" defTabSz="914400" rtl="0" eaLnBrk="1" fontAlgn="auto" latinLnBrk="0" hangingPunct="1">
+                        <a:lnSpc>
+                          <a:spcPct val="100000"/>
+                        </a:lnSpc>
+                        <a:spcBef>
+                          <a:spcPts val="0"/>
+                        </a:spcBef>
+                        <a:spcAft>
+                          <a:spcPts val="0"/>
+                        </a:spcAft>
+                        <a:buClrTx/>
+                        <a:buSzTx/>
+                        <a:buFontTx/>
+                        <a:buNone/>
+                        <a:tabLst/>
+                        <a:defRPr/>
+                      </a:pPr>
+                      <a:r>
+                        <a:rPr lang="en-US" sz="800" baseline="0" dirty="0"/>
+                        <a:t>Plesk Backup</a:t>
+                      </a:r>
+                    </a:p>
+                    <a:p>
+                      <a:pPr algn="ctr"/>
+                      <a:endParaRPr lang="en-US" sz="800" baseline="0" dirty="0"/>
+                    </a:p>
+                  </a:txBody>
+                  <a:tcPr/>
+                </a:tc>
+                <a:tc>
+                  <a:txBody>
+                    <a:bodyPr/>
+                    <a:lstStyle/>
+                    <a:p>
+                      <a:pPr algn="ctr"/>
+                      <a:r>
+                        <a:rPr lang="en-US" sz="800" baseline="0" dirty="0"/>
+                        <a:t>Local State</a:t>
+                      </a:r>
+                    </a:p>
+                  </a:txBody>
+                  <a:tcPr/>
+                </a:tc>
+                <a:tc>
+                  <a:txBody>
+                    <a:bodyPr/>
+                    <a:lstStyle/>
+                    <a:p>
+                      <a:pPr algn="ctr"/>
+                      <a:r>
+                        <a:rPr lang="en-US" sz="800" baseline="0" dirty="0"/>
+                        <a:t>Local Backup</a:t>
+                      </a:r>
+                    </a:p>
+                  </a:txBody>
+                  <a:tcPr/>
+                </a:tc>
+                <a:tc>
+                  <a:txBody>
+                    <a:bodyPr/>
+                    <a:lstStyle/>
+                    <a:p>
+                      <a:pPr algn="ctr"/>
+                      <a:r>
+                        <a:rPr lang="en-US" sz="800" baseline="0" dirty="0"/>
+                        <a:t>Action</a:t>
+                      </a:r>
+                    </a:p>
+                  </a:txBody>
+                  <a:tcPr/>
+                </a:tc>
+                <a:tc>
+                  <a:txBody>
+                    <a:bodyPr/>
+                    <a:lstStyle/>
+                    <a:p>
+                      <a:pPr algn="ctr"/>
+                      <a:r>
+                        <a:rPr lang="en-US" sz="800" baseline="0" dirty="0"/>
+                        <a:t>Plesk State</a:t>
+                      </a:r>
+                    </a:p>
+                  </a:txBody>
+                  <a:tcPr/>
+                </a:tc>
+                <a:tc>
+                  <a:txBody>
+                    <a:bodyPr/>
+                    <a:lstStyle/>
+                    <a:p>
+                      <a:pPr algn="ctr"/>
+                      <a:r>
+                        <a:rPr lang="en-US" sz="800" baseline="0" dirty="0"/>
+                        <a:t>Plesk Backup</a:t>
+                      </a:r>
+                    </a:p>
+                  </a:txBody>
+                  <a:tcPr/>
+                </a:tc>
+                <a:tc>
+                  <a:txBody>
+                    <a:bodyPr/>
+                    <a:lstStyle/>
+                    <a:p>
+                      <a:pPr algn="ctr"/>
+                      <a:r>
+                        <a:rPr lang="en-US" sz="800" baseline="0" dirty="0"/>
+                        <a:t>Local State</a:t>
+                      </a:r>
+                    </a:p>
+                  </a:txBody>
+                  <a:tcPr/>
+                </a:tc>
+                <a:tc>
+                  <a:txBody>
+                    <a:bodyPr/>
+                    <a:lstStyle/>
+                    <a:p>
+                      <a:pPr algn="ctr"/>
+                      <a:r>
+                        <a:rPr lang="en-US" sz="800" baseline="0" dirty="0"/>
+                        <a:t>Local Backup</a:t>
+                      </a:r>
+                    </a:p>
+                  </a:txBody>
+                  <a:tcPr/>
+                </a:tc>
+                <a:tc>
+                  <a:txBody>
+                    <a:bodyPr/>
+                    <a:lstStyle/>
+                    <a:p>
+                      <a:pPr algn="ctr"/>
+                      <a:r>
+                        <a:rPr lang="en-US" sz="800" baseline="0" dirty="0"/>
+                        <a:t>State Num +1</a:t>
+                      </a:r>
+                    </a:p>
+                  </a:txBody>
+                  <a:tcPr/>
+                </a:tc>
+                <a:extLst>
+                  <a:ext uri="{0D108BD9-81ED-4DB2-BD59-A6C34878D82A}">
+                    <a16:rowId xmlns:a16="http://schemas.microsoft.com/office/drawing/2014/main" val="3572175530"/>
+                  </a:ext>
+                </a:extLst>
+              </a:tr>
+              <a:tr h="197274">
+                <a:tc>
+                  <a:txBody>
+                    <a:bodyPr/>
+                    <a:lstStyle/>
+                    <a:p>
+                      <a:pPr algn="ctr"/>
+                      <a:r>
+                        <a:rPr lang="en-US" sz="800" baseline="0" dirty="0"/>
+                        <a:t>1</a:t>
+                      </a:r>
+                    </a:p>
+                  </a:txBody>
+                  <a:tcPr/>
+                </a:tc>
+                <a:tc>
+                  <a:txBody>
+                    <a:bodyPr/>
+                    <a:lstStyle/>
+                    <a:p>
+                      <a:pPr algn="ctr"/>
+                      <a:r>
+                        <a:rPr lang="en-US" sz="800" baseline="0" dirty="0"/>
+                        <a:t>1</a:t>
+                      </a:r>
+                    </a:p>
+                  </a:txBody>
+                  <a:tcPr/>
+                </a:tc>
+                <a:tc>
+                  <a:txBody>
+                    <a:bodyPr/>
+                    <a:lstStyle/>
+                    <a:p>
+                      <a:pPr algn="ctr"/>
+                      <a:r>
+                        <a:rPr lang="en-US" sz="800" baseline="0" dirty="0"/>
+                        <a:t>NULL</a:t>
+                      </a:r>
+                    </a:p>
+                  </a:txBody>
+                  <a:tcPr/>
+                </a:tc>
+                <a:tc>
+                  <a:txBody>
+                    <a:bodyPr/>
+                    <a:lstStyle/>
+                    <a:p>
+                      <a:pPr algn="ctr"/>
+                      <a:r>
+                        <a:rPr lang="en-US" sz="800" baseline="0" dirty="0"/>
+                        <a:t>0</a:t>
+                      </a:r>
+                    </a:p>
+                  </a:txBody>
+                  <a:tcPr/>
+                </a:tc>
+                <a:tc>
+                  <a:txBody>
+                    <a:bodyPr/>
+                    <a:lstStyle/>
+                    <a:p>
+                      <a:pPr algn="ctr"/>
+                      <a:r>
+                        <a:rPr lang="en-US" sz="800" baseline="0" dirty="0"/>
+                        <a:t>NULL</a:t>
+                      </a:r>
+                    </a:p>
+                  </a:txBody>
+                  <a:tcPr/>
+                </a:tc>
+                <a:tc>
+                  <a:txBody>
+                    <a:bodyPr/>
+                    <a:lstStyle/>
+                    <a:p>
+                      <a:pPr algn="ctr"/>
+                      <a:r>
+                        <a:rPr lang="en-US" sz="800" baseline="0" dirty="0"/>
+                        <a:t>Pull</a:t>
+                      </a:r>
+                    </a:p>
+                  </a:txBody>
+                  <a:tcPr/>
+                </a:tc>
+                <a:tc>
+                  <a:txBody>
+                    <a:bodyPr/>
+                    <a:lstStyle/>
+                    <a:p>
+                      <a:pPr algn="ctr"/>
+                      <a:r>
+                        <a:rPr lang="en-US" sz="800" baseline="0" dirty="0"/>
+                        <a:t>1</a:t>
+                      </a:r>
+                    </a:p>
+                  </a:txBody>
+                  <a:tcPr/>
+                </a:tc>
+                <a:tc>
+                  <a:txBody>
+                    <a:bodyPr/>
+                    <a:lstStyle/>
+                    <a:p>
+                      <a:pPr algn="ctr"/>
+                      <a:r>
+                        <a:rPr lang="en-US" sz="800" baseline="0" dirty="0"/>
+                        <a:t>NULL</a:t>
+                      </a:r>
+                    </a:p>
+                  </a:txBody>
+                  <a:tcPr/>
+                </a:tc>
+                <a:tc>
+                  <a:txBody>
+                    <a:bodyPr/>
+                    <a:lstStyle/>
+                    <a:p>
+                      <a:pPr algn="ctr"/>
+                      <a:r>
+                        <a:rPr lang="en-US" sz="800" baseline="0" dirty="0"/>
+                        <a:t>1</a:t>
+                      </a:r>
+                    </a:p>
+                  </a:txBody>
+                  <a:tcPr/>
+                </a:tc>
+                <a:tc>
+                  <a:txBody>
+                    <a:bodyPr/>
+                    <a:lstStyle/>
+                    <a:p>
+                      <a:pPr algn="ctr"/>
+                      <a:r>
+                        <a:rPr lang="en-US" sz="800" baseline="0" dirty="0"/>
+                        <a:t>1</a:t>
+                      </a:r>
+                    </a:p>
+                  </a:txBody>
+                  <a:tcPr/>
+                </a:tc>
+                <a:tc>
+                  <a:txBody>
+                    <a:bodyPr/>
+                    <a:lstStyle/>
+                    <a:p>
+                      <a:pPr algn="ctr"/>
+                      <a:r>
+                        <a:rPr lang="en-US" sz="800" baseline="0" dirty="0"/>
+                        <a:t>2</a:t>
+                      </a:r>
+                    </a:p>
+                  </a:txBody>
+                  <a:tcPr/>
+                </a:tc>
+                <a:extLst>
+                  <a:ext uri="{0D108BD9-81ED-4DB2-BD59-A6C34878D82A}">
+                    <a16:rowId xmlns:a16="http://schemas.microsoft.com/office/drawing/2014/main" val="2669800319"/>
+                  </a:ext>
+                </a:extLst>
+              </a:tr>
+              <a:tr h="204894">
+                <a:tc>
+                  <a:txBody>
+                    <a:bodyPr/>
+                    <a:lstStyle/>
+                    <a:p>
+                      <a:pPr algn="ctr"/>
+                      <a:r>
+                        <a:rPr lang="en-US" sz="800" baseline="0" dirty="0"/>
+                        <a:t>1</a:t>
+                      </a:r>
+                    </a:p>
+                  </a:txBody>
+                  <a:tcPr/>
+                </a:tc>
+                <a:tc>
+                  <a:txBody>
+                    <a:bodyPr/>
+                    <a:lstStyle/>
+                    <a:p>
+                      <a:pPr algn="ctr"/>
+                      <a:r>
+                        <a:rPr lang="en-US" sz="800" baseline="0" dirty="0"/>
+                        <a:t>1</a:t>
+                      </a:r>
+                    </a:p>
+                  </a:txBody>
+                  <a:tcPr/>
+                </a:tc>
+                <a:tc>
+                  <a:txBody>
+                    <a:bodyPr/>
+                    <a:lstStyle/>
+                    <a:p>
+                      <a:pPr algn="ctr"/>
+                      <a:r>
+                        <a:rPr lang="en-US" sz="800" baseline="0" dirty="0"/>
+                        <a:t>NULL</a:t>
+                      </a:r>
+                    </a:p>
+                  </a:txBody>
+                  <a:tcPr/>
+                </a:tc>
+                <a:tc>
+                  <a:txBody>
+                    <a:bodyPr/>
+                    <a:lstStyle/>
+                    <a:p>
+                      <a:pPr algn="ctr"/>
+                      <a:r>
+                        <a:rPr lang="en-US" sz="800" baseline="0" dirty="0"/>
+                        <a:t>0</a:t>
+                      </a:r>
+                    </a:p>
+                  </a:txBody>
+                  <a:tcPr/>
+                </a:tc>
+                <a:tc>
+                  <a:txBody>
+                    <a:bodyPr/>
+                    <a:lstStyle/>
+                    <a:p>
+                      <a:pPr algn="ctr"/>
+                      <a:r>
+                        <a:rPr lang="en-US" sz="800" baseline="0" dirty="0"/>
+                        <a:t>NULL</a:t>
+                      </a:r>
+                    </a:p>
+                  </a:txBody>
+                  <a:tcPr/>
+                </a:tc>
+                <a:tc>
+                  <a:txBody>
+                    <a:bodyPr/>
+                    <a:lstStyle/>
+                    <a:p>
+                      <a:pPr algn="ctr"/>
+                      <a:r>
+                        <a:rPr lang="en-US" sz="800" baseline="0" dirty="0"/>
+                        <a:t>Push</a:t>
+                      </a:r>
+                    </a:p>
+                  </a:txBody>
+                  <a:tcPr/>
+                </a:tc>
+                <a:tc>
+                  <a:txBody>
+                    <a:bodyPr/>
+                    <a:lstStyle/>
+                    <a:p>
+                      <a:pPr algn="ctr"/>
+                      <a:r>
+                        <a:rPr lang="en-US" sz="800" baseline="0" dirty="0"/>
+                        <a:t>0</a:t>
+                      </a:r>
+                    </a:p>
+                  </a:txBody>
+                  <a:tcPr/>
+                </a:tc>
+                <a:tc>
+                  <a:txBody>
+                    <a:bodyPr/>
+                    <a:lstStyle/>
+                    <a:p>
+                      <a:pPr algn="ctr"/>
+                      <a:r>
+                        <a:rPr lang="en-US" sz="800" baseline="0" dirty="0"/>
+                        <a:t>1</a:t>
+                      </a:r>
+                    </a:p>
+                  </a:txBody>
+                  <a:tcPr/>
+                </a:tc>
+                <a:tc>
+                  <a:txBody>
+                    <a:bodyPr/>
+                    <a:lstStyle/>
+                    <a:p>
+                      <a:pPr algn="ctr"/>
+                      <a:r>
+                        <a:rPr lang="en-US" sz="800" baseline="0" dirty="0"/>
+                        <a:t>0</a:t>
+                      </a:r>
+                    </a:p>
+                  </a:txBody>
+                  <a:tcPr/>
+                </a:tc>
+                <a:tc>
+                  <a:txBody>
+                    <a:bodyPr/>
+                    <a:lstStyle/>
+                    <a:p>
+                      <a:pPr algn="ctr"/>
+                      <a:r>
+                        <a:rPr lang="en-US" sz="800" baseline="0" dirty="0"/>
+                        <a:t>NULL</a:t>
+                      </a:r>
+                    </a:p>
+                  </a:txBody>
+                  <a:tcPr/>
+                </a:tc>
+                <a:tc>
+                  <a:txBody>
+                    <a:bodyPr/>
+                    <a:lstStyle/>
+                    <a:p>
+                      <a:pPr algn="ctr"/>
+                      <a:r>
+                        <a:rPr lang="en-US" sz="800" baseline="0" dirty="0"/>
+                        <a:t>3</a:t>
+                      </a:r>
+                    </a:p>
+                  </a:txBody>
+                  <a:tcPr/>
+                </a:tc>
+                <a:extLst>
+                  <a:ext uri="{0D108BD9-81ED-4DB2-BD59-A6C34878D82A}">
+                    <a16:rowId xmlns:a16="http://schemas.microsoft.com/office/drawing/2014/main" val="24198745"/>
+                  </a:ext>
+                </a:extLst>
+              </a:tr>
+              <a:tr h="212514">
+                <a:tc>
+                  <a:txBody>
+                    <a:bodyPr/>
+                    <a:lstStyle/>
+                    <a:p>
+                      <a:pPr algn="ctr"/>
+                      <a:r>
+                        <a:rPr lang="en-US" sz="800" baseline="0" dirty="0"/>
+                        <a:t>1</a:t>
+                      </a:r>
+                    </a:p>
+                  </a:txBody>
+                  <a:tcPr/>
+                </a:tc>
+                <a:tc>
+                  <a:txBody>
+                    <a:bodyPr/>
+                    <a:lstStyle/>
+                    <a:p>
+                      <a:pPr algn="ctr"/>
+                      <a:r>
+                        <a:rPr lang="en-US" sz="800" baseline="0" dirty="0"/>
+                        <a:t>1</a:t>
+                      </a:r>
+                    </a:p>
+                  </a:txBody>
+                  <a:tcPr/>
+                </a:tc>
+                <a:tc>
+                  <a:txBody>
+                    <a:bodyPr/>
+                    <a:lstStyle/>
+                    <a:p>
+                      <a:pPr algn="ctr"/>
+                      <a:r>
+                        <a:rPr lang="en-US" sz="800" baseline="0" dirty="0"/>
+                        <a:t>NULL</a:t>
+                      </a:r>
+                    </a:p>
+                  </a:txBody>
+                  <a:tcPr/>
+                </a:tc>
+                <a:tc>
+                  <a:txBody>
+                    <a:bodyPr/>
+                    <a:lstStyle/>
+                    <a:p>
+                      <a:pPr algn="ctr"/>
+                      <a:r>
+                        <a:rPr lang="en-US" sz="800" baseline="0" dirty="0"/>
+                        <a:t>0</a:t>
+                      </a:r>
+                    </a:p>
+                  </a:txBody>
+                  <a:tcPr/>
+                </a:tc>
+                <a:tc>
+                  <a:txBody>
+                    <a:bodyPr/>
+                    <a:lstStyle/>
+                    <a:p>
+                      <a:pPr algn="ctr"/>
+                      <a:r>
+                        <a:rPr lang="en-US" sz="800" baseline="0" dirty="0"/>
+                        <a:t>NULL</a:t>
+                      </a:r>
+                    </a:p>
+                  </a:txBody>
+                  <a:tcPr/>
+                </a:tc>
+                <a:tc>
+                  <a:txBody>
+                    <a:bodyPr/>
+                    <a:lstStyle/>
+                    <a:p>
+                      <a:pPr algn="ctr"/>
+                      <a:r>
+                        <a:rPr lang="en-US" sz="800" baseline="0" dirty="0"/>
+                        <a:t>Pull Rollback</a:t>
+                      </a:r>
+                    </a:p>
+                  </a:txBody>
+                  <a:tcPr/>
+                </a:tc>
+                <a:tc>
+                  <a:txBody>
+                    <a:bodyPr/>
+                    <a:lstStyle/>
+                    <a:p>
+                      <a:pPr algn="ctr"/>
+                      <a:r>
+                        <a:rPr lang="en-US" sz="800" baseline="0" dirty="0"/>
+                        <a:t>1</a:t>
+                      </a:r>
+                    </a:p>
+                  </a:txBody>
+                  <a:tcPr/>
+                </a:tc>
+                <a:tc>
+                  <a:txBody>
+                    <a:bodyPr/>
+                    <a:lstStyle/>
+                    <a:p>
+                      <a:pPr algn="ctr"/>
+                      <a:r>
+                        <a:rPr lang="en-US" sz="800" baseline="0" dirty="0"/>
+                        <a:t>NULL</a:t>
+                      </a:r>
+                    </a:p>
+                  </a:txBody>
+                  <a:tcPr/>
+                </a:tc>
+                <a:tc>
+                  <a:txBody>
+                    <a:bodyPr/>
+                    <a:lstStyle/>
+                    <a:p>
+                      <a:pPr algn="ctr"/>
+                      <a:r>
+                        <a:rPr lang="en-US" sz="800" baseline="0" dirty="0"/>
+                        <a:t>0</a:t>
+                      </a:r>
+                    </a:p>
+                  </a:txBody>
+                  <a:tcPr/>
+                </a:tc>
+                <a:tc>
+                  <a:txBody>
+                    <a:bodyPr/>
+                    <a:lstStyle/>
+                    <a:p>
+                      <a:pPr algn="ctr"/>
+                      <a:r>
+                        <a:rPr lang="en-US" sz="800" baseline="0" dirty="0"/>
+                        <a:t>NULL</a:t>
+                      </a:r>
+                    </a:p>
+                  </a:txBody>
+                  <a:tcPr/>
+                </a:tc>
+                <a:tc>
+                  <a:txBody>
+                    <a:bodyPr/>
+                    <a:lstStyle/>
+                    <a:p>
+                      <a:pPr marL="0" marR="0" lvl="0" indent="0" algn="ctr" defTabSz="914400" rtl="0" eaLnBrk="1" fontAlgn="auto" latinLnBrk="0" hangingPunct="1">
+                        <a:lnSpc>
+                          <a:spcPct val="100000"/>
+                        </a:lnSpc>
+                        <a:spcBef>
+                          <a:spcPts val="0"/>
+                        </a:spcBef>
+                        <a:spcAft>
+                          <a:spcPts val="0"/>
+                        </a:spcAft>
+                        <a:buClrTx/>
+                        <a:buSzTx/>
+                        <a:buFontTx/>
+                        <a:buNone/>
+                        <a:tabLst/>
+                        <a:defRPr/>
+                      </a:pPr>
+                      <a:r>
+                        <a:rPr lang="en-US" sz="800" baseline="0" dirty="0"/>
+                        <a:t>No Change</a:t>
+                      </a:r>
+                    </a:p>
+                  </a:txBody>
+                  <a:tcPr/>
+                </a:tc>
+                <a:extLst>
+                  <a:ext uri="{0D108BD9-81ED-4DB2-BD59-A6C34878D82A}">
+                    <a16:rowId xmlns:a16="http://schemas.microsoft.com/office/drawing/2014/main" val="2582659244"/>
+                  </a:ext>
+                </a:extLst>
+              </a:tr>
+              <a:tr h="227754">
+                <a:tc>
+                  <a:txBody>
+                    <a:bodyPr/>
+                    <a:lstStyle/>
+                    <a:p>
+                      <a:pPr algn="ctr"/>
+                      <a:r>
+                        <a:rPr lang="en-US" sz="800" baseline="0" dirty="0"/>
+                        <a:t>1</a:t>
+                      </a:r>
+                    </a:p>
+                  </a:txBody>
+                  <a:tcPr/>
+                </a:tc>
+                <a:tc>
+                  <a:txBody>
+                    <a:bodyPr/>
+                    <a:lstStyle/>
+                    <a:p>
+                      <a:pPr algn="ctr"/>
+                      <a:r>
+                        <a:rPr lang="en-US" sz="800" baseline="0" dirty="0"/>
+                        <a:t>1</a:t>
+                      </a:r>
+                    </a:p>
+                  </a:txBody>
+                  <a:tcPr/>
+                </a:tc>
+                <a:tc>
+                  <a:txBody>
+                    <a:bodyPr/>
+                    <a:lstStyle/>
+                    <a:p>
+                      <a:pPr algn="ctr"/>
+                      <a:r>
+                        <a:rPr lang="en-US" sz="800" baseline="0" dirty="0"/>
+                        <a:t>NULL</a:t>
+                      </a:r>
+                    </a:p>
+                  </a:txBody>
+                  <a:tcPr/>
+                </a:tc>
+                <a:tc>
+                  <a:txBody>
+                    <a:bodyPr/>
+                    <a:lstStyle/>
+                    <a:p>
+                      <a:pPr algn="ctr"/>
+                      <a:r>
+                        <a:rPr lang="en-US" sz="800" baseline="0" dirty="0"/>
+                        <a:t>0</a:t>
+                      </a:r>
+                    </a:p>
+                  </a:txBody>
+                  <a:tcPr/>
+                </a:tc>
+                <a:tc>
+                  <a:txBody>
+                    <a:bodyPr/>
+                    <a:lstStyle/>
+                    <a:p>
+                      <a:pPr algn="ctr"/>
+                      <a:r>
+                        <a:rPr lang="en-US" sz="800" baseline="0" dirty="0"/>
+                        <a:t>NULL</a:t>
+                      </a:r>
+                    </a:p>
+                  </a:txBody>
+                  <a:tcPr/>
+                </a:tc>
+                <a:tc>
+                  <a:txBody>
+                    <a:bodyPr/>
+                    <a:lstStyle/>
+                    <a:p>
+                      <a:pPr algn="ctr"/>
+                      <a:r>
+                        <a:rPr lang="en-US" sz="800" baseline="0" dirty="0"/>
+                        <a:t>Push Rollback</a:t>
+                      </a:r>
+                    </a:p>
+                  </a:txBody>
+                  <a:tcPr/>
+                </a:tc>
+                <a:tc>
+                  <a:txBody>
+                    <a:bodyPr/>
+                    <a:lstStyle/>
+                    <a:p>
+                      <a:pPr algn="ctr"/>
+                      <a:r>
+                        <a:rPr lang="en-US" sz="800" baseline="0" dirty="0"/>
+                        <a:t>1</a:t>
+                      </a:r>
+                    </a:p>
+                  </a:txBody>
+                  <a:tcPr/>
+                </a:tc>
+                <a:tc>
+                  <a:txBody>
+                    <a:bodyPr/>
+                    <a:lstStyle/>
+                    <a:p>
+                      <a:pPr algn="ctr"/>
+                      <a:r>
+                        <a:rPr lang="en-US" sz="800" baseline="0" dirty="0"/>
+                        <a:t>NULL</a:t>
+                      </a:r>
+                    </a:p>
+                  </a:txBody>
+                  <a:tcPr/>
+                </a:tc>
+                <a:tc>
+                  <a:txBody>
+                    <a:bodyPr/>
+                    <a:lstStyle/>
+                    <a:p>
+                      <a:pPr algn="ctr"/>
+                      <a:r>
+                        <a:rPr lang="en-US" sz="800" baseline="0" dirty="0"/>
+                        <a:t>0</a:t>
+                      </a:r>
+                    </a:p>
+                  </a:txBody>
+                  <a:tcPr/>
+                </a:tc>
+                <a:tc>
+                  <a:txBody>
+                    <a:bodyPr/>
+                    <a:lstStyle/>
+                    <a:p>
+                      <a:pPr algn="ctr"/>
+                      <a:r>
+                        <a:rPr lang="en-US" sz="800" baseline="0" dirty="0"/>
+                        <a:t>NULL</a:t>
+                      </a:r>
+                    </a:p>
+                  </a:txBody>
+                  <a:tcPr/>
+                </a:tc>
+                <a:tc>
+                  <a:txBody>
+                    <a:bodyPr/>
+                    <a:lstStyle/>
+                    <a:p>
+                      <a:pPr marL="0" marR="0" lvl="0" indent="0" algn="ctr" defTabSz="914400" rtl="0" eaLnBrk="1" fontAlgn="auto" latinLnBrk="0" hangingPunct="1">
+                        <a:lnSpc>
+                          <a:spcPct val="100000"/>
+                        </a:lnSpc>
+                        <a:spcBef>
+                          <a:spcPts val="0"/>
+                        </a:spcBef>
+                        <a:spcAft>
+                          <a:spcPts val="0"/>
+                        </a:spcAft>
+                        <a:buClrTx/>
+                        <a:buSzTx/>
+                        <a:buFontTx/>
+                        <a:buNone/>
+                        <a:tabLst/>
+                        <a:defRPr/>
+                      </a:pPr>
+                      <a:r>
+                        <a:rPr lang="en-US" sz="800" baseline="0" dirty="0"/>
+                        <a:t>No Change</a:t>
+                      </a:r>
+                    </a:p>
+                  </a:txBody>
+                  <a:tcPr/>
+                </a:tc>
+                <a:extLst>
+                  <a:ext uri="{0D108BD9-81ED-4DB2-BD59-A6C34878D82A}">
+                    <a16:rowId xmlns:a16="http://schemas.microsoft.com/office/drawing/2014/main" val="265160463"/>
+                  </a:ext>
+                </a:extLst>
+              </a:tr>
+              <a:tr h="228600">
+                <a:tc>
+                  <a:txBody>
+                    <a:bodyPr/>
+                    <a:lstStyle/>
+                    <a:p>
+                      <a:pPr algn="ctr"/>
+                      <a:r>
+                        <a:rPr lang="en-US" sz="800" baseline="0" dirty="0"/>
+                        <a:t>2</a:t>
+                      </a:r>
+                    </a:p>
+                  </a:txBody>
+                  <a:tcPr/>
+                </a:tc>
+                <a:tc>
+                  <a:txBody>
+                    <a:bodyPr/>
+                    <a:lstStyle/>
+                    <a:p>
+                      <a:pPr algn="ctr"/>
+                      <a:r>
+                        <a:rPr lang="en-US" sz="800" baseline="0" dirty="0"/>
+                        <a:t>1</a:t>
+                      </a:r>
+                    </a:p>
+                  </a:txBody>
+                  <a:tcPr/>
+                </a:tc>
+                <a:tc>
+                  <a:txBody>
+                    <a:bodyPr/>
+                    <a:lstStyle/>
+                    <a:p>
+                      <a:pPr algn="ctr"/>
+                      <a:r>
+                        <a:rPr lang="en-US" sz="800" baseline="0" dirty="0"/>
+                        <a:t>NULL</a:t>
+                      </a:r>
+                    </a:p>
+                  </a:txBody>
+                  <a:tcPr/>
+                </a:tc>
+                <a:tc>
+                  <a:txBody>
+                    <a:bodyPr/>
+                    <a:lstStyle/>
+                    <a:p>
+                      <a:pPr algn="ctr"/>
+                      <a:r>
+                        <a:rPr lang="en-US" sz="800" baseline="0" dirty="0"/>
+                        <a:t>1</a:t>
+                      </a:r>
+                    </a:p>
+                  </a:txBody>
+                  <a:tcPr/>
+                </a:tc>
+                <a:tc>
+                  <a:txBody>
+                    <a:bodyPr/>
+                    <a:lstStyle/>
+                    <a:p>
+                      <a:pPr algn="ctr"/>
+                      <a:r>
+                        <a:rPr lang="en-US" sz="800" baseline="0" dirty="0"/>
+                        <a:t>1</a:t>
+                      </a:r>
+                    </a:p>
+                  </a:txBody>
+                  <a:tcPr/>
+                </a:tc>
+                <a:tc>
+                  <a:txBody>
+                    <a:bodyPr/>
+                    <a:lstStyle/>
+                    <a:p>
+                      <a:pPr algn="ctr"/>
+                      <a:r>
+                        <a:rPr lang="en-US" sz="800" baseline="0" dirty="0"/>
+                        <a:t>Pull</a:t>
+                      </a:r>
+                    </a:p>
+                  </a:txBody>
+                  <a:tcPr/>
+                </a:tc>
+                <a:tc>
+                  <a:txBody>
+                    <a:bodyPr/>
+                    <a:lstStyle/>
+                    <a:p>
+                      <a:pPr algn="ctr"/>
+                      <a:r>
+                        <a:rPr lang="en-US" sz="800" baseline="0" dirty="0"/>
+                        <a:t>1</a:t>
+                      </a:r>
+                    </a:p>
+                  </a:txBody>
+                  <a:tcPr/>
+                </a:tc>
+                <a:tc>
+                  <a:txBody>
+                    <a:bodyPr/>
+                    <a:lstStyle/>
+                    <a:p>
+                      <a:pPr algn="ctr"/>
+                      <a:r>
+                        <a:rPr lang="en-US" sz="800" baseline="0" dirty="0"/>
+                        <a:t>NULL</a:t>
+                      </a:r>
+                    </a:p>
+                  </a:txBody>
+                  <a:tcPr/>
+                </a:tc>
+                <a:tc>
+                  <a:txBody>
+                    <a:bodyPr/>
+                    <a:lstStyle/>
+                    <a:p>
+                      <a:pPr algn="ctr"/>
+                      <a:r>
+                        <a:rPr lang="en-US" sz="800" baseline="0" dirty="0"/>
+                        <a:t>1</a:t>
+                      </a:r>
+                    </a:p>
+                  </a:txBody>
+                  <a:tcPr/>
+                </a:tc>
+                <a:tc>
+                  <a:txBody>
+                    <a:bodyPr/>
+                    <a:lstStyle/>
+                    <a:p>
+                      <a:pPr algn="ctr"/>
+                      <a:r>
+                        <a:rPr lang="en-US" sz="800" baseline="0" dirty="0"/>
+                        <a:t>1</a:t>
+                      </a:r>
+                    </a:p>
+                  </a:txBody>
+                  <a:tcPr/>
+                </a:tc>
+                <a:tc>
+                  <a:txBody>
+                    <a:bodyPr/>
+                    <a:lstStyle/>
+                    <a:p>
+                      <a:pPr algn="ctr"/>
+                      <a:r>
+                        <a:rPr lang="en-US" sz="800" baseline="0" dirty="0"/>
+                        <a:t>No Change</a:t>
+                      </a:r>
+                    </a:p>
+                  </a:txBody>
+                  <a:tcPr/>
+                </a:tc>
+                <a:extLst>
+                  <a:ext uri="{0D108BD9-81ED-4DB2-BD59-A6C34878D82A}">
+                    <a16:rowId xmlns:a16="http://schemas.microsoft.com/office/drawing/2014/main" val="275232966"/>
+                  </a:ext>
+                </a:extLst>
+              </a:tr>
+              <a:tr h="243840">
+                <a:tc>
+                  <a:txBody>
+                    <a:bodyPr/>
+                    <a:lstStyle/>
+                    <a:p>
+                      <a:pPr algn="ctr"/>
+                      <a:r>
+                        <a:rPr lang="en-US" sz="800" baseline="0" dirty="0"/>
+                        <a:t>2</a:t>
+                      </a:r>
+                    </a:p>
+                  </a:txBody>
+                  <a:tcPr/>
+                </a:tc>
+                <a:tc>
+                  <a:txBody>
+                    <a:bodyPr/>
+                    <a:lstStyle/>
+                    <a:p>
+                      <a:pPr algn="ctr"/>
+                      <a:r>
+                        <a:rPr lang="en-US" sz="800" baseline="0" dirty="0"/>
+                        <a:t>1</a:t>
+                      </a:r>
+                    </a:p>
+                  </a:txBody>
+                  <a:tcPr/>
+                </a:tc>
+                <a:tc>
+                  <a:txBody>
+                    <a:bodyPr/>
+                    <a:lstStyle/>
+                    <a:p>
+                      <a:pPr algn="ctr"/>
+                      <a:r>
+                        <a:rPr lang="en-US" sz="800" baseline="0" dirty="0"/>
+                        <a:t>NULL</a:t>
+                      </a:r>
+                    </a:p>
+                  </a:txBody>
+                  <a:tcPr/>
+                </a:tc>
+                <a:tc>
+                  <a:txBody>
+                    <a:bodyPr/>
+                    <a:lstStyle/>
+                    <a:p>
+                      <a:pPr algn="ctr"/>
+                      <a:r>
+                        <a:rPr lang="en-US" sz="800" baseline="0" dirty="0"/>
+                        <a:t>1</a:t>
+                      </a:r>
+                    </a:p>
+                  </a:txBody>
+                  <a:tcPr/>
+                </a:tc>
+                <a:tc>
+                  <a:txBody>
+                    <a:bodyPr/>
+                    <a:lstStyle/>
+                    <a:p>
+                      <a:pPr algn="ctr"/>
+                      <a:r>
+                        <a:rPr lang="en-US" sz="800" baseline="0" dirty="0"/>
+                        <a:t>1</a:t>
+                      </a:r>
+                    </a:p>
+                  </a:txBody>
+                  <a:tcPr/>
+                </a:tc>
+                <a:tc>
+                  <a:txBody>
+                    <a:bodyPr/>
+                    <a:lstStyle/>
+                    <a:p>
+                      <a:pPr algn="ctr"/>
+                      <a:r>
+                        <a:rPr lang="en-US" sz="800" baseline="0" dirty="0"/>
+                        <a:t>Push</a:t>
+                      </a:r>
+                    </a:p>
+                  </a:txBody>
+                  <a:tcPr/>
+                </a:tc>
+                <a:tc>
+                  <a:txBody>
+                    <a:bodyPr/>
+                    <a:lstStyle/>
+                    <a:p>
+                      <a:pPr algn="ctr"/>
+                      <a:r>
+                        <a:rPr lang="en-US" sz="800" baseline="0" dirty="0"/>
+                        <a:t>1</a:t>
+                      </a:r>
+                    </a:p>
+                  </a:txBody>
+                  <a:tcPr/>
+                </a:tc>
+                <a:tc>
+                  <a:txBody>
+                    <a:bodyPr/>
+                    <a:lstStyle/>
+                    <a:p>
+                      <a:pPr algn="ctr"/>
+                      <a:r>
+                        <a:rPr lang="en-US" sz="800" baseline="0" dirty="0"/>
+                        <a:t>1</a:t>
+                      </a:r>
+                    </a:p>
+                  </a:txBody>
+                  <a:tcPr/>
+                </a:tc>
+                <a:tc>
+                  <a:txBody>
+                    <a:bodyPr/>
+                    <a:lstStyle/>
+                    <a:p>
+                      <a:pPr algn="ctr"/>
+                      <a:r>
+                        <a:rPr lang="en-US" sz="800" baseline="0" dirty="0"/>
+                        <a:t>1</a:t>
+                      </a:r>
+                    </a:p>
+                  </a:txBody>
+                  <a:tcPr/>
+                </a:tc>
+                <a:tc>
+                  <a:txBody>
+                    <a:bodyPr/>
+                    <a:lstStyle/>
+                    <a:p>
+                      <a:pPr algn="ctr"/>
+                      <a:r>
+                        <a:rPr lang="en-US" sz="800" baseline="0" dirty="0"/>
+                        <a:t>1</a:t>
+                      </a:r>
+                    </a:p>
+                  </a:txBody>
+                  <a:tcPr/>
+                </a:tc>
+                <a:tc>
+                  <a:txBody>
+                    <a:bodyPr/>
+                    <a:lstStyle/>
+                    <a:p>
+                      <a:pPr algn="ctr"/>
+                      <a:r>
+                        <a:rPr lang="en-US" sz="800" baseline="0" dirty="0"/>
+                        <a:t>4</a:t>
+                      </a:r>
+                    </a:p>
+                  </a:txBody>
+                  <a:tcPr/>
+                </a:tc>
+                <a:extLst>
+                  <a:ext uri="{0D108BD9-81ED-4DB2-BD59-A6C34878D82A}">
+                    <a16:rowId xmlns:a16="http://schemas.microsoft.com/office/drawing/2014/main" val="1401003591"/>
+                  </a:ext>
+                </a:extLst>
+              </a:tr>
+              <a:tr h="205740">
+                <a:tc>
+                  <a:txBody>
+                    <a:bodyPr/>
+                    <a:lstStyle/>
+                    <a:p>
+                      <a:pPr algn="ctr"/>
+                      <a:r>
+                        <a:rPr lang="en-US" sz="800" baseline="0" dirty="0"/>
+                        <a:t>2</a:t>
+                      </a:r>
+                    </a:p>
+                  </a:txBody>
+                  <a:tcPr/>
+                </a:tc>
+                <a:tc>
+                  <a:txBody>
+                    <a:bodyPr/>
+                    <a:lstStyle/>
+                    <a:p>
+                      <a:pPr algn="ctr"/>
+                      <a:r>
+                        <a:rPr lang="en-US" sz="800" baseline="0" dirty="0"/>
+                        <a:t>1</a:t>
+                      </a:r>
+                    </a:p>
+                  </a:txBody>
+                  <a:tcPr/>
+                </a:tc>
+                <a:tc>
+                  <a:txBody>
+                    <a:bodyPr/>
+                    <a:lstStyle/>
+                    <a:p>
+                      <a:pPr algn="ctr"/>
+                      <a:r>
+                        <a:rPr lang="en-US" sz="800" baseline="0" dirty="0"/>
+                        <a:t>NULL</a:t>
+                      </a:r>
+                    </a:p>
+                  </a:txBody>
+                  <a:tcPr/>
+                </a:tc>
+                <a:tc>
+                  <a:txBody>
+                    <a:bodyPr/>
+                    <a:lstStyle/>
+                    <a:p>
+                      <a:pPr algn="ctr"/>
+                      <a:r>
+                        <a:rPr lang="en-US" sz="800" baseline="0" dirty="0"/>
+                        <a:t>1</a:t>
+                      </a:r>
+                    </a:p>
+                  </a:txBody>
+                  <a:tcPr/>
+                </a:tc>
+                <a:tc>
+                  <a:txBody>
+                    <a:bodyPr/>
+                    <a:lstStyle/>
+                    <a:p>
+                      <a:pPr algn="ctr"/>
+                      <a:r>
+                        <a:rPr lang="en-US" sz="800" baseline="0" dirty="0"/>
+                        <a:t>1</a:t>
+                      </a:r>
+                    </a:p>
+                  </a:txBody>
+                  <a:tcPr/>
+                </a:tc>
+                <a:tc>
+                  <a:txBody>
+                    <a:bodyPr/>
+                    <a:lstStyle/>
+                    <a:p>
+                      <a:pPr algn="ctr"/>
+                      <a:r>
+                        <a:rPr lang="en-US" sz="800" baseline="0" dirty="0"/>
+                        <a:t>Pull Rollback</a:t>
+                      </a:r>
+                    </a:p>
+                  </a:txBody>
+                  <a:tcPr/>
+                </a:tc>
+                <a:tc>
+                  <a:txBody>
+                    <a:bodyPr/>
+                    <a:lstStyle/>
+                    <a:p>
+                      <a:pPr algn="ctr"/>
+                      <a:r>
+                        <a:rPr lang="en-US" sz="800" baseline="0" dirty="0"/>
+                        <a:t>1</a:t>
+                      </a:r>
+                    </a:p>
+                  </a:txBody>
+                  <a:tcPr/>
+                </a:tc>
+                <a:tc>
+                  <a:txBody>
+                    <a:bodyPr/>
+                    <a:lstStyle/>
+                    <a:p>
+                      <a:pPr algn="ctr"/>
+                      <a:r>
+                        <a:rPr lang="en-US" sz="800" baseline="0" dirty="0"/>
+                        <a:t>NULL</a:t>
+                      </a:r>
+                    </a:p>
+                  </a:txBody>
+                  <a:tcPr/>
+                </a:tc>
+                <a:tc>
+                  <a:txBody>
+                    <a:bodyPr/>
+                    <a:lstStyle/>
+                    <a:p>
+                      <a:pPr algn="ctr"/>
+                      <a:r>
+                        <a:rPr lang="en-US" sz="800" baseline="0" dirty="0"/>
+                        <a:t>1</a:t>
+                      </a:r>
+                    </a:p>
+                  </a:txBody>
+                  <a:tcPr/>
+                </a:tc>
+                <a:tc>
+                  <a:txBody>
+                    <a:bodyPr/>
+                    <a:lstStyle/>
+                    <a:p>
+                      <a:pPr algn="ctr"/>
+                      <a:r>
+                        <a:rPr lang="en-US" sz="800" baseline="0" dirty="0"/>
+                        <a:t>1</a:t>
+                      </a:r>
+                    </a:p>
+                  </a:txBody>
+                  <a:tcPr/>
+                </a:tc>
+                <a:tc>
+                  <a:txBody>
+                    <a:bodyPr/>
+                    <a:lstStyle/>
+                    <a:p>
+                      <a:pPr algn="ctr"/>
+                      <a:r>
+                        <a:rPr lang="en-US" sz="800" baseline="0" dirty="0"/>
+                        <a:t>No change</a:t>
+                      </a:r>
+                    </a:p>
+                  </a:txBody>
+                  <a:tcPr/>
+                </a:tc>
+                <a:extLst>
+                  <a:ext uri="{0D108BD9-81ED-4DB2-BD59-A6C34878D82A}">
+                    <a16:rowId xmlns:a16="http://schemas.microsoft.com/office/drawing/2014/main" val="1660181322"/>
+                  </a:ext>
+                </a:extLst>
+              </a:tr>
+              <a:tr h="243840">
+                <a:tc>
+                  <a:txBody>
+                    <a:bodyPr/>
+                    <a:lstStyle/>
+                    <a:p>
+                      <a:pPr algn="ctr"/>
+                      <a:r>
+                        <a:rPr lang="en-US" sz="800" baseline="0" dirty="0"/>
+                        <a:t>2</a:t>
+                      </a:r>
+                    </a:p>
+                  </a:txBody>
+                  <a:tcPr/>
+                </a:tc>
+                <a:tc>
+                  <a:txBody>
+                    <a:bodyPr/>
+                    <a:lstStyle/>
+                    <a:p>
+                      <a:pPr algn="ctr"/>
+                      <a:r>
+                        <a:rPr lang="en-US" sz="800" baseline="0" dirty="0"/>
+                        <a:t>1</a:t>
+                      </a:r>
+                    </a:p>
+                  </a:txBody>
+                  <a:tcPr/>
+                </a:tc>
+                <a:tc>
+                  <a:txBody>
+                    <a:bodyPr/>
+                    <a:lstStyle/>
+                    <a:p>
+                      <a:pPr algn="ctr"/>
+                      <a:r>
+                        <a:rPr lang="en-US" sz="800" baseline="0" dirty="0"/>
+                        <a:t>NULL</a:t>
+                      </a:r>
+                    </a:p>
+                  </a:txBody>
+                  <a:tcPr/>
+                </a:tc>
+                <a:tc>
+                  <a:txBody>
+                    <a:bodyPr/>
+                    <a:lstStyle/>
+                    <a:p>
+                      <a:pPr algn="ctr"/>
+                      <a:r>
+                        <a:rPr lang="en-US" sz="800" baseline="0" dirty="0"/>
+                        <a:t>1</a:t>
+                      </a:r>
+                    </a:p>
+                  </a:txBody>
+                  <a:tcPr/>
+                </a:tc>
+                <a:tc>
+                  <a:txBody>
+                    <a:bodyPr/>
+                    <a:lstStyle/>
+                    <a:p>
+                      <a:pPr algn="ctr"/>
+                      <a:r>
+                        <a:rPr lang="en-US" sz="800" baseline="0" dirty="0"/>
+                        <a:t>1</a:t>
+                      </a:r>
+                    </a:p>
+                  </a:txBody>
+                  <a:tcPr/>
+                </a:tc>
+                <a:tc>
+                  <a:txBody>
+                    <a:bodyPr/>
+                    <a:lstStyle/>
+                    <a:p>
+                      <a:pPr algn="ctr"/>
+                      <a:r>
+                        <a:rPr lang="en-US" sz="800" baseline="0" dirty="0"/>
+                        <a:t>Push Rollback</a:t>
+                      </a:r>
+                    </a:p>
+                  </a:txBody>
+                  <a:tcPr/>
+                </a:tc>
+                <a:tc>
+                  <a:txBody>
+                    <a:bodyPr/>
+                    <a:lstStyle/>
+                    <a:p>
+                      <a:pPr algn="ctr"/>
+                      <a:r>
+                        <a:rPr lang="en-US" sz="800" baseline="0" dirty="0"/>
+                        <a:t>1</a:t>
+                      </a:r>
+                    </a:p>
+                  </a:txBody>
+                  <a:tcPr/>
+                </a:tc>
+                <a:tc>
+                  <a:txBody>
+                    <a:bodyPr/>
+                    <a:lstStyle/>
+                    <a:p>
+                      <a:pPr algn="ctr"/>
+                      <a:r>
+                        <a:rPr lang="en-US" sz="800" baseline="0" dirty="0"/>
+                        <a:t>NULL</a:t>
+                      </a:r>
+                    </a:p>
+                  </a:txBody>
+                  <a:tcPr/>
+                </a:tc>
+                <a:tc>
+                  <a:txBody>
+                    <a:bodyPr/>
+                    <a:lstStyle/>
+                    <a:p>
+                      <a:pPr algn="ctr"/>
+                      <a:r>
+                        <a:rPr lang="en-US" sz="800" baseline="0" dirty="0"/>
+                        <a:t>1</a:t>
+                      </a:r>
+                    </a:p>
+                  </a:txBody>
+                  <a:tcPr/>
+                </a:tc>
+                <a:tc>
+                  <a:txBody>
+                    <a:bodyPr/>
+                    <a:lstStyle/>
+                    <a:p>
+                      <a:pPr algn="ctr"/>
+                      <a:r>
+                        <a:rPr lang="en-US" sz="800" baseline="0" dirty="0"/>
+                        <a:t>1</a:t>
+                      </a:r>
+                    </a:p>
+                  </a:txBody>
+                  <a:tcPr/>
+                </a:tc>
+                <a:tc>
+                  <a:txBody>
+                    <a:bodyPr/>
+                    <a:lstStyle/>
+                    <a:p>
+                      <a:pPr algn="ctr"/>
+                      <a:r>
+                        <a:rPr lang="en-US" sz="800" baseline="0" dirty="0"/>
+                        <a:t>No change</a:t>
+                      </a:r>
+                    </a:p>
+                  </a:txBody>
+                  <a:tcPr/>
+                </a:tc>
+                <a:extLst>
+                  <a:ext uri="{0D108BD9-81ED-4DB2-BD59-A6C34878D82A}">
+                    <a16:rowId xmlns:a16="http://schemas.microsoft.com/office/drawing/2014/main" val="562778597"/>
+                  </a:ext>
+                </a:extLst>
+              </a:tr>
+              <a:tr h="220980">
+                <a:tc>
+                  <a:txBody>
+                    <a:bodyPr/>
+                    <a:lstStyle/>
+                    <a:p>
+                      <a:pPr algn="ctr"/>
+                      <a:r>
+                        <a:rPr lang="en-US" sz="800" baseline="0" dirty="0"/>
+                        <a:t>3</a:t>
+                      </a:r>
+                    </a:p>
+                  </a:txBody>
+                  <a:tcPr/>
+                </a:tc>
+                <a:tc>
+                  <a:txBody>
+                    <a:bodyPr/>
+                    <a:lstStyle/>
+                    <a:p>
+                      <a:pPr algn="ctr"/>
+                      <a:r>
+                        <a:rPr lang="en-US" sz="800" baseline="0" dirty="0"/>
+                        <a:t>0</a:t>
+                      </a:r>
+                    </a:p>
+                  </a:txBody>
+                  <a:tcPr/>
+                </a:tc>
+                <a:tc>
+                  <a:txBody>
+                    <a:bodyPr/>
+                    <a:lstStyle/>
+                    <a:p>
+                      <a:pPr algn="ctr"/>
+                      <a:r>
+                        <a:rPr lang="en-US" sz="800" baseline="0" dirty="0"/>
+                        <a:t>1</a:t>
+                      </a:r>
+                    </a:p>
+                  </a:txBody>
+                  <a:tcPr/>
+                </a:tc>
+                <a:tc>
+                  <a:txBody>
+                    <a:bodyPr/>
+                    <a:lstStyle/>
+                    <a:p>
+                      <a:pPr algn="ctr"/>
+                      <a:r>
+                        <a:rPr lang="en-US" sz="800" baseline="0" dirty="0"/>
+                        <a:t>0</a:t>
+                      </a:r>
+                    </a:p>
+                  </a:txBody>
+                  <a:tcPr/>
+                </a:tc>
+                <a:tc>
+                  <a:txBody>
+                    <a:bodyPr/>
+                    <a:lstStyle/>
+                    <a:p>
+                      <a:pPr algn="ctr"/>
+                      <a:r>
+                        <a:rPr lang="en-US" sz="800" baseline="0" dirty="0"/>
+                        <a:t>NULL</a:t>
+                      </a:r>
+                    </a:p>
+                  </a:txBody>
+                  <a:tcPr/>
+                </a:tc>
+                <a:tc>
+                  <a:txBody>
+                    <a:bodyPr/>
+                    <a:lstStyle/>
+                    <a:p>
+                      <a:pPr algn="ctr"/>
+                      <a:r>
+                        <a:rPr lang="en-US" sz="800" baseline="0" dirty="0"/>
+                        <a:t>Pull</a:t>
+                      </a:r>
+                    </a:p>
+                  </a:txBody>
+                  <a:tcPr/>
+                </a:tc>
+                <a:tc>
+                  <a:txBody>
+                    <a:bodyPr/>
+                    <a:lstStyle/>
+                    <a:p>
+                      <a:pPr algn="ctr"/>
+                      <a:r>
+                        <a:rPr lang="en-US" sz="800" baseline="0" dirty="0"/>
+                        <a:t>0</a:t>
+                      </a:r>
+                    </a:p>
+                  </a:txBody>
+                  <a:tcPr/>
+                </a:tc>
+                <a:tc>
+                  <a:txBody>
+                    <a:bodyPr/>
+                    <a:lstStyle/>
+                    <a:p>
+                      <a:pPr algn="ctr"/>
+                      <a:r>
+                        <a:rPr lang="en-US" sz="800" baseline="0" dirty="0"/>
+                        <a:t>1</a:t>
+                      </a:r>
+                    </a:p>
+                  </a:txBody>
+                  <a:tcPr/>
+                </a:tc>
+                <a:tc>
+                  <a:txBody>
+                    <a:bodyPr/>
+                    <a:lstStyle/>
+                    <a:p>
+                      <a:pPr algn="ctr"/>
+                      <a:r>
+                        <a:rPr lang="en-US" sz="800" baseline="0" dirty="0"/>
+                        <a:t>0</a:t>
+                      </a:r>
+                    </a:p>
+                  </a:txBody>
+                  <a:tcPr/>
+                </a:tc>
+                <a:tc>
+                  <a:txBody>
+                    <a:bodyPr/>
+                    <a:lstStyle/>
+                    <a:p>
+                      <a:pPr algn="ctr"/>
+                      <a:r>
+                        <a:rPr lang="en-US" sz="800" baseline="0" dirty="0"/>
+                        <a:t>0</a:t>
+                      </a:r>
+                    </a:p>
+                  </a:txBody>
+                  <a:tcPr/>
+                </a:tc>
+                <a:tc>
+                  <a:txBody>
+                    <a:bodyPr/>
+                    <a:lstStyle/>
+                    <a:p>
+                      <a:pPr algn="ctr"/>
+                      <a:r>
+                        <a:rPr lang="en-US" sz="800" baseline="0" dirty="0"/>
+                        <a:t>5</a:t>
+                      </a:r>
+                    </a:p>
+                  </a:txBody>
+                  <a:tcPr/>
+                </a:tc>
+                <a:extLst>
+                  <a:ext uri="{0D108BD9-81ED-4DB2-BD59-A6C34878D82A}">
+                    <a16:rowId xmlns:a16="http://schemas.microsoft.com/office/drawing/2014/main" val="4082670137"/>
+                  </a:ext>
+                </a:extLst>
+              </a:tr>
+              <a:tr h="220980">
+                <a:tc>
+                  <a:txBody>
+                    <a:bodyPr/>
+                    <a:lstStyle/>
+                    <a:p>
+                      <a:pPr algn="ctr"/>
+                      <a:r>
+                        <a:rPr lang="en-US" sz="800" baseline="0" dirty="0"/>
+                        <a:t>3</a:t>
+                      </a:r>
+                    </a:p>
+                  </a:txBody>
+                  <a:tcPr/>
+                </a:tc>
+                <a:tc>
+                  <a:txBody>
+                    <a:bodyPr/>
+                    <a:lstStyle/>
+                    <a:p>
+                      <a:pPr algn="ctr"/>
+                      <a:r>
+                        <a:rPr lang="en-US" sz="800" baseline="0" dirty="0"/>
+                        <a:t>0</a:t>
+                      </a:r>
+                    </a:p>
+                  </a:txBody>
+                  <a:tcPr/>
+                </a:tc>
+                <a:tc>
+                  <a:txBody>
+                    <a:bodyPr/>
+                    <a:lstStyle/>
+                    <a:p>
+                      <a:pPr algn="ctr"/>
+                      <a:r>
+                        <a:rPr lang="en-US" sz="800" baseline="0" dirty="0"/>
+                        <a:t>1</a:t>
+                      </a:r>
+                    </a:p>
+                  </a:txBody>
+                  <a:tcPr/>
+                </a:tc>
+                <a:tc>
+                  <a:txBody>
+                    <a:bodyPr/>
+                    <a:lstStyle/>
+                    <a:p>
+                      <a:pPr algn="ctr"/>
+                      <a:r>
+                        <a:rPr lang="en-US" sz="800" baseline="0" dirty="0"/>
+                        <a:t>0</a:t>
+                      </a:r>
+                    </a:p>
+                  </a:txBody>
+                  <a:tcPr/>
+                </a:tc>
+                <a:tc>
+                  <a:txBody>
+                    <a:bodyPr/>
+                    <a:lstStyle/>
+                    <a:p>
+                      <a:pPr algn="ctr"/>
+                      <a:r>
+                        <a:rPr lang="en-US" sz="800" baseline="0" dirty="0"/>
+                        <a:t>NULL</a:t>
+                      </a:r>
+                    </a:p>
+                  </a:txBody>
+                  <a:tcPr/>
+                </a:tc>
+                <a:tc>
+                  <a:txBody>
+                    <a:bodyPr/>
+                    <a:lstStyle/>
+                    <a:p>
+                      <a:pPr algn="ctr"/>
+                      <a:r>
+                        <a:rPr lang="en-US" sz="800" baseline="0" dirty="0"/>
+                        <a:t>Push</a:t>
+                      </a:r>
+                    </a:p>
+                  </a:txBody>
+                  <a:tcPr/>
+                </a:tc>
+                <a:tc>
+                  <a:txBody>
+                    <a:bodyPr/>
+                    <a:lstStyle/>
+                    <a:p>
+                      <a:pPr algn="ctr"/>
+                      <a:r>
+                        <a:rPr lang="en-US" sz="800" baseline="0" dirty="0"/>
+                        <a:t>0</a:t>
+                      </a:r>
+                    </a:p>
+                  </a:txBody>
+                  <a:tcPr/>
+                </a:tc>
+                <a:tc>
+                  <a:txBody>
+                    <a:bodyPr/>
+                    <a:lstStyle/>
+                    <a:p>
+                      <a:pPr algn="ctr"/>
+                      <a:r>
+                        <a:rPr lang="en-US" sz="800" baseline="0" dirty="0"/>
+                        <a:t>0</a:t>
+                      </a:r>
+                    </a:p>
+                  </a:txBody>
+                  <a:tcPr/>
+                </a:tc>
+                <a:tc>
+                  <a:txBody>
+                    <a:bodyPr/>
+                    <a:lstStyle/>
+                    <a:p>
+                      <a:pPr algn="ctr"/>
+                      <a:r>
+                        <a:rPr lang="en-US" sz="800" baseline="0" dirty="0"/>
+                        <a:t>0</a:t>
+                      </a:r>
+                    </a:p>
+                  </a:txBody>
+                  <a:tcPr/>
+                </a:tc>
+                <a:tc>
+                  <a:txBody>
+                    <a:bodyPr/>
+                    <a:lstStyle/>
+                    <a:p>
+                      <a:pPr algn="ctr"/>
+                      <a:r>
+                        <a:rPr lang="en-US" sz="800" baseline="0" dirty="0"/>
+                        <a:t>NULL</a:t>
+                      </a:r>
+                    </a:p>
+                  </a:txBody>
+                  <a:tcPr/>
+                </a:tc>
+                <a:tc>
+                  <a:txBody>
+                    <a:bodyPr/>
+                    <a:lstStyle/>
+                    <a:p>
+                      <a:pPr algn="ctr"/>
+                      <a:r>
+                        <a:rPr lang="en-US" sz="800" baseline="0" dirty="0"/>
+                        <a:t>6</a:t>
+                      </a:r>
+                    </a:p>
+                  </a:txBody>
+                  <a:tcPr/>
+                </a:tc>
+                <a:extLst>
+                  <a:ext uri="{0D108BD9-81ED-4DB2-BD59-A6C34878D82A}">
+                    <a16:rowId xmlns:a16="http://schemas.microsoft.com/office/drawing/2014/main" val="1260985815"/>
+                  </a:ext>
+                </a:extLst>
+              </a:tr>
+              <a:tr h="220980">
+                <a:tc>
+                  <a:txBody>
+                    <a:bodyPr/>
+                    <a:lstStyle/>
+                    <a:p>
+                      <a:pPr algn="ctr"/>
+                      <a:r>
+                        <a:rPr lang="en-US" sz="800" baseline="0" dirty="0"/>
+                        <a:t>3</a:t>
+                      </a:r>
+                    </a:p>
+                  </a:txBody>
+                  <a:tcPr/>
+                </a:tc>
+                <a:tc>
+                  <a:txBody>
+                    <a:bodyPr/>
+                    <a:lstStyle/>
+                    <a:p>
+                      <a:pPr algn="ctr"/>
+                      <a:r>
+                        <a:rPr lang="en-US" sz="800" baseline="0" dirty="0"/>
+                        <a:t>0</a:t>
+                      </a:r>
+                    </a:p>
+                  </a:txBody>
+                  <a:tcPr/>
+                </a:tc>
+                <a:tc>
+                  <a:txBody>
+                    <a:bodyPr/>
+                    <a:lstStyle/>
+                    <a:p>
+                      <a:pPr algn="ctr"/>
+                      <a:r>
+                        <a:rPr lang="en-US" sz="800" baseline="0" dirty="0"/>
+                        <a:t>1</a:t>
+                      </a:r>
+                    </a:p>
+                  </a:txBody>
+                  <a:tcPr/>
+                </a:tc>
+                <a:tc>
+                  <a:txBody>
+                    <a:bodyPr/>
+                    <a:lstStyle/>
+                    <a:p>
+                      <a:pPr algn="ctr"/>
+                      <a:r>
+                        <a:rPr lang="en-US" sz="800" baseline="0" dirty="0"/>
+                        <a:t>0</a:t>
+                      </a:r>
+                    </a:p>
+                  </a:txBody>
+                  <a:tcPr/>
+                </a:tc>
+                <a:tc>
+                  <a:txBody>
+                    <a:bodyPr/>
+                    <a:lstStyle/>
+                    <a:p>
+                      <a:pPr algn="ctr"/>
+                      <a:r>
+                        <a:rPr lang="en-US" sz="800" baseline="0" dirty="0"/>
+                        <a:t>NULL</a:t>
+                      </a:r>
+                    </a:p>
+                  </a:txBody>
+                  <a:tcPr/>
+                </a:tc>
+                <a:tc>
+                  <a:txBody>
+                    <a:bodyPr/>
+                    <a:lstStyle/>
+                    <a:p>
+                      <a:pPr algn="ctr"/>
+                      <a:r>
+                        <a:rPr lang="en-US" sz="800" baseline="0" dirty="0"/>
+                        <a:t>Pull Rollback</a:t>
+                      </a:r>
+                    </a:p>
+                  </a:txBody>
+                  <a:tcPr/>
+                </a:tc>
+                <a:tc>
+                  <a:txBody>
+                    <a:bodyPr/>
+                    <a:lstStyle/>
+                    <a:p>
+                      <a:pPr algn="ctr"/>
+                      <a:endParaRPr lang="en-US" sz="800" baseline="0" dirty="0"/>
+                    </a:p>
+                  </a:txBody>
+                  <a:tcPr/>
+                </a:tc>
+                <a:tc>
+                  <a:txBody>
+                    <a:bodyPr/>
+                    <a:lstStyle/>
+                    <a:p>
+                      <a:pPr algn="ctr"/>
+                      <a:endParaRPr lang="en-US" sz="800" baseline="0" dirty="0"/>
+                    </a:p>
+                  </a:txBody>
+                  <a:tcPr/>
+                </a:tc>
+                <a:tc>
+                  <a:txBody>
+                    <a:bodyPr/>
+                    <a:lstStyle/>
+                    <a:p>
+                      <a:pPr algn="ctr"/>
+                      <a:endParaRPr lang="en-US" sz="800" baseline="0" dirty="0"/>
+                    </a:p>
+                  </a:txBody>
+                  <a:tcPr/>
+                </a:tc>
+                <a:tc>
+                  <a:txBody>
+                    <a:bodyPr/>
+                    <a:lstStyle/>
+                    <a:p>
+                      <a:pPr algn="ctr"/>
+                      <a:endParaRPr lang="en-US" sz="800" baseline="0" dirty="0"/>
+                    </a:p>
+                  </a:txBody>
+                  <a:tcPr/>
+                </a:tc>
+                <a:tc>
+                  <a:txBody>
+                    <a:bodyPr/>
+                    <a:lstStyle/>
+                    <a:p>
+                      <a:pPr algn="ctr"/>
+                      <a:endParaRPr lang="en-US" sz="800" baseline="0" dirty="0"/>
+                    </a:p>
+                  </a:txBody>
+                  <a:tcPr/>
+                </a:tc>
+                <a:extLst>
+                  <a:ext uri="{0D108BD9-81ED-4DB2-BD59-A6C34878D82A}">
+                    <a16:rowId xmlns:a16="http://schemas.microsoft.com/office/drawing/2014/main" val="3766264506"/>
+                  </a:ext>
+                </a:extLst>
+              </a:tr>
+              <a:tr h="220980">
+                <a:tc>
+                  <a:txBody>
+                    <a:bodyPr/>
+                    <a:lstStyle/>
+                    <a:p>
+                      <a:pPr algn="ctr"/>
+                      <a:r>
+                        <a:rPr lang="en-US" sz="800" baseline="0" dirty="0"/>
+                        <a:t>3</a:t>
+                      </a:r>
+                    </a:p>
+                  </a:txBody>
+                  <a:tcPr/>
+                </a:tc>
+                <a:tc>
+                  <a:txBody>
+                    <a:bodyPr/>
+                    <a:lstStyle/>
+                    <a:p>
+                      <a:pPr algn="ctr"/>
+                      <a:r>
+                        <a:rPr lang="en-US" sz="800" baseline="0" dirty="0"/>
+                        <a:t>0</a:t>
+                      </a:r>
+                    </a:p>
+                  </a:txBody>
+                  <a:tcPr/>
+                </a:tc>
+                <a:tc>
+                  <a:txBody>
+                    <a:bodyPr/>
+                    <a:lstStyle/>
+                    <a:p>
+                      <a:pPr algn="ctr"/>
+                      <a:r>
+                        <a:rPr lang="en-US" sz="800" baseline="0" dirty="0"/>
+                        <a:t>1</a:t>
+                      </a:r>
+                    </a:p>
+                  </a:txBody>
+                  <a:tcPr/>
+                </a:tc>
+                <a:tc>
+                  <a:txBody>
+                    <a:bodyPr/>
+                    <a:lstStyle/>
+                    <a:p>
+                      <a:pPr algn="ctr"/>
+                      <a:r>
+                        <a:rPr lang="en-US" sz="800" baseline="0" dirty="0"/>
+                        <a:t>0</a:t>
+                      </a:r>
+                    </a:p>
+                  </a:txBody>
+                  <a:tcPr/>
+                </a:tc>
+                <a:tc>
+                  <a:txBody>
+                    <a:bodyPr/>
+                    <a:lstStyle/>
+                    <a:p>
+                      <a:pPr algn="ctr"/>
+                      <a:r>
+                        <a:rPr lang="en-US" sz="800" baseline="0" dirty="0"/>
+                        <a:t>NULL</a:t>
+                      </a:r>
+                    </a:p>
+                  </a:txBody>
+                  <a:tcPr/>
+                </a:tc>
+                <a:tc>
+                  <a:txBody>
+                    <a:bodyPr/>
+                    <a:lstStyle/>
+                    <a:p>
+                      <a:pPr algn="ctr"/>
+                      <a:r>
+                        <a:rPr lang="en-US" sz="800" baseline="0" dirty="0"/>
+                        <a:t>Push Rollback</a:t>
+                      </a:r>
+                    </a:p>
+                  </a:txBody>
+                  <a:tcPr/>
+                </a:tc>
+                <a:tc>
+                  <a:txBody>
+                    <a:bodyPr/>
+                    <a:lstStyle/>
+                    <a:p>
+                      <a:pPr algn="ctr"/>
+                      <a:endParaRPr lang="en-US" sz="800" baseline="0" dirty="0"/>
+                    </a:p>
+                  </a:txBody>
+                  <a:tcPr/>
+                </a:tc>
+                <a:tc>
+                  <a:txBody>
+                    <a:bodyPr/>
+                    <a:lstStyle/>
+                    <a:p>
+                      <a:pPr algn="ctr"/>
+                      <a:endParaRPr lang="en-US" sz="800" baseline="0" dirty="0"/>
+                    </a:p>
+                  </a:txBody>
+                  <a:tcPr/>
+                </a:tc>
+                <a:tc>
+                  <a:txBody>
+                    <a:bodyPr/>
+                    <a:lstStyle/>
+                    <a:p>
+                      <a:pPr algn="ctr"/>
+                      <a:endParaRPr lang="en-US" sz="800" baseline="0" dirty="0"/>
+                    </a:p>
+                  </a:txBody>
+                  <a:tcPr/>
+                </a:tc>
+                <a:tc>
+                  <a:txBody>
+                    <a:bodyPr/>
+                    <a:lstStyle/>
+                    <a:p>
+                      <a:pPr algn="ctr"/>
+                      <a:endParaRPr lang="en-US" sz="800" baseline="0" dirty="0"/>
+                    </a:p>
+                  </a:txBody>
+                  <a:tcPr/>
+                </a:tc>
+                <a:tc>
+                  <a:txBody>
+                    <a:bodyPr/>
+                    <a:lstStyle/>
+                    <a:p>
+                      <a:pPr algn="ctr"/>
+                      <a:endParaRPr lang="en-US" sz="800" baseline="0" dirty="0"/>
+                    </a:p>
+                  </a:txBody>
+                  <a:tcPr/>
+                </a:tc>
+                <a:extLst>
+                  <a:ext uri="{0D108BD9-81ED-4DB2-BD59-A6C34878D82A}">
+                    <a16:rowId xmlns:a16="http://schemas.microsoft.com/office/drawing/2014/main" val="3618554516"/>
+                  </a:ext>
+                </a:extLst>
+              </a:tr>
+              <a:tr h="220980">
+                <a:tc>
+                  <a:txBody>
+                    <a:bodyPr/>
+                    <a:lstStyle/>
+                    <a:p>
+                      <a:pPr algn="ctr"/>
+                      <a:r>
+                        <a:rPr lang="en-US" sz="800" baseline="0" dirty="0"/>
+                        <a:t>4</a:t>
+                      </a:r>
+                    </a:p>
+                  </a:txBody>
+                  <a:tcPr/>
+                </a:tc>
+                <a:tc>
+                  <a:txBody>
+                    <a:bodyPr/>
+                    <a:lstStyle/>
+                    <a:p>
+                      <a:pPr algn="ctr"/>
+                      <a:r>
+                        <a:rPr lang="en-US" sz="800" baseline="0" dirty="0"/>
+                        <a:t>1</a:t>
+                      </a:r>
+                    </a:p>
+                  </a:txBody>
+                  <a:tcPr/>
+                </a:tc>
+                <a:tc>
+                  <a:txBody>
+                    <a:bodyPr/>
+                    <a:lstStyle/>
+                    <a:p>
+                      <a:pPr algn="ctr"/>
+                      <a:r>
+                        <a:rPr lang="en-US" sz="800" baseline="0" dirty="0"/>
+                        <a:t>1</a:t>
+                      </a:r>
+                    </a:p>
+                  </a:txBody>
+                  <a:tcPr/>
+                </a:tc>
+                <a:tc>
+                  <a:txBody>
+                    <a:bodyPr/>
+                    <a:lstStyle/>
+                    <a:p>
+                      <a:pPr algn="ctr"/>
+                      <a:r>
+                        <a:rPr lang="en-US" sz="800" baseline="0" dirty="0"/>
+                        <a:t>1</a:t>
+                      </a:r>
+                    </a:p>
+                  </a:txBody>
+                  <a:tcPr/>
+                </a:tc>
+                <a:tc>
+                  <a:txBody>
+                    <a:bodyPr/>
+                    <a:lstStyle/>
+                    <a:p>
+                      <a:pPr algn="ctr"/>
+                      <a:r>
+                        <a:rPr lang="en-US" sz="800" baseline="0" dirty="0"/>
+                        <a:t>1</a:t>
+                      </a:r>
+                    </a:p>
+                  </a:txBody>
+                  <a:tcPr/>
+                </a:tc>
+                <a:tc>
+                  <a:txBody>
+                    <a:bodyPr/>
+                    <a:lstStyle/>
+                    <a:p>
+                      <a:pPr algn="ctr"/>
+                      <a:r>
+                        <a:rPr lang="en-US" sz="800" baseline="0" dirty="0"/>
+                        <a:t>Pull</a:t>
+                      </a:r>
+                    </a:p>
+                  </a:txBody>
+                  <a:tcPr/>
+                </a:tc>
+                <a:tc>
+                  <a:txBody>
+                    <a:bodyPr/>
+                    <a:lstStyle/>
+                    <a:p>
+                      <a:pPr algn="ctr"/>
+                      <a:r>
+                        <a:rPr lang="en-US" sz="800" baseline="0" dirty="0"/>
+                        <a:t>1</a:t>
+                      </a:r>
+                    </a:p>
+                  </a:txBody>
+                  <a:tcPr/>
+                </a:tc>
+                <a:tc>
+                  <a:txBody>
+                    <a:bodyPr/>
+                    <a:lstStyle/>
+                    <a:p>
+                      <a:pPr algn="ctr"/>
+                      <a:r>
+                        <a:rPr lang="en-US" sz="800" baseline="0" dirty="0"/>
+                        <a:t>NULL</a:t>
+                      </a:r>
+                    </a:p>
+                  </a:txBody>
+                  <a:tcPr/>
+                </a:tc>
+                <a:tc>
+                  <a:txBody>
+                    <a:bodyPr/>
+                    <a:lstStyle/>
+                    <a:p>
+                      <a:pPr algn="ctr"/>
+                      <a:r>
+                        <a:rPr lang="en-US" sz="800" baseline="0" dirty="0"/>
+                        <a:t>1</a:t>
+                      </a:r>
+                    </a:p>
+                  </a:txBody>
+                  <a:tcPr/>
+                </a:tc>
+                <a:tc>
+                  <a:txBody>
+                    <a:bodyPr/>
+                    <a:lstStyle/>
+                    <a:p>
+                      <a:pPr algn="ctr"/>
+                      <a:r>
+                        <a:rPr lang="en-US" sz="800" baseline="0" dirty="0"/>
+                        <a:t>0</a:t>
+                      </a:r>
+                    </a:p>
+                  </a:txBody>
+                  <a:tcPr/>
+                </a:tc>
+                <a:tc>
+                  <a:txBody>
+                    <a:bodyPr/>
+                    <a:lstStyle/>
+                    <a:p>
+                      <a:pPr algn="ctr"/>
+                      <a:endParaRPr lang="en-US" sz="800" baseline="0" dirty="0"/>
+                    </a:p>
+                  </a:txBody>
+                  <a:tcPr/>
+                </a:tc>
+                <a:extLst>
+                  <a:ext uri="{0D108BD9-81ED-4DB2-BD59-A6C34878D82A}">
+                    <a16:rowId xmlns:a16="http://schemas.microsoft.com/office/drawing/2014/main" val="2884667343"/>
+                  </a:ext>
+                </a:extLst>
+              </a:tr>
+              <a:tr h="220980">
+                <a:tc>
+                  <a:txBody>
+                    <a:bodyPr/>
+                    <a:lstStyle/>
+                    <a:p>
+                      <a:pPr algn="ctr"/>
+                      <a:r>
+                        <a:rPr lang="en-US" sz="800" baseline="0" dirty="0"/>
+                        <a:t>4</a:t>
+                      </a:r>
+                    </a:p>
+                  </a:txBody>
+                  <a:tcPr/>
+                </a:tc>
+                <a:tc>
+                  <a:txBody>
+                    <a:bodyPr/>
+                    <a:lstStyle/>
+                    <a:p>
+                      <a:pPr algn="ctr"/>
+                      <a:r>
+                        <a:rPr lang="en-US" sz="800" baseline="0" dirty="0"/>
+                        <a:t>1</a:t>
+                      </a:r>
+                    </a:p>
+                  </a:txBody>
+                  <a:tcPr/>
+                </a:tc>
+                <a:tc>
+                  <a:txBody>
+                    <a:bodyPr/>
+                    <a:lstStyle/>
+                    <a:p>
+                      <a:pPr algn="ctr"/>
+                      <a:r>
+                        <a:rPr lang="en-US" sz="800" baseline="0" dirty="0"/>
+                        <a:t>1</a:t>
+                      </a:r>
+                    </a:p>
+                  </a:txBody>
+                  <a:tcPr/>
+                </a:tc>
+                <a:tc>
+                  <a:txBody>
+                    <a:bodyPr/>
+                    <a:lstStyle/>
+                    <a:p>
+                      <a:pPr algn="ctr"/>
+                      <a:r>
+                        <a:rPr lang="en-US" sz="800" baseline="0" dirty="0"/>
+                        <a:t>1</a:t>
+                      </a:r>
+                    </a:p>
+                  </a:txBody>
+                  <a:tcPr/>
+                </a:tc>
+                <a:tc>
+                  <a:txBody>
+                    <a:bodyPr/>
+                    <a:lstStyle/>
+                    <a:p>
+                      <a:pPr algn="ctr"/>
+                      <a:r>
+                        <a:rPr lang="en-US" sz="800" baseline="0" dirty="0"/>
+                        <a:t>1</a:t>
+                      </a:r>
+                    </a:p>
+                  </a:txBody>
+                  <a:tcPr/>
+                </a:tc>
+                <a:tc>
+                  <a:txBody>
+                    <a:bodyPr/>
+                    <a:lstStyle/>
+                    <a:p>
+                      <a:pPr algn="ctr"/>
+                      <a:r>
+                        <a:rPr lang="en-US" sz="800" baseline="0" dirty="0"/>
+                        <a:t>Push</a:t>
+                      </a:r>
+                    </a:p>
+                  </a:txBody>
+                  <a:tcPr/>
+                </a:tc>
+                <a:tc>
+                  <a:txBody>
+                    <a:bodyPr/>
+                    <a:lstStyle/>
+                    <a:p>
+                      <a:pPr algn="ctr"/>
+                      <a:r>
+                        <a:rPr lang="en-US" sz="800" baseline="0" dirty="0"/>
+                        <a:t>0</a:t>
+                      </a:r>
+                    </a:p>
+                  </a:txBody>
+                  <a:tcPr/>
+                </a:tc>
+                <a:tc>
+                  <a:txBody>
+                    <a:bodyPr/>
+                    <a:lstStyle/>
+                    <a:p>
+                      <a:pPr algn="ctr"/>
+                      <a:r>
+                        <a:rPr lang="en-US" sz="800" baseline="0" dirty="0"/>
+                        <a:t>1</a:t>
+                      </a:r>
+                    </a:p>
+                  </a:txBody>
+                  <a:tcPr/>
+                </a:tc>
+                <a:tc>
+                  <a:txBody>
+                    <a:bodyPr/>
+                    <a:lstStyle/>
+                    <a:p>
+                      <a:pPr algn="ctr"/>
+                      <a:r>
+                        <a:rPr lang="en-US" sz="800" baseline="0" dirty="0"/>
+                        <a:t>0</a:t>
+                      </a:r>
+                    </a:p>
+                  </a:txBody>
+                  <a:tcPr/>
+                </a:tc>
+                <a:tc>
+                  <a:txBody>
+                    <a:bodyPr/>
+                    <a:lstStyle/>
+                    <a:p>
+                      <a:pPr algn="ctr"/>
+                      <a:r>
+                        <a:rPr lang="en-US" sz="800" baseline="0" dirty="0"/>
+                        <a:t>NULL</a:t>
+                      </a:r>
+                    </a:p>
+                  </a:txBody>
+                  <a:tcPr/>
+                </a:tc>
+                <a:tc>
+                  <a:txBody>
+                    <a:bodyPr/>
+                    <a:lstStyle/>
+                    <a:p>
+                      <a:pPr algn="ctr"/>
+                      <a:endParaRPr lang="en-US" sz="800" baseline="0" dirty="0"/>
+                    </a:p>
+                  </a:txBody>
+                  <a:tcPr/>
+                </a:tc>
+                <a:extLst>
+                  <a:ext uri="{0D108BD9-81ED-4DB2-BD59-A6C34878D82A}">
+                    <a16:rowId xmlns:a16="http://schemas.microsoft.com/office/drawing/2014/main" val="4072044331"/>
+                  </a:ext>
+                </a:extLst>
+              </a:tr>
+              <a:tr h="198120">
+                <a:tc>
+                  <a:txBody>
+                    <a:bodyPr/>
+                    <a:lstStyle/>
+                    <a:p>
+                      <a:pPr algn="ctr"/>
+                      <a:r>
+                        <a:rPr lang="en-US" sz="800" baseline="0" dirty="0"/>
+                        <a:t>4</a:t>
+                      </a:r>
+                    </a:p>
+                  </a:txBody>
+                  <a:tcPr/>
+                </a:tc>
+                <a:tc>
+                  <a:txBody>
+                    <a:bodyPr/>
+                    <a:lstStyle/>
+                    <a:p>
+                      <a:pPr algn="ctr"/>
+                      <a:r>
+                        <a:rPr lang="en-US" sz="800" baseline="0" dirty="0"/>
+                        <a:t>1</a:t>
+                      </a:r>
+                    </a:p>
+                  </a:txBody>
+                  <a:tcPr/>
+                </a:tc>
+                <a:tc>
+                  <a:txBody>
+                    <a:bodyPr/>
+                    <a:lstStyle/>
+                    <a:p>
+                      <a:pPr algn="ctr"/>
+                      <a:r>
+                        <a:rPr lang="en-US" sz="800" baseline="0" dirty="0"/>
+                        <a:t>1</a:t>
+                      </a:r>
+                    </a:p>
+                  </a:txBody>
+                  <a:tcPr/>
+                </a:tc>
+                <a:tc>
+                  <a:txBody>
+                    <a:bodyPr/>
+                    <a:lstStyle/>
+                    <a:p>
+                      <a:pPr algn="ctr"/>
+                      <a:r>
+                        <a:rPr lang="en-US" sz="800" baseline="0" dirty="0"/>
+                        <a:t>1</a:t>
+                      </a:r>
+                    </a:p>
+                  </a:txBody>
+                  <a:tcPr/>
+                </a:tc>
+                <a:tc>
+                  <a:txBody>
+                    <a:bodyPr/>
+                    <a:lstStyle/>
+                    <a:p>
+                      <a:pPr algn="ctr"/>
+                      <a:r>
+                        <a:rPr lang="en-US" sz="800" baseline="0" dirty="0"/>
+                        <a:t>1</a:t>
+                      </a:r>
+                    </a:p>
+                  </a:txBody>
+                  <a:tcPr/>
+                </a:tc>
+                <a:tc>
+                  <a:txBody>
+                    <a:bodyPr/>
+                    <a:lstStyle/>
+                    <a:p>
+                      <a:pPr algn="ctr"/>
+                      <a:r>
+                        <a:rPr lang="en-US" sz="800" baseline="0" dirty="0"/>
+                        <a:t>Pull Rollback</a:t>
+                      </a:r>
+                    </a:p>
+                  </a:txBody>
+                  <a:tcPr/>
+                </a:tc>
+                <a:tc>
+                  <a:txBody>
+                    <a:bodyPr/>
+                    <a:lstStyle/>
+                    <a:p>
+                      <a:pPr algn="ctr"/>
+                      <a:r>
+                        <a:rPr lang="en-US" sz="800" baseline="0" dirty="0"/>
+                        <a:t>1</a:t>
+                      </a:r>
+                    </a:p>
+                  </a:txBody>
+                  <a:tcPr/>
+                </a:tc>
+                <a:tc>
+                  <a:txBody>
+                    <a:bodyPr/>
+                    <a:lstStyle/>
+                    <a:p>
+                      <a:pPr algn="ctr"/>
+                      <a:r>
+                        <a:rPr lang="en-US" sz="800" baseline="0" dirty="0"/>
+                        <a:t>NULL</a:t>
+                      </a:r>
+                    </a:p>
+                  </a:txBody>
+                  <a:tcPr/>
+                </a:tc>
+                <a:tc>
+                  <a:txBody>
+                    <a:bodyPr/>
+                    <a:lstStyle/>
+                    <a:p>
+                      <a:pPr algn="ctr"/>
+                      <a:r>
+                        <a:rPr lang="en-US" sz="800" baseline="0" dirty="0"/>
+                        <a:t>0</a:t>
+                      </a:r>
+                    </a:p>
+                  </a:txBody>
+                  <a:tcPr/>
+                </a:tc>
+                <a:tc>
+                  <a:txBody>
+                    <a:bodyPr/>
+                    <a:lstStyle/>
+                    <a:p>
+                      <a:pPr algn="ctr"/>
+                      <a:r>
+                        <a:rPr lang="en-US" sz="800" baseline="0" dirty="0"/>
+                        <a:t>NULL</a:t>
+                      </a:r>
+                    </a:p>
+                  </a:txBody>
+                  <a:tcPr/>
+                </a:tc>
+                <a:tc>
+                  <a:txBody>
+                    <a:bodyPr/>
+                    <a:lstStyle/>
+                    <a:p>
+                      <a:pPr algn="ctr"/>
+                      <a:r>
+                        <a:rPr lang="en-US" sz="800" baseline="0" dirty="0"/>
+                        <a:t>No change</a:t>
+                      </a:r>
+                    </a:p>
+                  </a:txBody>
+                  <a:tcPr/>
+                </a:tc>
+                <a:extLst>
+                  <a:ext uri="{0D108BD9-81ED-4DB2-BD59-A6C34878D82A}">
+                    <a16:rowId xmlns:a16="http://schemas.microsoft.com/office/drawing/2014/main" val="2729172365"/>
+                  </a:ext>
+                </a:extLst>
+              </a:tr>
+              <a:tr h="213360">
+                <a:tc>
+                  <a:txBody>
+                    <a:bodyPr/>
+                    <a:lstStyle/>
+                    <a:p>
+                      <a:pPr algn="ctr"/>
+                      <a:r>
+                        <a:rPr lang="en-US" sz="800" baseline="0" dirty="0"/>
+                        <a:t>4</a:t>
+                      </a:r>
+                    </a:p>
+                  </a:txBody>
+                  <a:tcPr/>
+                </a:tc>
+                <a:tc>
+                  <a:txBody>
+                    <a:bodyPr/>
+                    <a:lstStyle/>
+                    <a:p>
+                      <a:pPr algn="ctr"/>
+                      <a:r>
+                        <a:rPr lang="en-US" sz="800" baseline="0" dirty="0"/>
+                        <a:t>1</a:t>
+                      </a:r>
+                    </a:p>
+                  </a:txBody>
+                  <a:tcPr/>
+                </a:tc>
+                <a:tc>
+                  <a:txBody>
+                    <a:bodyPr/>
+                    <a:lstStyle/>
+                    <a:p>
+                      <a:pPr algn="ctr"/>
+                      <a:r>
+                        <a:rPr lang="en-US" sz="800" baseline="0" dirty="0"/>
+                        <a:t>1</a:t>
+                      </a:r>
+                    </a:p>
+                  </a:txBody>
+                  <a:tcPr/>
+                </a:tc>
+                <a:tc>
+                  <a:txBody>
+                    <a:bodyPr/>
+                    <a:lstStyle/>
+                    <a:p>
+                      <a:pPr algn="ctr"/>
+                      <a:r>
+                        <a:rPr lang="en-US" sz="800" baseline="0" dirty="0"/>
+                        <a:t>1</a:t>
+                      </a:r>
+                    </a:p>
+                  </a:txBody>
+                  <a:tcPr/>
+                </a:tc>
+                <a:tc>
+                  <a:txBody>
+                    <a:bodyPr/>
+                    <a:lstStyle/>
+                    <a:p>
+                      <a:pPr algn="ctr"/>
+                      <a:r>
+                        <a:rPr lang="en-US" sz="800" baseline="0" dirty="0"/>
+                        <a:t>1</a:t>
+                      </a:r>
+                    </a:p>
+                  </a:txBody>
+                  <a:tcPr/>
+                </a:tc>
+                <a:tc>
+                  <a:txBody>
+                    <a:bodyPr/>
+                    <a:lstStyle/>
+                    <a:p>
+                      <a:pPr algn="ctr"/>
+                      <a:r>
+                        <a:rPr lang="en-US" sz="800" baseline="0" dirty="0"/>
+                        <a:t>Push Rollback</a:t>
+                      </a:r>
+                    </a:p>
+                  </a:txBody>
+                  <a:tcPr/>
+                </a:tc>
+                <a:tc>
+                  <a:txBody>
+                    <a:bodyPr/>
+                    <a:lstStyle/>
+                    <a:p>
+                      <a:pPr algn="ctr"/>
+                      <a:r>
+                        <a:rPr lang="en-US" sz="800" baseline="0" dirty="0"/>
+                        <a:t>1</a:t>
+                      </a:r>
+                    </a:p>
+                  </a:txBody>
+                  <a:tcPr/>
+                </a:tc>
+                <a:tc>
+                  <a:txBody>
+                    <a:bodyPr/>
+                    <a:lstStyle/>
+                    <a:p>
+                      <a:pPr algn="ctr"/>
+                      <a:r>
+                        <a:rPr lang="en-US" sz="800" baseline="0" dirty="0"/>
+                        <a:t>NULL</a:t>
+                      </a:r>
+                    </a:p>
+                  </a:txBody>
+                  <a:tcPr/>
+                </a:tc>
+                <a:tc>
+                  <a:txBody>
+                    <a:bodyPr/>
+                    <a:lstStyle/>
+                    <a:p>
+                      <a:pPr algn="ctr"/>
+                      <a:r>
+                        <a:rPr lang="en-US" sz="800" baseline="0" dirty="0"/>
+                        <a:t>0</a:t>
+                      </a:r>
+                    </a:p>
+                  </a:txBody>
+                  <a:tcPr/>
+                </a:tc>
+                <a:tc>
+                  <a:txBody>
+                    <a:bodyPr/>
+                    <a:lstStyle/>
+                    <a:p>
+                      <a:pPr algn="ctr"/>
+                      <a:r>
+                        <a:rPr lang="en-US" sz="800" baseline="0" dirty="0"/>
+                        <a:t>NULL</a:t>
+                      </a:r>
+                    </a:p>
+                  </a:txBody>
+                  <a:tcPr/>
+                </a:tc>
+                <a:tc>
+                  <a:txBody>
+                    <a:bodyPr/>
+                    <a:lstStyle/>
+                    <a:p>
+                      <a:pPr algn="ctr"/>
+                      <a:r>
+                        <a:rPr lang="en-US" sz="800" baseline="0" dirty="0"/>
+                        <a:t>No change</a:t>
+                      </a:r>
+                    </a:p>
+                  </a:txBody>
+                  <a:tcPr/>
+                </a:tc>
+                <a:extLst>
+                  <a:ext uri="{0D108BD9-81ED-4DB2-BD59-A6C34878D82A}">
+                    <a16:rowId xmlns:a16="http://schemas.microsoft.com/office/drawing/2014/main" val="1417858385"/>
+                  </a:ext>
+                </a:extLst>
+              </a:tr>
+              <a:tr h="213360">
+                <a:tc>
+                  <a:txBody>
+                    <a:bodyPr/>
+                    <a:lstStyle/>
+                    <a:p>
+                      <a:pPr algn="ctr"/>
+                      <a:r>
+                        <a:rPr lang="en-US" sz="800" baseline="0" dirty="0"/>
+                        <a:t>5</a:t>
+                      </a:r>
+                    </a:p>
+                  </a:txBody>
+                  <a:tcPr/>
+                </a:tc>
+                <a:tc>
+                  <a:txBody>
+                    <a:bodyPr/>
+                    <a:lstStyle/>
+                    <a:p>
+                      <a:pPr algn="ctr"/>
+                      <a:r>
+                        <a:rPr lang="en-US" sz="800" baseline="0" dirty="0"/>
+                        <a:t>0</a:t>
+                      </a:r>
+                    </a:p>
+                  </a:txBody>
+                  <a:tcPr/>
+                </a:tc>
+                <a:tc>
+                  <a:txBody>
+                    <a:bodyPr/>
+                    <a:lstStyle/>
+                    <a:p>
+                      <a:pPr algn="ctr"/>
+                      <a:r>
+                        <a:rPr lang="en-US" sz="800" baseline="0" dirty="0"/>
+                        <a:t>1</a:t>
+                      </a:r>
+                    </a:p>
+                  </a:txBody>
+                  <a:tcPr/>
+                </a:tc>
+                <a:tc>
+                  <a:txBody>
+                    <a:bodyPr/>
+                    <a:lstStyle/>
+                    <a:p>
+                      <a:pPr algn="ctr"/>
+                      <a:r>
+                        <a:rPr lang="en-US" sz="800" baseline="0" dirty="0"/>
+                        <a:t>0</a:t>
+                      </a:r>
+                    </a:p>
+                  </a:txBody>
+                  <a:tcPr/>
+                </a:tc>
+                <a:tc>
+                  <a:txBody>
+                    <a:bodyPr/>
+                    <a:lstStyle/>
+                    <a:p>
+                      <a:pPr algn="ctr"/>
+                      <a:r>
+                        <a:rPr lang="en-US" sz="800" baseline="0" dirty="0"/>
+                        <a:t>0</a:t>
+                      </a:r>
+                    </a:p>
+                  </a:txBody>
+                  <a:tcPr/>
+                </a:tc>
+                <a:tc>
+                  <a:txBody>
+                    <a:bodyPr/>
+                    <a:lstStyle/>
+                    <a:p>
+                      <a:pPr algn="ctr"/>
+                      <a:r>
+                        <a:rPr lang="en-US" sz="800" baseline="0" dirty="0"/>
+                        <a:t>Pull</a:t>
+                      </a:r>
+                    </a:p>
+                  </a:txBody>
+                  <a:tcPr/>
+                </a:tc>
+                <a:tc>
+                  <a:txBody>
+                    <a:bodyPr/>
+                    <a:lstStyle/>
+                    <a:p>
+                      <a:pPr algn="ctr"/>
+                      <a:endParaRPr lang="en-US" sz="800" baseline="0" dirty="0"/>
+                    </a:p>
+                  </a:txBody>
+                  <a:tcPr/>
+                </a:tc>
+                <a:tc>
+                  <a:txBody>
+                    <a:bodyPr/>
+                    <a:lstStyle/>
+                    <a:p>
+                      <a:pPr algn="ctr"/>
+                      <a:endParaRPr lang="en-US" sz="800" baseline="0" dirty="0"/>
+                    </a:p>
+                  </a:txBody>
+                  <a:tcPr/>
+                </a:tc>
+                <a:tc>
+                  <a:txBody>
+                    <a:bodyPr/>
+                    <a:lstStyle/>
+                    <a:p>
+                      <a:pPr algn="ctr"/>
+                      <a:endParaRPr lang="en-US" sz="800" baseline="0" dirty="0"/>
+                    </a:p>
+                  </a:txBody>
+                  <a:tcPr/>
+                </a:tc>
+                <a:tc>
+                  <a:txBody>
+                    <a:bodyPr/>
+                    <a:lstStyle/>
+                    <a:p>
+                      <a:pPr algn="ctr"/>
+                      <a:endParaRPr lang="en-US" sz="800" baseline="0" dirty="0"/>
+                    </a:p>
+                  </a:txBody>
+                  <a:tcPr/>
+                </a:tc>
+                <a:tc>
+                  <a:txBody>
+                    <a:bodyPr/>
+                    <a:lstStyle/>
+                    <a:p>
+                      <a:pPr algn="ctr"/>
+                      <a:endParaRPr lang="en-US" sz="800" baseline="0" dirty="0"/>
+                    </a:p>
+                  </a:txBody>
+                  <a:tcPr/>
+                </a:tc>
+                <a:extLst>
+                  <a:ext uri="{0D108BD9-81ED-4DB2-BD59-A6C34878D82A}">
+                    <a16:rowId xmlns:a16="http://schemas.microsoft.com/office/drawing/2014/main" val="2622505823"/>
+                  </a:ext>
+                </a:extLst>
+              </a:tr>
+              <a:tr h="213360">
+                <a:tc>
+                  <a:txBody>
+                    <a:bodyPr/>
+                    <a:lstStyle/>
+                    <a:p>
+                      <a:pPr algn="ctr"/>
+                      <a:r>
+                        <a:rPr lang="en-US" sz="800" baseline="0" dirty="0"/>
+                        <a:t>5</a:t>
+                      </a:r>
+                    </a:p>
+                  </a:txBody>
+                  <a:tcPr/>
+                </a:tc>
+                <a:tc>
+                  <a:txBody>
+                    <a:bodyPr/>
+                    <a:lstStyle/>
+                    <a:p>
+                      <a:pPr algn="ctr"/>
+                      <a:r>
+                        <a:rPr lang="en-US" sz="800" baseline="0" dirty="0"/>
+                        <a:t>0</a:t>
+                      </a:r>
+                    </a:p>
+                  </a:txBody>
+                  <a:tcPr/>
+                </a:tc>
+                <a:tc>
+                  <a:txBody>
+                    <a:bodyPr/>
+                    <a:lstStyle/>
+                    <a:p>
+                      <a:pPr algn="ctr"/>
+                      <a:r>
+                        <a:rPr lang="en-US" sz="800" baseline="0" dirty="0"/>
+                        <a:t>1</a:t>
+                      </a:r>
+                    </a:p>
+                  </a:txBody>
+                  <a:tcPr/>
+                </a:tc>
+                <a:tc>
+                  <a:txBody>
+                    <a:bodyPr/>
+                    <a:lstStyle/>
+                    <a:p>
+                      <a:pPr algn="ctr"/>
+                      <a:r>
+                        <a:rPr lang="en-US" sz="800" baseline="0" dirty="0"/>
+                        <a:t>0</a:t>
+                      </a:r>
+                    </a:p>
+                  </a:txBody>
+                  <a:tcPr/>
+                </a:tc>
+                <a:tc>
+                  <a:txBody>
+                    <a:bodyPr/>
+                    <a:lstStyle/>
+                    <a:p>
+                      <a:pPr algn="ctr"/>
+                      <a:r>
+                        <a:rPr lang="en-US" sz="800" baseline="0" dirty="0"/>
+                        <a:t>0</a:t>
+                      </a:r>
+                    </a:p>
+                  </a:txBody>
+                  <a:tcPr/>
+                </a:tc>
+                <a:tc>
+                  <a:txBody>
+                    <a:bodyPr/>
+                    <a:lstStyle/>
+                    <a:p>
+                      <a:pPr algn="ctr"/>
+                      <a:r>
+                        <a:rPr lang="en-US" sz="800" baseline="0" dirty="0"/>
+                        <a:t>Push</a:t>
+                      </a:r>
+                    </a:p>
+                  </a:txBody>
+                  <a:tcPr/>
+                </a:tc>
+                <a:tc>
+                  <a:txBody>
+                    <a:bodyPr/>
+                    <a:lstStyle/>
+                    <a:p>
+                      <a:pPr algn="ctr"/>
+                      <a:endParaRPr lang="en-US" sz="800" baseline="0" dirty="0"/>
+                    </a:p>
+                  </a:txBody>
+                  <a:tcPr/>
+                </a:tc>
+                <a:tc>
+                  <a:txBody>
+                    <a:bodyPr/>
+                    <a:lstStyle/>
+                    <a:p>
+                      <a:pPr algn="ctr"/>
+                      <a:endParaRPr lang="en-US" sz="800" baseline="0" dirty="0"/>
+                    </a:p>
+                  </a:txBody>
+                  <a:tcPr/>
+                </a:tc>
+                <a:tc>
+                  <a:txBody>
+                    <a:bodyPr/>
+                    <a:lstStyle/>
+                    <a:p>
+                      <a:pPr algn="ctr"/>
+                      <a:endParaRPr lang="en-US" sz="800" baseline="0" dirty="0"/>
+                    </a:p>
+                  </a:txBody>
+                  <a:tcPr/>
+                </a:tc>
+                <a:tc>
+                  <a:txBody>
+                    <a:bodyPr/>
+                    <a:lstStyle/>
+                    <a:p>
+                      <a:pPr algn="ctr"/>
+                      <a:endParaRPr lang="en-US" sz="800" baseline="0" dirty="0"/>
+                    </a:p>
+                  </a:txBody>
+                  <a:tcPr/>
+                </a:tc>
+                <a:tc>
+                  <a:txBody>
+                    <a:bodyPr/>
+                    <a:lstStyle/>
+                    <a:p>
+                      <a:pPr algn="ctr"/>
+                      <a:endParaRPr lang="en-US" sz="800" baseline="0" dirty="0"/>
+                    </a:p>
+                  </a:txBody>
+                  <a:tcPr/>
+                </a:tc>
+                <a:extLst>
+                  <a:ext uri="{0D108BD9-81ED-4DB2-BD59-A6C34878D82A}">
+                    <a16:rowId xmlns:a16="http://schemas.microsoft.com/office/drawing/2014/main" val="1282483170"/>
+                  </a:ext>
+                </a:extLst>
+              </a:tr>
+              <a:tr h="213360">
+                <a:tc>
+                  <a:txBody>
+                    <a:bodyPr/>
+                    <a:lstStyle/>
+                    <a:p>
+                      <a:pPr algn="ctr"/>
+                      <a:r>
+                        <a:rPr lang="en-US" sz="800" baseline="0" dirty="0"/>
+                        <a:t>5</a:t>
+                      </a:r>
+                    </a:p>
+                  </a:txBody>
+                  <a:tcPr/>
+                </a:tc>
+                <a:tc>
+                  <a:txBody>
+                    <a:bodyPr/>
+                    <a:lstStyle/>
+                    <a:p>
+                      <a:pPr algn="ctr"/>
+                      <a:r>
+                        <a:rPr lang="en-US" sz="800" baseline="0" dirty="0"/>
+                        <a:t>0</a:t>
+                      </a:r>
+                    </a:p>
+                  </a:txBody>
+                  <a:tcPr/>
+                </a:tc>
+                <a:tc>
+                  <a:txBody>
+                    <a:bodyPr/>
+                    <a:lstStyle/>
+                    <a:p>
+                      <a:pPr algn="ctr"/>
+                      <a:r>
+                        <a:rPr lang="en-US" sz="800" baseline="0" dirty="0"/>
+                        <a:t>1</a:t>
+                      </a:r>
+                    </a:p>
+                  </a:txBody>
+                  <a:tcPr/>
+                </a:tc>
+                <a:tc>
+                  <a:txBody>
+                    <a:bodyPr/>
+                    <a:lstStyle/>
+                    <a:p>
+                      <a:pPr algn="ctr"/>
+                      <a:r>
+                        <a:rPr lang="en-US" sz="800" baseline="0" dirty="0"/>
+                        <a:t>0</a:t>
+                      </a:r>
+                    </a:p>
+                  </a:txBody>
+                  <a:tcPr/>
+                </a:tc>
+                <a:tc>
+                  <a:txBody>
+                    <a:bodyPr/>
+                    <a:lstStyle/>
+                    <a:p>
+                      <a:pPr algn="ctr"/>
+                      <a:r>
+                        <a:rPr lang="en-US" sz="800" baseline="0" dirty="0"/>
+                        <a:t>0</a:t>
+                      </a:r>
+                    </a:p>
+                  </a:txBody>
+                  <a:tcPr/>
+                </a:tc>
+                <a:tc>
+                  <a:txBody>
+                    <a:bodyPr/>
+                    <a:lstStyle/>
+                    <a:p>
+                      <a:pPr algn="ctr"/>
+                      <a:r>
+                        <a:rPr lang="en-US" sz="800" baseline="0" dirty="0"/>
+                        <a:t>Pull Rollback</a:t>
+                      </a:r>
+                    </a:p>
+                  </a:txBody>
+                  <a:tcPr/>
+                </a:tc>
+                <a:tc>
+                  <a:txBody>
+                    <a:bodyPr/>
+                    <a:lstStyle/>
+                    <a:p>
+                      <a:pPr algn="ctr"/>
+                      <a:endParaRPr lang="en-US" sz="800" baseline="0" dirty="0"/>
+                    </a:p>
+                  </a:txBody>
+                  <a:tcPr/>
+                </a:tc>
+                <a:tc>
+                  <a:txBody>
+                    <a:bodyPr/>
+                    <a:lstStyle/>
+                    <a:p>
+                      <a:pPr algn="ctr"/>
+                      <a:endParaRPr lang="en-US" sz="800" baseline="0" dirty="0"/>
+                    </a:p>
+                  </a:txBody>
+                  <a:tcPr/>
+                </a:tc>
+                <a:tc>
+                  <a:txBody>
+                    <a:bodyPr/>
+                    <a:lstStyle/>
+                    <a:p>
+                      <a:pPr algn="ctr"/>
+                      <a:endParaRPr lang="en-US" sz="800" baseline="0" dirty="0"/>
+                    </a:p>
+                  </a:txBody>
+                  <a:tcPr/>
+                </a:tc>
+                <a:tc>
+                  <a:txBody>
+                    <a:bodyPr/>
+                    <a:lstStyle/>
+                    <a:p>
+                      <a:pPr algn="ctr"/>
+                      <a:endParaRPr lang="en-US" sz="800" baseline="0" dirty="0"/>
+                    </a:p>
+                  </a:txBody>
+                  <a:tcPr/>
+                </a:tc>
+                <a:tc>
+                  <a:txBody>
+                    <a:bodyPr/>
+                    <a:lstStyle/>
+                    <a:p>
+                      <a:pPr algn="ctr"/>
+                      <a:endParaRPr lang="en-US" sz="800" baseline="0" dirty="0"/>
+                    </a:p>
+                  </a:txBody>
+                  <a:tcPr/>
+                </a:tc>
+                <a:extLst>
+                  <a:ext uri="{0D108BD9-81ED-4DB2-BD59-A6C34878D82A}">
+                    <a16:rowId xmlns:a16="http://schemas.microsoft.com/office/drawing/2014/main" val="361699679"/>
+                  </a:ext>
+                </a:extLst>
+              </a:tr>
+              <a:tr h="213360">
+                <a:tc>
+                  <a:txBody>
+                    <a:bodyPr/>
+                    <a:lstStyle/>
+                    <a:p>
+                      <a:pPr algn="ctr"/>
+                      <a:r>
+                        <a:rPr lang="en-US" sz="800" baseline="0" dirty="0"/>
+                        <a:t>5</a:t>
+                      </a:r>
+                    </a:p>
+                  </a:txBody>
+                  <a:tcPr/>
+                </a:tc>
+                <a:tc>
+                  <a:txBody>
+                    <a:bodyPr/>
+                    <a:lstStyle/>
+                    <a:p>
+                      <a:pPr algn="ctr"/>
+                      <a:r>
+                        <a:rPr lang="en-US" sz="800" baseline="0" dirty="0"/>
+                        <a:t>0</a:t>
+                      </a:r>
+                    </a:p>
+                  </a:txBody>
+                  <a:tcPr/>
+                </a:tc>
+                <a:tc>
+                  <a:txBody>
+                    <a:bodyPr/>
+                    <a:lstStyle/>
+                    <a:p>
+                      <a:pPr algn="ctr"/>
+                      <a:r>
+                        <a:rPr lang="en-US" sz="800" baseline="0" dirty="0"/>
+                        <a:t>1</a:t>
+                      </a:r>
+                    </a:p>
+                  </a:txBody>
+                  <a:tcPr/>
+                </a:tc>
+                <a:tc>
+                  <a:txBody>
+                    <a:bodyPr/>
+                    <a:lstStyle/>
+                    <a:p>
+                      <a:pPr algn="ctr"/>
+                      <a:r>
+                        <a:rPr lang="en-US" sz="800" baseline="0" dirty="0"/>
+                        <a:t>0</a:t>
+                      </a:r>
+                    </a:p>
+                  </a:txBody>
+                  <a:tcPr/>
+                </a:tc>
+                <a:tc>
+                  <a:txBody>
+                    <a:bodyPr/>
+                    <a:lstStyle/>
+                    <a:p>
+                      <a:pPr algn="ctr"/>
+                      <a:r>
+                        <a:rPr lang="en-US" sz="800" baseline="0" dirty="0"/>
+                        <a:t>0</a:t>
+                      </a:r>
+                    </a:p>
+                  </a:txBody>
+                  <a:tcPr/>
+                </a:tc>
+                <a:tc>
+                  <a:txBody>
+                    <a:bodyPr/>
+                    <a:lstStyle/>
+                    <a:p>
+                      <a:pPr algn="ctr"/>
+                      <a:r>
+                        <a:rPr lang="en-US" sz="800" baseline="0" dirty="0"/>
+                        <a:t>Push Rollback</a:t>
+                      </a:r>
+                    </a:p>
+                  </a:txBody>
+                  <a:tcPr/>
+                </a:tc>
+                <a:tc>
+                  <a:txBody>
+                    <a:bodyPr/>
+                    <a:lstStyle/>
+                    <a:p>
+                      <a:pPr algn="ctr"/>
+                      <a:endParaRPr lang="en-US" sz="800" baseline="0" dirty="0"/>
+                    </a:p>
+                  </a:txBody>
+                  <a:tcPr/>
+                </a:tc>
+                <a:tc>
+                  <a:txBody>
+                    <a:bodyPr/>
+                    <a:lstStyle/>
+                    <a:p>
+                      <a:pPr algn="ctr"/>
+                      <a:endParaRPr lang="en-US" sz="800" baseline="0" dirty="0"/>
+                    </a:p>
+                  </a:txBody>
+                  <a:tcPr/>
+                </a:tc>
+                <a:tc>
+                  <a:txBody>
+                    <a:bodyPr/>
+                    <a:lstStyle/>
+                    <a:p>
+                      <a:pPr algn="ctr"/>
+                      <a:endParaRPr lang="en-US" sz="800" baseline="0" dirty="0"/>
+                    </a:p>
+                  </a:txBody>
+                  <a:tcPr/>
+                </a:tc>
+                <a:tc>
+                  <a:txBody>
+                    <a:bodyPr/>
+                    <a:lstStyle/>
+                    <a:p>
+                      <a:pPr algn="ctr"/>
+                      <a:endParaRPr lang="en-US" sz="800" baseline="0" dirty="0"/>
+                    </a:p>
+                  </a:txBody>
+                  <a:tcPr/>
+                </a:tc>
+                <a:tc>
+                  <a:txBody>
+                    <a:bodyPr/>
+                    <a:lstStyle/>
+                    <a:p>
+                      <a:pPr algn="ctr"/>
+                      <a:endParaRPr lang="en-US" sz="800" baseline="0" dirty="0"/>
+                    </a:p>
+                  </a:txBody>
+                  <a:tcPr/>
+                </a:tc>
+                <a:extLst>
+                  <a:ext uri="{0D108BD9-81ED-4DB2-BD59-A6C34878D82A}">
+                    <a16:rowId xmlns:a16="http://schemas.microsoft.com/office/drawing/2014/main" val="1592249411"/>
+                  </a:ext>
+                </a:extLst>
+              </a:tr>
+              <a:tr h="213360">
+                <a:tc>
+                  <a:txBody>
+                    <a:bodyPr/>
+                    <a:lstStyle/>
+                    <a:p>
+                      <a:pPr algn="ctr"/>
+                      <a:r>
+                        <a:rPr lang="en-US" sz="800" baseline="0" dirty="0"/>
+                        <a:t>0</a:t>
+                      </a:r>
+                    </a:p>
+                  </a:txBody>
+                  <a:tcPr/>
+                </a:tc>
+                <a:tc>
+                  <a:txBody>
+                    <a:bodyPr/>
+                    <a:lstStyle/>
+                    <a:p>
+                      <a:pPr algn="ctr"/>
+                      <a:r>
+                        <a:rPr lang="en-US" sz="800" baseline="0" dirty="0"/>
+                        <a:t>0</a:t>
+                      </a:r>
+                    </a:p>
+                  </a:txBody>
+                  <a:tcPr/>
+                </a:tc>
+                <a:tc>
+                  <a:txBody>
+                    <a:bodyPr/>
+                    <a:lstStyle/>
+                    <a:p>
+                      <a:pPr algn="ctr"/>
+                      <a:r>
+                        <a:rPr lang="en-US" sz="800" baseline="0" dirty="0"/>
+                        <a:t>0</a:t>
+                      </a:r>
+                    </a:p>
+                  </a:txBody>
+                  <a:tcPr/>
+                </a:tc>
+                <a:tc>
+                  <a:txBody>
+                    <a:bodyPr/>
+                    <a:lstStyle/>
+                    <a:p>
+                      <a:pPr algn="ctr"/>
+                      <a:r>
+                        <a:rPr lang="en-US" sz="800" baseline="0" dirty="0"/>
+                        <a:t>NULL</a:t>
+                      </a:r>
+                    </a:p>
+                  </a:txBody>
+                  <a:tcPr/>
+                </a:tc>
+                <a:tc>
+                  <a:txBody>
+                    <a:bodyPr/>
+                    <a:lstStyle/>
+                    <a:p>
+                      <a:pPr algn="ctr"/>
+                      <a:endParaRPr lang="en-US" sz="800" baseline="0" dirty="0"/>
+                    </a:p>
+                  </a:txBody>
+                  <a:tcPr/>
+                </a:tc>
+                <a:tc>
+                  <a:txBody>
+                    <a:bodyPr/>
+                    <a:lstStyle/>
+                    <a:p>
+                      <a:pPr algn="ctr"/>
+                      <a:endParaRPr lang="en-US" sz="800" baseline="0" dirty="0"/>
+                    </a:p>
+                  </a:txBody>
+                  <a:tcPr/>
+                </a:tc>
+                <a:tc>
+                  <a:txBody>
+                    <a:bodyPr/>
+                    <a:lstStyle/>
+                    <a:p>
+                      <a:pPr algn="ctr"/>
+                      <a:endParaRPr lang="en-US" sz="800" baseline="0" dirty="0"/>
+                    </a:p>
+                  </a:txBody>
+                  <a:tcPr/>
+                </a:tc>
+                <a:tc>
+                  <a:txBody>
+                    <a:bodyPr/>
+                    <a:lstStyle/>
+                    <a:p>
+                      <a:pPr algn="ctr"/>
+                      <a:endParaRPr lang="en-US" sz="800" baseline="0" dirty="0"/>
+                    </a:p>
+                  </a:txBody>
+                  <a:tcPr/>
+                </a:tc>
+                <a:tc>
+                  <a:txBody>
+                    <a:bodyPr/>
+                    <a:lstStyle/>
+                    <a:p>
+                      <a:pPr algn="ctr"/>
+                      <a:endParaRPr lang="en-US" sz="800" baseline="0" dirty="0"/>
+                    </a:p>
+                  </a:txBody>
+                  <a:tcPr/>
+                </a:tc>
+                <a:tc>
+                  <a:txBody>
+                    <a:bodyPr/>
+                    <a:lstStyle/>
+                    <a:p>
+                      <a:pPr algn="ctr"/>
+                      <a:endParaRPr lang="en-US" sz="800" baseline="0" dirty="0"/>
+                    </a:p>
+                  </a:txBody>
+                  <a:tcPr/>
+                </a:tc>
+                <a:tc>
+                  <a:txBody>
+                    <a:bodyPr/>
+                    <a:lstStyle/>
+                    <a:p>
+                      <a:pPr algn="ctr"/>
+                      <a:endParaRPr lang="en-US" sz="800" baseline="0" dirty="0"/>
+                    </a:p>
+                  </a:txBody>
+                  <a:tcPr/>
+                </a:tc>
+                <a:extLst>
+                  <a:ext uri="{0D108BD9-81ED-4DB2-BD59-A6C34878D82A}">
+                    <a16:rowId xmlns:a16="http://schemas.microsoft.com/office/drawing/2014/main" val="1475415080"/>
+                  </a:ext>
+                </a:extLst>
+              </a:tr>
+              <a:tr h="213360">
+                <a:tc>
+                  <a:txBody>
+                    <a:bodyPr/>
+                    <a:lstStyle/>
+                    <a:p>
+                      <a:pPr algn="ctr"/>
+                      <a:r>
+                        <a:rPr lang="en-US" sz="800" baseline="0" dirty="0"/>
+                        <a:t>0</a:t>
+                      </a:r>
+                    </a:p>
+                  </a:txBody>
+                  <a:tcPr/>
+                </a:tc>
+                <a:tc>
+                  <a:txBody>
+                    <a:bodyPr/>
+                    <a:lstStyle/>
+                    <a:p>
+                      <a:pPr algn="ctr"/>
+                      <a:r>
+                        <a:rPr lang="en-US" sz="800" baseline="0" dirty="0"/>
+                        <a:t>0</a:t>
+                      </a:r>
+                    </a:p>
+                  </a:txBody>
+                  <a:tcPr/>
+                </a:tc>
+                <a:tc>
+                  <a:txBody>
+                    <a:bodyPr/>
+                    <a:lstStyle/>
+                    <a:p>
+                      <a:pPr algn="ctr"/>
+                      <a:r>
+                        <a:rPr lang="en-US" sz="800" baseline="0" dirty="0"/>
+                        <a:t>0</a:t>
+                      </a:r>
+                    </a:p>
+                  </a:txBody>
+                  <a:tcPr/>
+                </a:tc>
+                <a:tc>
+                  <a:txBody>
+                    <a:bodyPr/>
+                    <a:lstStyle/>
+                    <a:p>
+                      <a:pPr algn="ctr"/>
+                      <a:r>
+                        <a:rPr lang="en-US" sz="800" baseline="0" dirty="0"/>
+                        <a:t>NULL</a:t>
+                      </a:r>
+                    </a:p>
+                  </a:txBody>
+                  <a:tcPr/>
+                </a:tc>
+                <a:tc>
+                  <a:txBody>
+                    <a:bodyPr/>
+                    <a:lstStyle/>
+                    <a:p>
+                      <a:pPr algn="ctr"/>
+                      <a:endParaRPr lang="en-US" sz="800" baseline="0" dirty="0"/>
+                    </a:p>
+                  </a:txBody>
+                  <a:tcPr/>
+                </a:tc>
+                <a:tc>
+                  <a:txBody>
+                    <a:bodyPr/>
+                    <a:lstStyle/>
+                    <a:p>
+                      <a:pPr algn="ctr"/>
+                      <a:endParaRPr lang="en-US" sz="800" baseline="0" dirty="0"/>
+                    </a:p>
+                  </a:txBody>
+                  <a:tcPr/>
+                </a:tc>
+                <a:tc>
+                  <a:txBody>
+                    <a:bodyPr/>
+                    <a:lstStyle/>
+                    <a:p>
+                      <a:pPr algn="ctr"/>
+                      <a:endParaRPr lang="en-US" sz="800" baseline="0" dirty="0"/>
+                    </a:p>
+                  </a:txBody>
+                  <a:tcPr/>
+                </a:tc>
+                <a:tc>
+                  <a:txBody>
+                    <a:bodyPr/>
+                    <a:lstStyle/>
+                    <a:p>
+                      <a:pPr algn="ctr"/>
+                      <a:endParaRPr lang="en-US" sz="800" baseline="0" dirty="0"/>
+                    </a:p>
+                  </a:txBody>
+                  <a:tcPr/>
+                </a:tc>
+                <a:tc>
+                  <a:txBody>
+                    <a:bodyPr/>
+                    <a:lstStyle/>
+                    <a:p>
+                      <a:pPr algn="ctr"/>
+                      <a:endParaRPr lang="en-US" sz="800" baseline="0" dirty="0"/>
+                    </a:p>
+                  </a:txBody>
+                  <a:tcPr/>
+                </a:tc>
+                <a:tc>
+                  <a:txBody>
+                    <a:bodyPr/>
+                    <a:lstStyle/>
+                    <a:p>
+                      <a:pPr algn="ctr"/>
+                      <a:endParaRPr lang="en-US" sz="800" baseline="0" dirty="0"/>
+                    </a:p>
+                  </a:txBody>
+                  <a:tcPr/>
+                </a:tc>
+                <a:tc>
+                  <a:txBody>
+                    <a:bodyPr/>
+                    <a:lstStyle/>
+                    <a:p>
+                      <a:pPr algn="ctr"/>
+                      <a:endParaRPr lang="en-US" sz="800" baseline="0" dirty="0"/>
+                    </a:p>
+                  </a:txBody>
+                  <a:tcPr/>
+                </a:tc>
+                <a:extLst>
+                  <a:ext uri="{0D108BD9-81ED-4DB2-BD59-A6C34878D82A}">
+                    <a16:rowId xmlns:a16="http://schemas.microsoft.com/office/drawing/2014/main" val="2904552468"/>
+                  </a:ext>
+                </a:extLst>
+              </a:tr>
+              <a:tr h="213360">
+                <a:tc>
+                  <a:txBody>
+                    <a:bodyPr/>
+                    <a:lstStyle/>
+                    <a:p>
+                      <a:pPr algn="ctr"/>
+                      <a:r>
+                        <a:rPr lang="en-US" sz="800" baseline="0" dirty="0"/>
+                        <a:t>0</a:t>
+                      </a:r>
+                    </a:p>
+                  </a:txBody>
+                  <a:tcPr/>
+                </a:tc>
+                <a:tc>
+                  <a:txBody>
+                    <a:bodyPr/>
+                    <a:lstStyle/>
+                    <a:p>
+                      <a:pPr algn="ctr"/>
+                      <a:r>
+                        <a:rPr lang="en-US" sz="800" baseline="0" dirty="0"/>
+                        <a:t>0</a:t>
+                      </a:r>
+                    </a:p>
+                  </a:txBody>
+                  <a:tcPr/>
+                </a:tc>
+                <a:tc>
+                  <a:txBody>
+                    <a:bodyPr/>
+                    <a:lstStyle/>
+                    <a:p>
+                      <a:pPr algn="ctr"/>
+                      <a:r>
+                        <a:rPr lang="en-US" sz="800" baseline="0" dirty="0"/>
+                        <a:t>0</a:t>
+                      </a:r>
+                    </a:p>
+                  </a:txBody>
+                  <a:tcPr/>
+                </a:tc>
+                <a:tc>
+                  <a:txBody>
+                    <a:bodyPr/>
+                    <a:lstStyle/>
+                    <a:p>
+                      <a:pPr algn="ctr"/>
+                      <a:r>
+                        <a:rPr lang="en-US" sz="800" baseline="0" dirty="0"/>
+                        <a:t>NULL</a:t>
+                      </a:r>
+                    </a:p>
+                  </a:txBody>
+                  <a:tcPr/>
+                </a:tc>
+                <a:tc>
+                  <a:txBody>
+                    <a:bodyPr/>
+                    <a:lstStyle/>
+                    <a:p>
+                      <a:pPr algn="ctr"/>
+                      <a:endParaRPr lang="en-US" sz="800" baseline="0" dirty="0"/>
+                    </a:p>
+                  </a:txBody>
+                  <a:tcPr/>
+                </a:tc>
+                <a:tc>
+                  <a:txBody>
+                    <a:bodyPr/>
+                    <a:lstStyle/>
+                    <a:p>
+                      <a:pPr algn="ctr"/>
+                      <a:endParaRPr lang="en-US" sz="800" baseline="0" dirty="0"/>
+                    </a:p>
+                  </a:txBody>
+                  <a:tcPr/>
+                </a:tc>
+                <a:tc>
+                  <a:txBody>
+                    <a:bodyPr/>
+                    <a:lstStyle/>
+                    <a:p>
+                      <a:pPr algn="ctr"/>
+                      <a:endParaRPr lang="en-US" sz="800" baseline="0" dirty="0"/>
+                    </a:p>
+                  </a:txBody>
+                  <a:tcPr/>
+                </a:tc>
+                <a:tc>
+                  <a:txBody>
+                    <a:bodyPr/>
+                    <a:lstStyle/>
+                    <a:p>
+                      <a:pPr algn="ctr"/>
+                      <a:endParaRPr lang="en-US" sz="800" baseline="0" dirty="0"/>
+                    </a:p>
+                  </a:txBody>
+                  <a:tcPr/>
+                </a:tc>
+                <a:tc>
+                  <a:txBody>
+                    <a:bodyPr/>
+                    <a:lstStyle/>
+                    <a:p>
+                      <a:pPr algn="ctr"/>
+                      <a:endParaRPr lang="en-US" sz="800" baseline="0" dirty="0"/>
+                    </a:p>
+                  </a:txBody>
+                  <a:tcPr/>
+                </a:tc>
+                <a:tc>
+                  <a:txBody>
+                    <a:bodyPr/>
+                    <a:lstStyle/>
+                    <a:p>
+                      <a:pPr algn="ctr"/>
+                      <a:endParaRPr lang="en-US" sz="800" baseline="0" dirty="0"/>
+                    </a:p>
+                  </a:txBody>
+                  <a:tcPr/>
+                </a:tc>
+                <a:tc>
+                  <a:txBody>
+                    <a:bodyPr/>
+                    <a:lstStyle/>
+                    <a:p>
+                      <a:pPr algn="ctr"/>
+                      <a:endParaRPr lang="en-US" sz="800" baseline="0" dirty="0"/>
+                    </a:p>
+                  </a:txBody>
+                  <a:tcPr/>
+                </a:tc>
+                <a:extLst>
+                  <a:ext uri="{0D108BD9-81ED-4DB2-BD59-A6C34878D82A}">
+                    <a16:rowId xmlns:a16="http://schemas.microsoft.com/office/drawing/2014/main" val="918232263"/>
+                  </a:ext>
+                </a:extLst>
+              </a:tr>
+              <a:tr h="213360">
+                <a:tc>
+                  <a:txBody>
+                    <a:bodyPr/>
+                    <a:lstStyle/>
+                    <a:p>
+                      <a:pPr algn="ctr"/>
+                      <a:r>
+                        <a:rPr lang="en-US" sz="800" baseline="0" dirty="0"/>
+                        <a:t>0</a:t>
+                      </a:r>
+                    </a:p>
+                  </a:txBody>
+                  <a:tcPr/>
+                </a:tc>
+                <a:tc>
+                  <a:txBody>
+                    <a:bodyPr/>
+                    <a:lstStyle/>
+                    <a:p>
+                      <a:pPr algn="ctr"/>
+                      <a:r>
+                        <a:rPr lang="en-US" sz="800" baseline="0" dirty="0"/>
+                        <a:t>0</a:t>
+                      </a:r>
+                    </a:p>
+                  </a:txBody>
+                  <a:tcPr/>
+                </a:tc>
+                <a:tc>
+                  <a:txBody>
+                    <a:bodyPr/>
+                    <a:lstStyle/>
+                    <a:p>
+                      <a:pPr algn="ctr"/>
+                      <a:r>
+                        <a:rPr lang="en-US" sz="800" baseline="0" dirty="0"/>
+                        <a:t>0</a:t>
+                      </a:r>
+                    </a:p>
+                  </a:txBody>
+                  <a:tcPr/>
+                </a:tc>
+                <a:tc>
+                  <a:txBody>
+                    <a:bodyPr/>
+                    <a:lstStyle/>
+                    <a:p>
+                      <a:pPr algn="ctr"/>
+                      <a:r>
+                        <a:rPr lang="en-US" sz="800" baseline="0" dirty="0"/>
+                        <a:t>NULL</a:t>
+                      </a:r>
+                    </a:p>
+                  </a:txBody>
+                  <a:tcPr/>
+                </a:tc>
+                <a:tc>
+                  <a:txBody>
+                    <a:bodyPr/>
+                    <a:lstStyle/>
+                    <a:p>
+                      <a:pPr algn="ctr"/>
+                      <a:endParaRPr lang="en-US" sz="800" baseline="0" dirty="0"/>
+                    </a:p>
+                  </a:txBody>
+                  <a:tcPr/>
+                </a:tc>
+                <a:tc>
+                  <a:txBody>
+                    <a:bodyPr/>
+                    <a:lstStyle/>
+                    <a:p>
+                      <a:pPr algn="ctr"/>
+                      <a:endParaRPr lang="en-US" sz="800" baseline="0" dirty="0"/>
+                    </a:p>
+                  </a:txBody>
+                  <a:tcPr/>
+                </a:tc>
+                <a:tc>
+                  <a:txBody>
+                    <a:bodyPr/>
+                    <a:lstStyle/>
+                    <a:p>
+                      <a:pPr algn="ctr"/>
+                      <a:endParaRPr lang="en-US" sz="800" baseline="0" dirty="0"/>
+                    </a:p>
+                  </a:txBody>
+                  <a:tcPr/>
+                </a:tc>
+                <a:tc>
+                  <a:txBody>
+                    <a:bodyPr/>
+                    <a:lstStyle/>
+                    <a:p>
+                      <a:pPr algn="ctr"/>
+                      <a:endParaRPr lang="en-US" sz="800" baseline="0" dirty="0"/>
+                    </a:p>
+                  </a:txBody>
+                  <a:tcPr/>
+                </a:tc>
+                <a:tc>
+                  <a:txBody>
+                    <a:bodyPr/>
+                    <a:lstStyle/>
+                    <a:p>
+                      <a:pPr algn="ctr"/>
+                      <a:endParaRPr lang="en-US" sz="800" baseline="0" dirty="0"/>
+                    </a:p>
+                  </a:txBody>
+                  <a:tcPr/>
+                </a:tc>
+                <a:tc>
+                  <a:txBody>
+                    <a:bodyPr/>
+                    <a:lstStyle/>
+                    <a:p>
+                      <a:pPr algn="ctr"/>
+                      <a:endParaRPr lang="en-US" sz="800" baseline="0" dirty="0"/>
+                    </a:p>
+                  </a:txBody>
+                  <a:tcPr/>
+                </a:tc>
+                <a:tc>
+                  <a:txBody>
+                    <a:bodyPr/>
+                    <a:lstStyle/>
+                    <a:p>
+                      <a:pPr algn="ctr"/>
+                      <a:endParaRPr lang="en-US" sz="800" baseline="0" dirty="0"/>
+                    </a:p>
+                  </a:txBody>
+                  <a:tcPr/>
+                </a:tc>
+                <a:extLst>
+                  <a:ext uri="{0D108BD9-81ED-4DB2-BD59-A6C34878D82A}">
+                    <a16:rowId xmlns:a16="http://schemas.microsoft.com/office/drawing/2014/main" val="3894852877"/>
+                  </a:ext>
+                </a:extLst>
+              </a:tr>
+            </a:tbl>
+          </a:graphicData>
+        </a:graphic>
+      </p:graphicFrame>
+    </p:spTree>
+    <p:extLst>
+      <p:ext uri="{BB962C8B-B14F-4D97-AF65-F5344CB8AC3E}">
+        <p14:creationId xmlns:p14="http://schemas.microsoft.com/office/powerpoint/2010/main" val="3192435848"/>
       </p:ext>
     </p:extLst>
   </p:cSld>

--- a/Docs/Tartansync Test State Chart.pptx
+++ b/Docs/Tartansync Test State Chart.pptx
@@ -5,12 +5,13 @@
     <p:sldMasterId id="2147483648" r:id="rId1"/>
   </p:sldMasterIdLst>
   <p:notesMasterIdLst>
-    <p:notesMasterId r:id="rId5"/>
+    <p:notesMasterId r:id="rId6"/>
   </p:notesMasterIdLst>
   <p:sldIdLst>
     <p:sldId id="256" r:id="rId2"/>
     <p:sldId id="257" r:id="rId3"/>
     <p:sldId id="258" r:id="rId4"/>
+    <p:sldId id="259" r:id="rId5"/>
   </p:sldIdLst>
   <p:sldSz cx="12192000" cy="6858000"/>
   <p:notesSz cx="6858000" cy="9144000"/>
@@ -13825,6 +13826,36 @@
     <p:extLst>
       <p:ext uri="{BB962C8B-B14F-4D97-AF65-F5344CB8AC3E}">
         <p14:creationId xmlns:p14="http://schemas.microsoft.com/office/powerpoint/2010/main" val="3192435848"/>
+      </p:ext>
+    </p:extLst>
+  </p:cSld>
+  <p:clrMapOvr>
+    <a:masterClrMapping/>
+  </p:clrMapOvr>
+</p:sld>
+</file>
+
+<file path=ppt/slides/slide4.xml><?xml version="1.0" encoding="utf-8"?>
+<p:sld xmlns:a="http://schemas.openxmlformats.org/drawingml/2006/main" xmlns:r="http://schemas.openxmlformats.org/officeDocument/2006/relationships" xmlns:p="http://schemas.openxmlformats.org/presentationml/2006/main">
+  <p:cSld>
+    <p:spTree>
+      <p:nvGrpSpPr>
+        <p:cNvPr id="1" name=""/>
+        <p:cNvGrpSpPr/>
+        <p:nvPr/>
+      </p:nvGrpSpPr>
+      <p:grpSpPr>
+        <a:xfrm>
+          <a:off x="0" y="0"/>
+          <a:ext cx="0" cy="0"/>
+          <a:chOff x="0" y="0"/>
+          <a:chExt cx="0" cy="0"/>
+        </a:xfrm>
+      </p:grpSpPr>
+    </p:spTree>
+    <p:extLst>
+      <p:ext uri="{BB962C8B-B14F-4D97-AF65-F5344CB8AC3E}">
+        <p14:creationId xmlns:p14="http://schemas.microsoft.com/office/powerpoint/2010/main" val="3043396051"/>
       </p:ext>
     </p:extLst>
   </p:cSld>
